--- a/PresentationHuffmanDecodage.pptx
+++ b/PresentationHuffmanDecodage.pptx
@@ -4,8 +4,15 @@
   <p:sldMasterIdLst>
     <p:sldMasterId id="2147483686" r:id="rId1"/>
   </p:sldMasterIdLst>
+  <p:notesMasterIdLst>
+    <p:notesMasterId r:id="rId7"/>
+  </p:notesMasterIdLst>
   <p:sldIdLst>
     <p:sldId id="256" r:id="rId2"/>
+    <p:sldId id="257" r:id="rId3"/>
+    <p:sldId id="258" r:id="rId4"/>
+    <p:sldId id="259" r:id="rId5"/>
+    <p:sldId id="260" r:id="rId6"/>
   </p:sldIdLst>
   <p:sldSz cx="12192000" cy="6858000"/>
   <p:notesSz cx="6858000" cy="9144000"/>
@@ -104,7 +111,697 @@
       </a:defRPr>
     </a:lvl9pPr>
   </p:defaultTextStyle>
+  <p:extLst>
+    <p:ext uri="{EFAFB233-063F-42B5-8137-9DF3F51BA10A}">
+      <p15:sldGuideLst xmlns:p15="http://schemas.microsoft.com/office/powerpoint/2012/main"/>
+    </p:ext>
+  </p:extLst>
 </p:presentation>
+</file>
+
+<file path=ppt/notesMasters/notesMaster1.xml><?xml version="1.0" encoding="utf-8"?>
+<p:notesMaster xmlns:a="http://schemas.openxmlformats.org/drawingml/2006/main" xmlns:r="http://schemas.openxmlformats.org/officeDocument/2006/relationships" xmlns:p="http://schemas.openxmlformats.org/presentationml/2006/main">
+  <p:cSld>
+    <p:bg>
+      <p:bgRef idx="1001">
+        <a:schemeClr val="bg1"/>
+      </p:bgRef>
+    </p:bg>
+    <p:spTree>
+      <p:nvGrpSpPr>
+        <p:cNvPr id="1" name=""/>
+        <p:cNvGrpSpPr/>
+        <p:nvPr/>
+      </p:nvGrpSpPr>
+      <p:grpSpPr>
+        <a:xfrm>
+          <a:off x="0" y="0"/>
+          <a:ext cx="0" cy="0"/>
+          <a:chOff x="0" y="0"/>
+          <a:chExt cx="0" cy="0"/>
+        </a:xfrm>
+      </p:grpSpPr>
+      <p:sp>
+        <p:nvSpPr>
+          <p:cNvPr id="2" name="Espace réservé de l'en-tête 1"/>
+          <p:cNvSpPr>
+            <a:spLocks noGrp="1"/>
+          </p:cNvSpPr>
+          <p:nvPr>
+            <p:ph type="hdr" sz="quarter"/>
+          </p:nvPr>
+        </p:nvSpPr>
+        <p:spPr>
+          <a:xfrm>
+            <a:off x="0" y="0"/>
+            <a:ext cx="2971800" cy="458788"/>
+          </a:xfrm>
+          <a:prstGeom prst="rect">
+            <a:avLst/>
+          </a:prstGeom>
+        </p:spPr>
+        <p:txBody>
+          <a:bodyPr vert="horz" lIns="91440" tIns="45720" rIns="91440" bIns="45720" rtlCol="0"/>
+          <a:lstStyle>
+            <a:lvl1pPr algn="l">
+              <a:defRPr sz="1200"/>
+            </a:lvl1pPr>
+          </a:lstStyle>
+          <a:p>
+            <a:endParaRPr lang="fr-FR"/>
+          </a:p>
+        </p:txBody>
+      </p:sp>
+      <p:sp>
+        <p:nvSpPr>
+          <p:cNvPr id="3" name="Espace réservé de la date 2"/>
+          <p:cNvSpPr>
+            <a:spLocks noGrp="1"/>
+          </p:cNvSpPr>
+          <p:nvPr>
+            <p:ph type="dt" idx="1"/>
+          </p:nvPr>
+        </p:nvSpPr>
+        <p:spPr>
+          <a:xfrm>
+            <a:off x="3884613" y="0"/>
+            <a:ext cx="2971800" cy="458788"/>
+          </a:xfrm>
+          <a:prstGeom prst="rect">
+            <a:avLst/>
+          </a:prstGeom>
+        </p:spPr>
+        <p:txBody>
+          <a:bodyPr vert="horz" lIns="91440" tIns="45720" rIns="91440" bIns="45720" rtlCol="0"/>
+          <a:lstStyle>
+            <a:lvl1pPr algn="r">
+              <a:defRPr sz="1200"/>
+            </a:lvl1pPr>
+          </a:lstStyle>
+          <a:p>
+            <a:fld id="{74FA4176-4965-43D4-95B8-8A7707AE8F14}" type="datetimeFigureOut">
+              <a:rPr lang="fr-FR" smtClean="0"/>
+              <a:t>25/04/2024</a:t>
+            </a:fld>
+            <a:endParaRPr lang="fr-FR"/>
+          </a:p>
+        </p:txBody>
+      </p:sp>
+      <p:sp>
+        <p:nvSpPr>
+          <p:cNvPr id="4" name="Espace réservé de l'image des diapositives 3"/>
+          <p:cNvSpPr>
+            <a:spLocks noGrp="1" noRot="1" noChangeAspect="1"/>
+          </p:cNvSpPr>
+          <p:nvPr>
+            <p:ph type="sldImg" idx="2"/>
+          </p:nvPr>
+        </p:nvSpPr>
+        <p:spPr>
+          <a:xfrm>
+            <a:off x="685800" y="1143000"/>
+            <a:ext cx="5486400" cy="3086100"/>
+          </a:xfrm>
+          <a:prstGeom prst="rect">
+            <a:avLst/>
+          </a:prstGeom>
+          <a:noFill/>
+          <a:ln w="12700">
+            <a:solidFill>
+              <a:prstClr val="black"/>
+            </a:solidFill>
+          </a:ln>
+        </p:spPr>
+        <p:txBody>
+          <a:bodyPr vert="horz" lIns="91440" tIns="45720" rIns="91440" bIns="45720" rtlCol="0" anchor="ctr"/>
+          <a:lstStyle/>
+          <a:p>
+            <a:endParaRPr lang="fr-FR"/>
+          </a:p>
+        </p:txBody>
+      </p:sp>
+      <p:sp>
+        <p:nvSpPr>
+          <p:cNvPr id="5" name="Espace réservé des notes 4"/>
+          <p:cNvSpPr>
+            <a:spLocks noGrp="1"/>
+          </p:cNvSpPr>
+          <p:nvPr>
+            <p:ph type="body" sz="quarter" idx="3"/>
+          </p:nvPr>
+        </p:nvSpPr>
+        <p:spPr>
+          <a:xfrm>
+            <a:off x="685800" y="4400550"/>
+            <a:ext cx="5486400" cy="3600450"/>
+          </a:xfrm>
+          <a:prstGeom prst="rect">
+            <a:avLst/>
+          </a:prstGeom>
+        </p:spPr>
+        <p:txBody>
+          <a:bodyPr vert="horz" lIns="91440" tIns="45720" rIns="91440" bIns="45720" rtlCol="0"/>
+          <a:lstStyle/>
+          <a:p>
+            <a:pPr lvl="0"/>
+            <a:r>
+              <a:rPr lang="fr-FR"/>
+              <a:t>Cliquez pour modifier les styles du texte du masque</a:t>
+            </a:r>
+          </a:p>
+          <a:p>
+            <a:pPr lvl="1"/>
+            <a:r>
+              <a:rPr lang="fr-FR"/>
+              <a:t>Deuxième niveau</a:t>
+            </a:r>
+          </a:p>
+          <a:p>
+            <a:pPr lvl="2"/>
+            <a:r>
+              <a:rPr lang="fr-FR"/>
+              <a:t>Troisième niveau</a:t>
+            </a:r>
+          </a:p>
+          <a:p>
+            <a:pPr lvl="3"/>
+            <a:r>
+              <a:rPr lang="fr-FR"/>
+              <a:t>Quatrième niveau</a:t>
+            </a:r>
+          </a:p>
+          <a:p>
+            <a:pPr lvl="4"/>
+            <a:r>
+              <a:rPr lang="fr-FR"/>
+              <a:t>Cinquième niveau</a:t>
+            </a:r>
+          </a:p>
+        </p:txBody>
+      </p:sp>
+      <p:sp>
+        <p:nvSpPr>
+          <p:cNvPr id="6" name="Espace réservé du pied de page 5"/>
+          <p:cNvSpPr>
+            <a:spLocks noGrp="1"/>
+          </p:cNvSpPr>
+          <p:nvPr>
+            <p:ph type="ftr" sz="quarter" idx="4"/>
+          </p:nvPr>
+        </p:nvSpPr>
+        <p:spPr>
+          <a:xfrm>
+            <a:off x="0" y="8685213"/>
+            <a:ext cx="2971800" cy="458787"/>
+          </a:xfrm>
+          <a:prstGeom prst="rect">
+            <a:avLst/>
+          </a:prstGeom>
+        </p:spPr>
+        <p:txBody>
+          <a:bodyPr vert="horz" lIns="91440" tIns="45720" rIns="91440" bIns="45720" rtlCol="0" anchor="b"/>
+          <a:lstStyle>
+            <a:lvl1pPr algn="l">
+              <a:defRPr sz="1200"/>
+            </a:lvl1pPr>
+          </a:lstStyle>
+          <a:p>
+            <a:endParaRPr lang="fr-FR"/>
+          </a:p>
+        </p:txBody>
+      </p:sp>
+      <p:sp>
+        <p:nvSpPr>
+          <p:cNvPr id="7" name="Espace réservé du numéro de diapositive 6"/>
+          <p:cNvSpPr>
+            <a:spLocks noGrp="1"/>
+          </p:cNvSpPr>
+          <p:nvPr>
+            <p:ph type="sldNum" sz="quarter" idx="5"/>
+          </p:nvPr>
+        </p:nvSpPr>
+        <p:spPr>
+          <a:xfrm>
+            <a:off x="3884613" y="8685213"/>
+            <a:ext cx="2971800" cy="458787"/>
+          </a:xfrm>
+          <a:prstGeom prst="rect">
+            <a:avLst/>
+          </a:prstGeom>
+        </p:spPr>
+        <p:txBody>
+          <a:bodyPr vert="horz" lIns="91440" tIns="45720" rIns="91440" bIns="45720" rtlCol="0" anchor="b"/>
+          <a:lstStyle>
+            <a:lvl1pPr algn="r">
+              <a:defRPr sz="1200"/>
+            </a:lvl1pPr>
+          </a:lstStyle>
+          <a:p>
+            <a:fld id="{76FBB3D2-062C-419A-AF0E-3D4975EAB089}" type="slidenum">
+              <a:rPr lang="fr-FR" smtClean="0"/>
+              <a:t>‹N°›</a:t>
+            </a:fld>
+            <a:endParaRPr lang="fr-FR"/>
+          </a:p>
+        </p:txBody>
+      </p:sp>
+    </p:spTree>
+    <p:extLst>
+      <p:ext uri="{BB962C8B-B14F-4D97-AF65-F5344CB8AC3E}">
+        <p14:creationId xmlns:p14="http://schemas.microsoft.com/office/powerpoint/2010/main" val="2616630024"/>
+      </p:ext>
+    </p:extLst>
+  </p:cSld>
+  <p:clrMap bg1="lt1" tx1="dk1" bg2="lt2" tx2="dk2" accent1="accent1" accent2="accent2" accent3="accent3" accent4="accent4" accent5="accent5" accent6="accent6" hlink="hlink" folHlink="folHlink"/>
+  <p:notesStyle>
+    <a:lvl1pPr marL="0" algn="l" defTabSz="914400" rtl="0" eaLnBrk="1" latinLnBrk="0" hangingPunct="1">
+      <a:defRPr sz="1200" kern="1200">
+        <a:solidFill>
+          <a:schemeClr val="tx1"/>
+        </a:solidFill>
+        <a:latin typeface="+mn-lt"/>
+        <a:ea typeface="+mn-ea"/>
+        <a:cs typeface="+mn-cs"/>
+      </a:defRPr>
+    </a:lvl1pPr>
+    <a:lvl2pPr marL="457200" algn="l" defTabSz="914400" rtl="0" eaLnBrk="1" latinLnBrk="0" hangingPunct="1">
+      <a:defRPr sz="1200" kern="1200">
+        <a:solidFill>
+          <a:schemeClr val="tx1"/>
+        </a:solidFill>
+        <a:latin typeface="+mn-lt"/>
+        <a:ea typeface="+mn-ea"/>
+        <a:cs typeface="+mn-cs"/>
+      </a:defRPr>
+    </a:lvl2pPr>
+    <a:lvl3pPr marL="914400" algn="l" defTabSz="914400" rtl="0" eaLnBrk="1" latinLnBrk="0" hangingPunct="1">
+      <a:defRPr sz="1200" kern="1200">
+        <a:solidFill>
+          <a:schemeClr val="tx1"/>
+        </a:solidFill>
+        <a:latin typeface="+mn-lt"/>
+        <a:ea typeface="+mn-ea"/>
+        <a:cs typeface="+mn-cs"/>
+      </a:defRPr>
+    </a:lvl3pPr>
+    <a:lvl4pPr marL="1371600" algn="l" defTabSz="914400" rtl="0" eaLnBrk="1" latinLnBrk="0" hangingPunct="1">
+      <a:defRPr sz="1200" kern="1200">
+        <a:solidFill>
+          <a:schemeClr val="tx1"/>
+        </a:solidFill>
+        <a:latin typeface="+mn-lt"/>
+        <a:ea typeface="+mn-ea"/>
+        <a:cs typeface="+mn-cs"/>
+      </a:defRPr>
+    </a:lvl4pPr>
+    <a:lvl5pPr marL="1828800" algn="l" defTabSz="914400" rtl="0" eaLnBrk="1" latinLnBrk="0" hangingPunct="1">
+      <a:defRPr sz="1200" kern="1200">
+        <a:solidFill>
+          <a:schemeClr val="tx1"/>
+        </a:solidFill>
+        <a:latin typeface="+mn-lt"/>
+        <a:ea typeface="+mn-ea"/>
+        <a:cs typeface="+mn-cs"/>
+      </a:defRPr>
+    </a:lvl5pPr>
+    <a:lvl6pPr marL="2286000" algn="l" defTabSz="914400" rtl="0" eaLnBrk="1" latinLnBrk="0" hangingPunct="1">
+      <a:defRPr sz="1200" kern="1200">
+        <a:solidFill>
+          <a:schemeClr val="tx1"/>
+        </a:solidFill>
+        <a:latin typeface="+mn-lt"/>
+        <a:ea typeface="+mn-ea"/>
+        <a:cs typeface="+mn-cs"/>
+      </a:defRPr>
+    </a:lvl6pPr>
+    <a:lvl7pPr marL="2743200" algn="l" defTabSz="914400" rtl="0" eaLnBrk="1" latinLnBrk="0" hangingPunct="1">
+      <a:defRPr sz="1200" kern="1200">
+        <a:solidFill>
+          <a:schemeClr val="tx1"/>
+        </a:solidFill>
+        <a:latin typeface="+mn-lt"/>
+        <a:ea typeface="+mn-ea"/>
+        <a:cs typeface="+mn-cs"/>
+      </a:defRPr>
+    </a:lvl7pPr>
+    <a:lvl8pPr marL="3200400" algn="l" defTabSz="914400" rtl="0" eaLnBrk="1" latinLnBrk="0" hangingPunct="1">
+      <a:defRPr sz="1200" kern="1200">
+        <a:solidFill>
+          <a:schemeClr val="tx1"/>
+        </a:solidFill>
+        <a:latin typeface="+mn-lt"/>
+        <a:ea typeface="+mn-ea"/>
+        <a:cs typeface="+mn-cs"/>
+      </a:defRPr>
+    </a:lvl8pPr>
+    <a:lvl9pPr marL="3657600" algn="l" defTabSz="914400" rtl="0" eaLnBrk="1" latinLnBrk="0" hangingPunct="1">
+      <a:defRPr sz="1200" kern="1200">
+        <a:solidFill>
+          <a:schemeClr val="tx1"/>
+        </a:solidFill>
+        <a:latin typeface="+mn-lt"/>
+        <a:ea typeface="+mn-ea"/>
+        <a:cs typeface="+mn-cs"/>
+      </a:defRPr>
+    </a:lvl9pPr>
+  </p:notesStyle>
+</p:notesMaster>
+</file>
+
+<file path=ppt/notesSlides/notesSlide1.xml><?xml version="1.0" encoding="utf-8"?>
+<p:notes xmlns:a="http://schemas.openxmlformats.org/drawingml/2006/main" xmlns:r="http://schemas.openxmlformats.org/officeDocument/2006/relationships" xmlns:p="http://schemas.openxmlformats.org/presentationml/2006/main">
+  <p:cSld>
+    <p:spTree>
+      <p:nvGrpSpPr>
+        <p:cNvPr id="1" name=""/>
+        <p:cNvGrpSpPr/>
+        <p:nvPr/>
+      </p:nvGrpSpPr>
+      <p:grpSpPr>
+        <a:xfrm>
+          <a:off x="0" y="0"/>
+          <a:ext cx="0" cy="0"/>
+          <a:chOff x="0" y="0"/>
+          <a:chExt cx="0" cy="0"/>
+        </a:xfrm>
+      </p:grpSpPr>
+      <p:sp>
+        <p:nvSpPr>
+          <p:cNvPr id="2" name="Espace réservé de l'image des diapositives 1"/>
+          <p:cNvSpPr>
+            <a:spLocks noGrp="1" noRot="1" noChangeAspect="1"/>
+          </p:cNvSpPr>
+          <p:nvPr>
+            <p:ph type="sldImg"/>
+          </p:nvPr>
+        </p:nvSpPr>
+        <p:spPr/>
+      </p:sp>
+      <p:sp>
+        <p:nvSpPr>
+          <p:cNvPr id="3" name="Espace réservé des notes 2"/>
+          <p:cNvSpPr>
+            <a:spLocks noGrp="1"/>
+          </p:cNvSpPr>
+          <p:nvPr>
+            <p:ph type="body" idx="1"/>
+          </p:nvPr>
+        </p:nvSpPr>
+        <p:spPr/>
+        <p:txBody>
+          <a:bodyPr/>
+          <a:lstStyle/>
+          <a:p>
+            <a:endParaRPr lang="fr-FR" dirty="0"/>
+          </a:p>
+        </p:txBody>
+      </p:sp>
+      <p:sp>
+        <p:nvSpPr>
+          <p:cNvPr id="4" name="Espace réservé du numéro de diapositive 3"/>
+          <p:cNvSpPr>
+            <a:spLocks noGrp="1"/>
+          </p:cNvSpPr>
+          <p:nvPr>
+            <p:ph type="sldNum" sz="quarter" idx="5"/>
+          </p:nvPr>
+        </p:nvSpPr>
+        <p:spPr/>
+        <p:txBody>
+          <a:bodyPr/>
+          <a:lstStyle/>
+          <a:p>
+            <a:fld id="{76FBB3D2-062C-419A-AF0E-3D4975EAB089}" type="slidenum">
+              <a:rPr lang="fr-FR" smtClean="0"/>
+              <a:t>2</a:t>
+            </a:fld>
+            <a:endParaRPr lang="fr-FR"/>
+          </a:p>
+        </p:txBody>
+      </p:sp>
+    </p:spTree>
+    <p:extLst>
+      <p:ext uri="{BB962C8B-B14F-4D97-AF65-F5344CB8AC3E}">
+        <p14:creationId xmlns:p14="http://schemas.microsoft.com/office/powerpoint/2010/main" val="3512449891"/>
+      </p:ext>
+    </p:extLst>
+  </p:cSld>
+  <p:clrMapOvr>
+    <a:masterClrMapping/>
+  </p:clrMapOvr>
+</p:notes>
+</file>
+
+<file path=ppt/notesSlides/notesSlide2.xml><?xml version="1.0" encoding="utf-8"?>
+<p:notes xmlns:a="http://schemas.openxmlformats.org/drawingml/2006/main" xmlns:r="http://schemas.openxmlformats.org/officeDocument/2006/relationships" xmlns:p="http://schemas.openxmlformats.org/presentationml/2006/main">
+  <p:cSld>
+    <p:spTree>
+      <p:nvGrpSpPr>
+        <p:cNvPr id="1" name=""/>
+        <p:cNvGrpSpPr/>
+        <p:nvPr/>
+      </p:nvGrpSpPr>
+      <p:grpSpPr>
+        <a:xfrm>
+          <a:off x="0" y="0"/>
+          <a:ext cx="0" cy="0"/>
+          <a:chOff x="0" y="0"/>
+          <a:chExt cx="0" cy="0"/>
+        </a:xfrm>
+      </p:grpSpPr>
+      <p:sp>
+        <p:nvSpPr>
+          <p:cNvPr id="2" name="Espace réservé de l'image des diapositives 1"/>
+          <p:cNvSpPr>
+            <a:spLocks noGrp="1" noRot="1" noChangeAspect="1"/>
+          </p:cNvSpPr>
+          <p:nvPr>
+            <p:ph type="sldImg"/>
+          </p:nvPr>
+        </p:nvSpPr>
+        <p:spPr/>
+      </p:sp>
+      <p:sp>
+        <p:nvSpPr>
+          <p:cNvPr id="3" name="Espace réservé des notes 2"/>
+          <p:cNvSpPr>
+            <a:spLocks noGrp="1"/>
+          </p:cNvSpPr>
+          <p:nvPr>
+            <p:ph type="body" idx="1"/>
+          </p:nvPr>
+        </p:nvSpPr>
+        <p:spPr/>
+        <p:txBody>
+          <a:bodyPr/>
+          <a:lstStyle/>
+          <a:p>
+            <a:endParaRPr lang="fr-FR" dirty="0"/>
+          </a:p>
+        </p:txBody>
+      </p:sp>
+      <p:sp>
+        <p:nvSpPr>
+          <p:cNvPr id="4" name="Espace réservé du numéro de diapositive 3"/>
+          <p:cNvSpPr>
+            <a:spLocks noGrp="1"/>
+          </p:cNvSpPr>
+          <p:nvPr>
+            <p:ph type="sldNum" sz="quarter" idx="5"/>
+          </p:nvPr>
+        </p:nvSpPr>
+        <p:spPr/>
+        <p:txBody>
+          <a:bodyPr/>
+          <a:lstStyle/>
+          <a:p>
+            <a:fld id="{76FBB3D2-062C-419A-AF0E-3D4975EAB089}" type="slidenum">
+              <a:rPr lang="fr-FR" smtClean="0"/>
+              <a:t>3</a:t>
+            </a:fld>
+            <a:endParaRPr lang="fr-FR"/>
+          </a:p>
+        </p:txBody>
+      </p:sp>
+    </p:spTree>
+    <p:extLst>
+      <p:ext uri="{BB962C8B-B14F-4D97-AF65-F5344CB8AC3E}">
+        <p14:creationId xmlns:p14="http://schemas.microsoft.com/office/powerpoint/2010/main" val="2293398986"/>
+      </p:ext>
+    </p:extLst>
+  </p:cSld>
+  <p:clrMapOvr>
+    <a:masterClrMapping/>
+  </p:clrMapOvr>
+</p:notes>
+</file>
+
+<file path=ppt/notesSlides/notesSlide3.xml><?xml version="1.0" encoding="utf-8"?>
+<p:notes xmlns:a="http://schemas.openxmlformats.org/drawingml/2006/main" xmlns:r="http://schemas.openxmlformats.org/officeDocument/2006/relationships" xmlns:p="http://schemas.openxmlformats.org/presentationml/2006/main">
+  <p:cSld>
+    <p:spTree>
+      <p:nvGrpSpPr>
+        <p:cNvPr id="1" name=""/>
+        <p:cNvGrpSpPr/>
+        <p:nvPr/>
+      </p:nvGrpSpPr>
+      <p:grpSpPr>
+        <a:xfrm>
+          <a:off x="0" y="0"/>
+          <a:ext cx="0" cy="0"/>
+          <a:chOff x="0" y="0"/>
+          <a:chExt cx="0" cy="0"/>
+        </a:xfrm>
+      </p:grpSpPr>
+      <p:sp>
+        <p:nvSpPr>
+          <p:cNvPr id="2" name="Espace réservé de l'image des diapositives 1"/>
+          <p:cNvSpPr>
+            <a:spLocks noGrp="1" noRot="1" noChangeAspect="1"/>
+          </p:cNvSpPr>
+          <p:nvPr>
+            <p:ph type="sldImg"/>
+          </p:nvPr>
+        </p:nvSpPr>
+        <p:spPr/>
+      </p:sp>
+      <p:sp>
+        <p:nvSpPr>
+          <p:cNvPr id="3" name="Espace réservé des notes 2"/>
+          <p:cNvSpPr>
+            <a:spLocks noGrp="1"/>
+          </p:cNvSpPr>
+          <p:nvPr>
+            <p:ph type="body" idx="1"/>
+          </p:nvPr>
+        </p:nvSpPr>
+        <p:spPr/>
+        <p:txBody>
+          <a:bodyPr/>
+          <a:lstStyle/>
+          <a:p>
+            <a:endParaRPr lang="fr-FR" dirty="0"/>
+          </a:p>
+        </p:txBody>
+      </p:sp>
+      <p:sp>
+        <p:nvSpPr>
+          <p:cNvPr id="4" name="Espace réservé du numéro de diapositive 3"/>
+          <p:cNvSpPr>
+            <a:spLocks noGrp="1"/>
+          </p:cNvSpPr>
+          <p:nvPr>
+            <p:ph type="sldNum" sz="quarter" idx="5"/>
+          </p:nvPr>
+        </p:nvSpPr>
+        <p:spPr/>
+        <p:txBody>
+          <a:bodyPr/>
+          <a:lstStyle/>
+          <a:p>
+            <a:fld id="{76FBB3D2-062C-419A-AF0E-3D4975EAB089}" type="slidenum">
+              <a:rPr lang="fr-FR" smtClean="0"/>
+              <a:t>4</a:t>
+            </a:fld>
+            <a:endParaRPr lang="fr-FR"/>
+          </a:p>
+        </p:txBody>
+      </p:sp>
+    </p:spTree>
+    <p:extLst>
+      <p:ext uri="{BB962C8B-B14F-4D97-AF65-F5344CB8AC3E}">
+        <p14:creationId xmlns:p14="http://schemas.microsoft.com/office/powerpoint/2010/main" val="2949587447"/>
+      </p:ext>
+    </p:extLst>
+  </p:cSld>
+  <p:clrMapOvr>
+    <a:masterClrMapping/>
+  </p:clrMapOvr>
+</p:notes>
+</file>
+
+<file path=ppt/notesSlides/notesSlide4.xml><?xml version="1.0" encoding="utf-8"?>
+<p:notes xmlns:a="http://schemas.openxmlformats.org/drawingml/2006/main" xmlns:r="http://schemas.openxmlformats.org/officeDocument/2006/relationships" xmlns:p="http://schemas.openxmlformats.org/presentationml/2006/main">
+  <p:cSld>
+    <p:spTree>
+      <p:nvGrpSpPr>
+        <p:cNvPr id="1" name=""/>
+        <p:cNvGrpSpPr/>
+        <p:nvPr/>
+      </p:nvGrpSpPr>
+      <p:grpSpPr>
+        <a:xfrm>
+          <a:off x="0" y="0"/>
+          <a:ext cx="0" cy="0"/>
+          <a:chOff x="0" y="0"/>
+          <a:chExt cx="0" cy="0"/>
+        </a:xfrm>
+      </p:grpSpPr>
+      <p:sp>
+        <p:nvSpPr>
+          <p:cNvPr id="2" name="Espace réservé de l'image des diapositives 1"/>
+          <p:cNvSpPr>
+            <a:spLocks noGrp="1" noRot="1" noChangeAspect="1"/>
+          </p:cNvSpPr>
+          <p:nvPr>
+            <p:ph type="sldImg"/>
+          </p:nvPr>
+        </p:nvSpPr>
+        <p:spPr/>
+      </p:sp>
+      <p:sp>
+        <p:nvSpPr>
+          <p:cNvPr id="3" name="Espace réservé des notes 2"/>
+          <p:cNvSpPr>
+            <a:spLocks noGrp="1"/>
+          </p:cNvSpPr>
+          <p:nvPr>
+            <p:ph type="body" idx="1"/>
+          </p:nvPr>
+        </p:nvSpPr>
+        <p:spPr/>
+        <p:txBody>
+          <a:bodyPr/>
+          <a:lstStyle/>
+          <a:p>
+            <a:endParaRPr lang="fr-FR" dirty="0"/>
+          </a:p>
+        </p:txBody>
+      </p:sp>
+      <p:sp>
+        <p:nvSpPr>
+          <p:cNvPr id="4" name="Espace réservé du numéro de diapositive 3"/>
+          <p:cNvSpPr>
+            <a:spLocks noGrp="1"/>
+          </p:cNvSpPr>
+          <p:nvPr>
+            <p:ph type="sldNum" sz="quarter" idx="5"/>
+          </p:nvPr>
+        </p:nvSpPr>
+        <p:spPr/>
+        <p:txBody>
+          <a:bodyPr/>
+          <a:lstStyle/>
+          <a:p>
+            <a:fld id="{76FBB3D2-062C-419A-AF0E-3D4975EAB089}" type="slidenum">
+              <a:rPr lang="fr-FR" smtClean="0"/>
+              <a:t>5</a:t>
+            </a:fld>
+            <a:endParaRPr lang="fr-FR"/>
+          </a:p>
+        </p:txBody>
+      </p:sp>
+    </p:spTree>
+    <p:extLst>
+      <p:ext uri="{BB962C8B-B14F-4D97-AF65-F5344CB8AC3E}">
+        <p14:creationId xmlns:p14="http://schemas.microsoft.com/office/powerpoint/2010/main" val="2715608704"/>
+      </p:ext>
+    </p:extLst>
+  </p:cSld>
+  <p:clrMapOvr>
+    <a:masterClrMapping/>
+  </p:clrMapOvr>
+</p:notes>
 </file>
 
 <file path=ppt/slideLayouts/slideLayout1.xml><?xml version="1.0" encoding="utf-8"?>
@@ -433,9 +1130,9 @@
           <a:lstStyle/>
           <a:p>
             <a:pPr algn="l"/>
-            <a:fld id="{0DCFB061-4267-4D9F-8017-6F550D3068DF}" type="datetime1">
+            <a:fld id="{02E15A7B-2C3A-41D9-9A1C-85B8ACF2BCD6}" type="datetime1">
               <a:rPr lang="en-US" smtClean="0"/>
-              <a:t>4/24/2024</a:t>
+              <a:t>4/25/2024</a:t>
             </a:fld>
             <a:endParaRPr lang="en-US" dirty="0"/>
           </a:p>
@@ -626,9 +1323,9 @@
           <a:bodyPr/>
           <a:lstStyle/>
           <a:p>
-            <a:fld id="{8141BC61-5547-4A60-8DA1-6699760D9972}" type="datetime1">
+            <a:fld id="{FDC8AE5D-CD67-4C10-AFB8-2E79CA2BA643}" type="datetime1">
               <a:rPr lang="en-US" smtClean="0"/>
-              <a:t>4/24/2024</a:t>
+              <a:t>4/25/2024</a:t>
             </a:fld>
             <a:endParaRPr lang="en-US" dirty="0"/>
           </a:p>
@@ -811,9 +1508,9 @@
           <a:bodyPr/>
           <a:lstStyle/>
           <a:p>
-            <a:fld id="{24B9D1C6-60D0-4CD1-8F31-F912522EB041}" type="datetime1">
+            <a:fld id="{3EEDABAF-32ED-47B1-9403-0F6BA8371F9C}" type="datetime1">
               <a:rPr lang="en-US" smtClean="0"/>
-              <a:t>4/24/2024</a:t>
+              <a:t>4/25/2024</a:t>
             </a:fld>
             <a:endParaRPr lang="en-US" dirty="0"/>
           </a:p>
@@ -1040,9 +1737,9 @@
           <a:bodyPr/>
           <a:lstStyle/>
           <a:p>
-            <a:fld id="{47A4ED5C-5A53-433E-8A55-46F54CE81DA5}" type="datetime1">
+            <a:fld id="{92B33F0C-B005-4EEA-B095-FCC3E3BE1490}" type="datetime1">
               <a:rPr lang="en-US" smtClean="0"/>
-              <a:t>4/24/2024</a:t>
+              <a:t>4/25/2024</a:t>
             </a:fld>
             <a:endParaRPr lang="en-US" dirty="0"/>
           </a:p>
@@ -1367,9 +2064,9 @@
           <a:bodyPr/>
           <a:lstStyle/>
           <a:p>
-            <a:fld id="{29CABC0C-B6DF-45E9-B954-11C99AA62C3E}" type="datetime1">
+            <a:fld id="{8BC9C290-BBFF-4C9C-BC84-789BFA72C86E}" type="datetime1">
               <a:rPr lang="en-US" smtClean="0"/>
-              <a:t>4/24/2024</a:t>
+              <a:t>4/25/2024</a:t>
             </a:fld>
             <a:endParaRPr lang="en-US" dirty="0"/>
           </a:p>
@@ -1663,9 +2360,9 @@
           <a:bodyPr/>
           <a:lstStyle/>
           <a:p>
-            <a:fld id="{A4AB71B9-2624-4F21-93EE-35A78B1A0DAD}" type="datetime1">
+            <a:fld id="{97CCE36C-A76A-4E89-8DC3-4B272874EA53}" type="datetime1">
               <a:rPr lang="en-US" smtClean="0"/>
-              <a:t>4/24/2024</a:t>
+              <a:t>4/25/2024</a:t>
             </a:fld>
             <a:endParaRPr lang="en-US" dirty="0"/>
           </a:p>
@@ -2084,9 +2781,9 @@
           <a:bodyPr/>
           <a:lstStyle/>
           <a:p>
-            <a:fld id="{36D37C2A-BE2E-4840-A907-3254E2916C96}" type="datetime1">
+            <a:fld id="{CB8A26C5-231A-4899-9472-B5DC617ED757}" type="datetime1">
               <a:rPr lang="en-US" smtClean="0"/>
-              <a:t>4/24/2024</a:t>
+              <a:t>4/25/2024</a:t>
             </a:fld>
             <a:endParaRPr lang="en-US" dirty="0"/>
           </a:p>
@@ -2282,9 +2979,9 @@
           <a:bodyPr/>
           <a:lstStyle/>
           <a:p>
-            <a:fld id="{005CD215-1C45-48A0-8534-39FFE8A7C95A}" type="datetime1">
+            <a:fld id="{086191B1-1BC7-404E-8B1B-7F2DA2E822DB}" type="datetime1">
               <a:rPr lang="en-US" smtClean="0"/>
-              <a:t>4/24/2024</a:t>
+              <a:t>4/25/2024</a:t>
             </a:fld>
             <a:endParaRPr lang="en-US" dirty="0"/>
           </a:p>
@@ -2391,9 +3088,9 @@
           <a:bodyPr/>
           <a:lstStyle/>
           <a:p>
-            <a:fld id="{D3363A0F-DEF3-4134-98D0-2E1276938A8B}" type="datetime1">
+            <a:fld id="{E46E6999-D060-4091-B224-D1A8BF4E33D0}" type="datetime1">
               <a:rPr lang="en-US" smtClean="0"/>
-              <a:t>4/24/2024</a:t>
+              <a:t>4/25/2024</a:t>
             </a:fld>
             <a:endParaRPr lang="en-US" dirty="0"/>
           </a:p>
@@ -2812,9 +3509,9 @@
             </a:lvl1pPr>
           </a:lstStyle>
           <a:p>
-            <a:fld id="{61A2E4C8-2960-4ADD-862C-4D9643CB15AC}" type="datetime1">
+            <a:fld id="{931B03B1-CCF1-4243-86AC-CF511C76B178}" type="datetime1">
               <a:rPr lang="en-US" smtClean="0"/>
-              <a:t>4/24/2024</a:t>
+              <a:t>4/25/2024</a:t>
             </a:fld>
             <a:endParaRPr lang="en-US" dirty="0"/>
           </a:p>
@@ -3165,9 +3862,9 @@
           <a:bodyPr/>
           <a:lstStyle/>
           <a:p>
-            <a:fld id="{48BDEA15-09CD-4275-A8E0-385C965F48B0}" type="datetime1">
+            <a:fld id="{3A54A451-0A22-4863-83B6-72D6671AACAF}" type="datetime1">
               <a:rPr lang="en-US" smtClean="0"/>
-              <a:t>4/24/2024</a:t>
+              <a:t>4/25/2024</a:t>
             </a:fld>
             <a:endParaRPr lang="en-US" dirty="0"/>
           </a:p>
@@ -3470,9 +4167,9 @@
             </a:lvl1pPr>
           </a:lstStyle>
           <a:p>
-            <a:fld id="{4AF8082C-0922-4249-A612-B415F5231620}" type="datetime1">
+            <a:fld id="{817E753B-0B25-43C3-BBF2-3585ABEB91AF}" type="datetime1">
               <a:rPr lang="en-US" smtClean="0"/>
-              <a:t>4/24/2024</a:t>
+              <a:t>4/25/2024</a:t>
             </a:fld>
             <a:endParaRPr lang="en-US" dirty="0"/>
           </a:p>
@@ -3634,7 +4331,7 @@
     <p:sldLayoutId id="2147483680" r:id="rId10"/>
     <p:sldLayoutId id="2147483682" r:id="rId11"/>
   </p:sldLayoutIdLst>
-  <p:hf sldNum="0" hdr="0" ftr="0" dt="0"/>
+  <p:hf hdr="0" ftr="0" dt="0"/>
   <p:txStyles>
     <p:titleStyle>
       <a:lvl1pPr algn="l" defTabSz="914400" rtl="0" eaLnBrk="1" latinLnBrk="0" hangingPunct="1">
@@ -4254,9 +4951,21 @@
         </p:spPr>
         <p:txBody>
           <a:bodyPr anchor="t">
-            <a:normAutofit/>
+            <a:normAutofit fontScale="47500" lnSpcReduction="20000"/>
           </a:bodyPr>
           <a:lstStyle/>
+          <a:p>
+            <a:r>
+              <a:rPr lang="fr-FR" dirty="0"/>
+              <a:t>Git codage (Java) : https://github.com/Mathieu-Lin/Huffman-Codage</a:t>
+            </a:r>
+          </a:p>
+          <a:p>
+            <a:r>
+              <a:rPr lang="fr-FR" dirty="0"/>
+              <a:t>Git : https://github.com/Mathieu-Lin/Huffman-Decodage</a:t>
+            </a:r>
+          </a:p>
           <a:p>
             <a:r>
               <a:rPr lang="fr-FR" dirty="0"/>
@@ -4519,6 +5228,108 @@
           </a:p>
         </p:txBody>
       </p:sp>
+      <p:pic>
+        <p:nvPicPr>
+          <p:cNvPr id="6" name="Image 5" descr="Une image contenant Graphique, cercle, capture d’écran, logo&#10;&#10;Description générée automatiquement">
+            <a:extLst>
+              <a:ext uri="{FF2B5EF4-FFF2-40B4-BE49-F238E27FC236}">
+                <a16:creationId xmlns:a16="http://schemas.microsoft.com/office/drawing/2014/main" id="{47224224-8BAB-5E78-12F3-387BC2420846}"/>
+              </a:ext>
+            </a:extLst>
+          </p:cNvPr>
+          <p:cNvPicPr>
+            <a:picLocks noChangeAspect="1"/>
+          </p:cNvPicPr>
+          <p:nvPr/>
+        </p:nvPicPr>
+        <p:blipFill>
+          <a:blip r:embed="rId3">
+            <a:extLst>
+              <a:ext uri="{28A0092B-C50C-407E-A947-70E740481C1C}">
+                <a14:useLocalDpi xmlns:a14="http://schemas.microsoft.com/office/drawing/2010/main" val="0"/>
+              </a:ext>
+            </a:extLst>
+          </a:blip>
+          <a:stretch>
+            <a:fillRect/>
+          </a:stretch>
+        </p:blipFill>
+        <p:spPr>
+          <a:xfrm>
+            <a:off x="9935012" y="152216"/>
+            <a:ext cx="2038092" cy="2249180"/>
+          </a:xfrm>
+          <a:prstGeom prst="rect">
+            <a:avLst/>
+          </a:prstGeom>
+        </p:spPr>
+      </p:pic>
+      <p:pic>
+        <p:nvPicPr>
+          <p:cNvPr id="7" name="Image 6" descr="Une image contenant Police, Graphique, texte, logo&#10;&#10;Description générée automatiquement">
+            <a:extLst>
+              <a:ext uri="{FF2B5EF4-FFF2-40B4-BE49-F238E27FC236}">
+                <a16:creationId xmlns:a16="http://schemas.microsoft.com/office/drawing/2014/main" id="{89B0DD9D-9B96-811E-91F2-2D5092AE9900}"/>
+              </a:ext>
+            </a:extLst>
+          </p:cNvPr>
+          <p:cNvPicPr>
+            <a:picLocks noChangeAspect="1"/>
+          </p:cNvPicPr>
+          <p:nvPr/>
+        </p:nvPicPr>
+        <p:blipFill>
+          <a:blip r:embed="rId4">
+            <a:extLst>
+              <a:ext uri="{28A0092B-C50C-407E-A947-70E740481C1C}">
+                <a14:useLocalDpi xmlns:a14="http://schemas.microsoft.com/office/drawing/2010/main" val="0"/>
+              </a:ext>
+            </a:extLst>
+          </a:blip>
+          <a:stretch>
+            <a:fillRect/>
+          </a:stretch>
+        </p:blipFill>
+        <p:spPr>
+          <a:xfrm>
+            <a:off x="4882101" y="303234"/>
+            <a:ext cx="4343400" cy="1286054"/>
+          </a:xfrm>
+          <a:prstGeom prst="rect">
+            <a:avLst/>
+          </a:prstGeom>
+        </p:spPr>
+      </p:pic>
+      <p:sp>
+        <p:nvSpPr>
+          <p:cNvPr id="8" name="Espace réservé du numéro de diapositive 7">
+            <a:extLst>
+              <a:ext uri="{FF2B5EF4-FFF2-40B4-BE49-F238E27FC236}">
+                <a16:creationId xmlns:a16="http://schemas.microsoft.com/office/drawing/2014/main" id="{D640E610-8D93-A70C-8998-ED21CF883070}"/>
+              </a:ext>
+            </a:extLst>
+          </p:cNvPr>
+          <p:cNvSpPr>
+            <a:spLocks noGrp="1"/>
+          </p:cNvSpPr>
+          <p:nvPr>
+            <p:ph type="sldNum" sz="quarter" idx="12"/>
+          </p:nvPr>
+        </p:nvSpPr>
+        <p:spPr/>
+        <p:txBody>
+          <a:bodyPr/>
+          <a:lstStyle/>
+          <a:p>
+            <a:fld id="{FAEF9944-A4F6-4C59-AEBD-678D6480B8EA}" type="slidenum">
+              <a:rPr lang="en-US" smtClean="0"/>
+              <a:pPr/>
+              <a:t>1</a:t>
+            </a:fld>
+            <a:endParaRPr lang="en-US" dirty="0"/>
+          </a:p>
+        </p:txBody>
+      </p:sp>
     </p:spTree>
     <p:extLst>
       <p:ext uri="{BB962C8B-B14F-4D97-AF65-F5344CB8AC3E}">
@@ -4529,6 +5340,5694 @@
   <p:clrMapOvr>
     <a:masterClrMapping/>
   </p:clrMapOvr>
+  <mc:AlternateContent xmlns:mc="http://schemas.openxmlformats.org/markup-compatibility/2006">
+    <mc:Choice xmlns:p159="http://schemas.microsoft.com/office/powerpoint/2015/09/main" Requires="p159">
+      <p:transition xmlns:p14="http://schemas.microsoft.com/office/powerpoint/2010/main" spd="slow" p14:dur="2000">
+        <p159:morph option="byObject"/>
+      </p:transition>
+    </mc:Choice>
+    <mc:Fallback>
+      <p:transition spd="slow">
+        <p:fade/>
+      </p:transition>
+    </mc:Fallback>
+  </mc:AlternateContent>
+</p:sld>
+</file>
+
+<file path=ppt/slides/slide2.xml><?xml version="1.0" encoding="utf-8"?>
+<p:sld xmlns:a="http://schemas.openxmlformats.org/drawingml/2006/main" xmlns:r="http://schemas.openxmlformats.org/officeDocument/2006/relationships" xmlns:p="http://schemas.openxmlformats.org/presentationml/2006/main">
+  <p:cSld>
+    <p:bg>
+      <p:bgPr>
+        <a:solidFill>
+          <a:schemeClr val="bg2"/>
+        </a:solidFill>
+        <a:effectLst/>
+      </p:bgPr>
+    </p:bg>
+    <p:spTree>
+      <p:nvGrpSpPr>
+        <p:cNvPr id="1" name=""/>
+        <p:cNvGrpSpPr/>
+        <p:nvPr/>
+      </p:nvGrpSpPr>
+      <p:grpSpPr>
+        <a:xfrm>
+          <a:off x="0" y="0"/>
+          <a:ext cx="0" cy="0"/>
+          <a:chOff x="0" y="0"/>
+          <a:chExt cx="0" cy="0"/>
+        </a:xfrm>
+      </p:grpSpPr>
+      <p:sp useBgFill="1">
+        <p:nvSpPr>
+          <p:cNvPr id="9" name="Rectangle 8">
+            <a:extLst>
+              <a:ext uri="{FF2B5EF4-FFF2-40B4-BE49-F238E27FC236}">
+                <a16:creationId xmlns:a16="http://schemas.microsoft.com/office/drawing/2014/main" id="{72526924-84D3-45FB-A5FE-62D8FCBF53B6}"/>
+              </a:ext>
+              <a:ext uri="{C183D7F6-B498-43B3-948B-1728B52AA6E4}">
+                <adec:decorative xmlns:adec="http://schemas.microsoft.com/office/drawing/2017/decorative" val="1"/>
+              </a:ext>
+            </a:extLst>
+          </p:cNvPr>
+          <p:cNvSpPr>
+            <a:spLocks noGrp="1" noRot="1" noChangeAspect="1" noMove="1" noResize="1" noEditPoints="1" noAdjustHandles="1" noChangeArrowheads="1" noChangeShapeType="1" noTextEdit="1"/>
+          </p:cNvSpPr>
+          <p:nvPr>
+            <p:extLst>
+              <p:ext uri="{386F3935-93C4-4BCD-93E2-E3B085C9AB24}">
+                <p16:designElem xmlns:p16="http://schemas.microsoft.com/office/powerpoint/2015/main" val="1"/>
+              </p:ext>
+            </p:extLst>
+          </p:nvPr>
+        </p:nvSpPr>
+        <p:spPr>
+          <a:xfrm>
+            <a:off x="0" y="0"/>
+            <a:ext cx="12192001" cy="6858000"/>
+          </a:xfrm>
+          <a:prstGeom prst="rect">
+            <a:avLst/>
+          </a:prstGeom>
+          <a:ln>
+            <a:noFill/>
+          </a:ln>
+        </p:spPr>
+        <p:style>
+          <a:lnRef idx="2">
+            <a:schemeClr val="accent1">
+              <a:shade val="50000"/>
+            </a:schemeClr>
+          </a:lnRef>
+          <a:fillRef idx="1">
+            <a:schemeClr val="accent1"/>
+          </a:fillRef>
+          <a:effectRef idx="0">
+            <a:schemeClr val="accent1"/>
+          </a:effectRef>
+          <a:fontRef idx="minor">
+            <a:schemeClr val="lt1"/>
+          </a:fontRef>
+        </p:style>
+        <p:txBody>
+          <a:bodyPr rtlCol="0" anchor="ctr"/>
+          <a:lstStyle/>
+          <a:p>
+            <a:pPr algn="ctr"/>
+            <a:endParaRPr lang="en-US"/>
+          </a:p>
+        </p:txBody>
+      </p:sp>
+      <p:sp>
+        <p:nvSpPr>
+          <p:cNvPr id="11" name="Rectangle 10">
+            <a:extLst>
+              <a:ext uri="{FF2B5EF4-FFF2-40B4-BE49-F238E27FC236}">
+                <a16:creationId xmlns:a16="http://schemas.microsoft.com/office/drawing/2014/main" id="{5C2A6256-1DD0-4E4B-A8B3-9A711B4DBE0C}"/>
+              </a:ext>
+              <a:ext uri="{C183D7F6-B498-43B3-948B-1728B52AA6E4}">
+                <adec:decorative xmlns:adec="http://schemas.microsoft.com/office/drawing/2017/decorative" val="1"/>
+              </a:ext>
+            </a:extLst>
+          </p:cNvPr>
+          <p:cNvSpPr>
+            <a:spLocks noGrp="1" noRot="1" noChangeAspect="1" noMove="1" noResize="1" noEditPoints="1" noAdjustHandles="1" noChangeArrowheads="1" noChangeShapeType="1" noTextEdit="1"/>
+          </p:cNvSpPr>
+          <p:nvPr>
+            <p:extLst>
+              <p:ext uri="{386F3935-93C4-4BCD-93E2-E3B085C9AB24}">
+                <p16:designElem xmlns:p16="http://schemas.microsoft.com/office/powerpoint/2015/main" val="1"/>
+              </p:ext>
+            </p:extLst>
+          </p:nvPr>
+        </p:nvSpPr>
+        <p:spPr>
+          <a:xfrm>
+            <a:off x="1038768" y="2130218"/>
+            <a:ext cx="11153231" cy="4727782"/>
+          </a:xfrm>
+          <a:prstGeom prst="rect">
+            <a:avLst/>
+          </a:prstGeom>
+          <a:solidFill>
+            <a:schemeClr val="bg1">
+              <a:alpha val="75000"/>
+            </a:schemeClr>
+          </a:solidFill>
+          <a:ln>
+            <a:noFill/>
+          </a:ln>
+        </p:spPr>
+        <p:style>
+          <a:lnRef idx="2">
+            <a:schemeClr val="accent1">
+              <a:shade val="50000"/>
+            </a:schemeClr>
+          </a:lnRef>
+          <a:fillRef idx="1">
+            <a:schemeClr val="accent1"/>
+          </a:fillRef>
+          <a:effectRef idx="0">
+            <a:schemeClr val="accent1"/>
+          </a:effectRef>
+          <a:fontRef idx="minor">
+            <a:schemeClr val="lt1"/>
+          </a:fontRef>
+        </p:style>
+        <p:txBody>
+          <a:bodyPr rtlCol="0" anchor="ctr"/>
+          <a:lstStyle/>
+          <a:p>
+            <a:pPr algn="ctr"/>
+            <a:endParaRPr lang="en-US"/>
+          </a:p>
+        </p:txBody>
+      </p:sp>
+      <p:sp>
+        <p:nvSpPr>
+          <p:cNvPr id="13" name="Rectangle 12">
+            <a:extLst>
+              <a:ext uri="{FF2B5EF4-FFF2-40B4-BE49-F238E27FC236}">
+                <a16:creationId xmlns:a16="http://schemas.microsoft.com/office/drawing/2014/main" id="{41760540-185E-4652-BFD2-9B362EF3BC99}"/>
+              </a:ext>
+              <a:ext uri="{C183D7F6-B498-43B3-948B-1728B52AA6E4}">
+                <adec:decorative xmlns:adec="http://schemas.microsoft.com/office/drawing/2017/decorative" val="1"/>
+              </a:ext>
+            </a:extLst>
+          </p:cNvPr>
+          <p:cNvSpPr>
+            <a:spLocks noGrp="1" noRot="1" noChangeAspect="1" noMove="1" noResize="1" noEditPoints="1" noAdjustHandles="1" noChangeArrowheads="1" noChangeShapeType="1" noTextEdit="1"/>
+          </p:cNvSpPr>
+          <p:nvPr>
+            <p:extLst>
+              <p:ext uri="{386F3935-93C4-4BCD-93E2-E3B085C9AB24}">
+                <p16:designElem xmlns:p16="http://schemas.microsoft.com/office/powerpoint/2015/main" val="1"/>
+              </p:ext>
+            </p:extLst>
+          </p:nvPr>
+        </p:nvSpPr>
+        <p:spPr>
+          <a:xfrm>
+            <a:off x="0" y="896641"/>
+            <a:ext cx="12192000" cy="1347716"/>
+          </a:xfrm>
+          <a:prstGeom prst="rect">
+            <a:avLst/>
+          </a:prstGeom>
+          <a:solidFill>
+            <a:schemeClr val="tx2"/>
+          </a:solidFill>
+          <a:ln>
+            <a:noFill/>
+          </a:ln>
+        </p:spPr>
+        <p:style>
+          <a:lnRef idx="2">
+            <a:schemeClr val="accent1">
+              <a:shade val="50000"/>
+            </a:schemeClr>
+          </a:lnRef>
+          <a:fillRef idx="1">
+            <a:schemeClr val="accent1"/>
+          </a:fillRef>
+          <a:effectRef idx="0">
+            <a:schemeClr val="accent1"/>
+          </a:effectRef>
+          <a:fontRef idx="minor">
+            <a:schemeClr val="lt1"/>
+          </a:fontRef>
+        </p:style>
+        <p:txBody>
+          <a:bodyPr rtlCol="0" anchor="ctr"/>
+          <a:lstStyle/>
+          <a:p>
+            <a:pPr algn="ctr"/>
+            <a:endParaRPr lang="en-US"/>
+          </a:p>
+        </p:txBody>
+      </p:sp>
+      <p:sp>
+        <p:nvSpPr>
+          <p:cNvPr id="2" name="Titre 1">
+            <a:extLst>
+              <a:ext uri="{FF2B5EF4-FFF2-40B4-BE49-F238E27FC236}">
+                <a16:creationId xmlns:a16="http://schemas.microsoft.com/office/drawing/2014/main" id="{48780D4D-041E-B48D-3CD4-0BB1BF2D77E9}"/>
+              </a:ext>
+            </a:extLst>
+          </p:cNvPr>
+          <p:cNvSpPr>
+            <a:spLocks noGrp="1"/>
+          </p:cNvSpPr>
+          <p:nvPr>
+            <p:ph type="title"/>
+          </p:nvPr>
+        </p:nvSpPr>
+        <p:spPr>
+          <a:xfrm>
+            <a:off x="1535371" y="1044054"/>
+            <a:ext cx="10013709" cy="1030360"/>
+          </a:xfrm>
+        </p:spPr>
+        <p:txBody>
+          <a:bodyPr>
+            <a:normAutofit/>
+          </a:bodyPr>
+          <a:lstStyle/>
+          <a:p>
+            <a:pPr>
+              <a:lnSpc>
+                <a:spcPct val="140000"/>
+              </a:lnSpc>
+            </a:pPr>
+            <a:r>
+              <a:rPr lang="fr-FR" sz="2800" dirty="0">
+                <a:solidFill>
+                  <a:schemeClr val="bg1"/>
+                </a:solidFill>
+              </a:rPr>
+              <a:t>Décomposition fonctionnelle du programme</a:t>
+            </a:r>
+          </a:p>
+        </p:txBody>
+      </p:sp>
+      <p:sp>
+        <p:nvSpPr>
+          <p:cNvPr id="15" name="Rectangle 14">
+            <a:extLst>
+              <a:ext uri="{FF2B5EF4-FFF2-40B4-BE49-F238E27FC236}">
+                <a16:creationId xmlns:a16="http://schemas.microsoft.com/office/drawing/2014/main" id="{729789F4-85C1-41A0-83EB-992E22210CB9}"/>
+              </a:ext>
+              <a:ext uri="{C183D7F6-B498-43B3-948B-1728B52AA6E4}">
+                <adec:decorative xmlns:adec="http://schemas.microsoft.com/office/drawing/2017/decorative" val="1"/>
+              </a:ext>
+            </a:extLst>
+          </p:cNvPr>
+          <p:cNvSpPr>
+            <a:spLocks noGrp="1" noRot="1" noChangeAspect="1" noMove="1" noResize="1" noEditPoints="1" noAdjustHandles="1" noChangeArrowheads="1" noChangeShapeType="1" noTextEdit="1"/>
+          </p:cNvSpPr>
+          <p:nvPr>
+            <p:extLst>
+              <p:ext uri="{386F3935-93C4-4BCD-93E2-E3B085C9AB24}">
+                <p16:designElem xmlns:p16="http://schemas.microsoft.com/office/powerpoint/2015/main" val="1"/>
+              </p:ext>
+            </p:extLst>
+          </p:nvPr>
+        </p:nvSpPr>
+        <p:spPr>
+          <a:xfrm>
+            <a:off x="-1" y="962423"/>
+            <a:ext cx="1006766" cy="1216152"/>
+          </a:xfrm>
+          <a:prstGeom prst="rect">
+            <a:avLst/>
+          </a:prstGeom>
+          <a:solidFill>
+            <a:schemeClr val="accent1"/>
+          </a:solidFill>
+          <a:ln>
+            <a:noFill/>
+          </a:ln>
+        </p:spPr>
+        <p:style>
+          <a:lnRef idx="2">
+            <a:schemeClr val="accent1">
+              <a:shade val="50000"/>
+            </a:schemeClr>
+          </a:lnRef>
+          <a:fillRef idx="1">
+            <a:schemeClr val="accent1"/>
+          </a:fillRef>
+          <a:effectRef idx="0">
+            <a:schemeClr val="accent1"/>
+          </a:effectRef>
+          <a:fontRef idx="minor">
+            <a:schemeClr val="lt1"/>
+          </a:fontRef>
+        </p:style>
+        <p:txBody>
+          <a:bodyPr rtlCol="0" anchor="ctr"/>
+          <a:lstStyle/>
+          <a:p>
+            <a:pPr algn="ctr"/>
+            <a:endParaRPr lang="en-US"/>
+          </a:p>
+        </p:txBody>
+      </p:sp>
+      <p:sp>
+        <p:nvSpPr>
+          <p:cNvPr id="17" name="Rectangle 16">
+            <a:extLst>
+              <a:ext uri="{FF2B5EF4-FFF2-40B4-BE49-F238E27FC236}">
+                <a16:creationId xmlns:a16="http://schemas.microsoft.com/office/drawing/2014/main" id="{9D9D367D-6DD2-4A7C-8918-0DCAC297559A}"/>
+              </a:ext>
+              <a:ext uri="{C183D7F6-B498-43B3-948B-1728B52AA6E4}">
+                <adec:decorative xmlns:adec="http://schemas.microsoft.com/office/drawing/2017/decorative" val="1"/>
+              </a:ext>
+            </a:extLst>
+          </p:cNvPr>
+          <p:cNvSpPr>
+            <a:spLocks noGrp="1" noRot="1" noChangeAspect="1" noMove="1" noResize="1" noEditPoints="1" noAdjustHandles="1" noChangeArrowheads="1" noChangeShapeType="1" noTextEdit="1"/>
+          </p:cNvSpPr>
+          <p:nvPr>
+            <p:extLst>
+              <p:ext uri="{386F3935-93C4-4BCD-93E2-E3B085C9AB24}">
+                <p16:designElem xmlns:p16="http://schemas.microsoft.com/office/powerpoint/2015/main" val="1"/>
+              </p:ext>
+            </p:extLst>
+          </p:nvPr>
+        </p:nvSpPr>
+        <p:spPr>
+          <a:xfrm rot="5400000">
+            <a:off x="-2390232" y="3396997"/>
+            <a:ext cx="6858002" cy="64008"/>
+          </a:xfrm>
+          <a:prstGeom prst="rect">
+            <a:avLst/>
+          </a:prstGeom>
+          <a:solidFill>
+            <a:schemeClr val="tx2"/>
+          </a:solidFill>
+          <a:ln>
+            <a:noFill/>
+          </a:ln>
+        </p:spPr>
+        <p:style>
+          <a:lnRef idx="2">
+            <a:schemeClr val="accent1">
+              <a:shade val="50000"/>
+            </a:schemeClr>
+          </a:lnRef>
+          <a:fillRef idx="1">
+            <a:schemeClr val="accent1"/>
+          </a:fillRef>
+          <a:effectRef idx="0">
+            <a:schemeClr val="accent1"/>
+          </a:effectRef>
+          <a:fontRef idx="minor">
+            <a:schemeClr val="lt1"/>
+          </a:fontRef>
+        </p:style>
+        <p:txBody>
+          <a:bodyPr rtlCol="0" anchor="ctr"/>
+          <a:lstStyle/>
+          <a:p>
+            <a:pPr algn="ctr"/>
+            <a:endParaRPr lang="en-US"/>
+          </a:p>
+        </p:txBody>
+      </p:sp>
+      <p:sp>
+        <p:nvSpPr>
+          <p:cNvPr id="4" name="Espace réservé du numéro de diapositive 3">
+            <a:extLst>
+              <a:ext uri="{FF2B5EF4-FFF2-40B4-BE49-F238E27FC236}">
+                <a16:creationId xmlns:a16="http://schemas.microsoft.com/office/drawing/2014/main" id="{5AB44E8A-54A1-4248-E629-545A22270AC3}"/>
+              </a:ext>
+            </a:extLst>
+          </p:cNvPr>
+          <p:cNvSpPr>
+            <a:spLocks noGrp="1"/>
+          </p:cNvSpPr>
+          <p:nvPr>
+            <p:ph type="sldNum" sz="quarter" idx="12"/>
+          </p:nvPr>
+        </p:nvSpPr>
+        <p:spPr>
+          <a:xfrm>
+            <a:off x="10569202" y="6309360"/>
+            <a:ext cx="979879" cy="457200"/>
+          </a:xfrm>
+        </p:spPr>
+        <p:txBody>
+          <a:bodyPr>
+            <a:normAutofit/>
+          </a:bodyPr>
+          <a:lstStyle/>
+          <a:p>
+            <a:pPr>
+              <a:spcAft>
+                <a:spcPts val="600"/>
+              </a:spcAft>
+            </a:pPr>
+            <a:fld id="{FAEF9944-A4F6-4C59-AEBD-678D6480B8EA}" type="slidenum">
+              <a:rPr lang="en-US" smtClean="0"/>
+              <a:pPr>
+                <a:spcAft>
+                  <a:spcPts val="600"/>
+                </a:spcAft>
+              </a:pPr>
+              <a:t>2</a:t>
+            </a:fld>
+            <a:endParaRPr lang="en-US"/>
+          </a:p>
+        </p:txBody>
+      </p:sp>
+      <p:sp>
+        <p:nvSpPr>
+          <p:cNvPr id="6" name="Rectangle 5">
+            <a:extLst>
+              <a:ext uri="{FF2B5EF4-FFF2-40B4-BE49-F238E27FC236}">
+                <a16:creationId xmlns:a16="http://schemas.microsoft.com/office/drawing/2014/main" id="{DC239637-2CC6-6A3F-366C-A9CB9F0A9E32}"/>
+              </a:ext>
+            </a:extLst>
+          </p:cNvPr>
+          <p:cNvSpPr/>
+          <p:nvPr/>
+        </p:nvSpPr>
+        <p:spPr>
+          <a:xfrm>
+            <a:off x="678426" y="4168877"/>
+            <a:ext cx="1455174" cy="639097"/>
+          </a:xfrm>
+          <a:prstGeom prst="rect">
+            <a:avLst/>
+          </a:prstGeom>
+          <a:ln>
+            <a:solidFill>
+              <a:schemeClr val="tx1"/>
+            </a:solidFill>
+          </a:ln>
+        </p:spPr>
+        <p:style>
+          <a:lnRef idx="2">
+            <a:schemeClr val="accent6"/>
+          </a:lnRef>
+          <a:fillRef idx="1">
+            <a:schemeClr val="lt1"/>
+          </a:fillRef>
+          <a:effectRef idx="0">
+            <a:schemeClr val="accent6"/>
+          </a:effectRef>
+          <a:fontRef idx="minor">
+            <a:schemeClr val="dk1"/>
+          </a:fontRef>
+        </p:style>
+        <p:txBody>
+          <a:bodyPr rtlCol="0" anchor="ctr"/>
+          <a:lstStyle/>
+          <a:p>
+            <a:pPr algn="ctr"/>
+            <a:r>
+              <a:rPr lang="fr-FR" dirty="0" err="1"/>
+              <a:t>main.c</a:t>
+            </a:r>
+            <a:endParaRPr lang="fr-FR" dirty="0"/>
+          </a:p>
+        </p:txBody>
+      </p:sp>
+      <p:sp>
+        <p:nvSpPr>
+          <p:cNvPr id="7" name="Rectangle 6">
+            <a:extLst>
+              <a:ext uri="{FF2B5EF4-FFF2-40B4-BE49-F238E27FC236}">
+                <a16:creationId xmlns:a16="http://schemas.microsoft.com/office/drawing/2014/main" id="{E8DD84D5-1F65-A1AA-BE94-6B19437B4D30}"/>
+              </a:ext>
+            </a:extLst>
+          </p:cNvPr>
+          <p:cNvSpPr/>
+          <p:nvPr/>
+        </p:nvSpPr>
+        <p:spPr>
+          <a:xfrm>
+            <a:off x="8406063" y="2391770"/>
+            <a:ext cx="2070208" cy="639097"/>
+          </a:xfrm>
+          <a:prstGeom prst="rect">
+            <a:avLst/>
+          </a:prstGeom>
+          <a:ln>
+            <a:solidFill>
+              <a:schemeClr val="tx1"/>
+            </a:solidFill>
+          </a:ln>
+        </p:spPr>
+        <p:style>
+          <a:lnRef idx="2">
+            <a:schemeClr val="accent6"/>
+          </a:lnRef>
+          <a:fillRef idx="1">
+            <a:schemeClr val="lt1"/>
+          </a:fillRef>
+          <a:effectRef idx="0">
+            <a:schemeClr val="accent6"/>
+          </a:effectRef>
+          <a:fontRef idx="minor">
+            <a:schemeClr val="dk1"/>
+          </a:fontRef>
+        </p:style>
+        <p:txBody>
+          <a:bodyPr rtlCol="0" anchor="ctr"/>
+          <a:lstStyle/>
+          <a:p>
+            <a:pPr algn="ctr"/>
+            <a:r>
+              <a:rPr lang="fr-FR" dirty="0" err="1"/>
+              <a:t>file_reader.c</a:t>
+            </a:r>
+            <a:endParaRPr lang="fr-FR" dirty="0"/>
+          </a:p>
+        </p:txBody>
+      </p:sp>
+      <p:sp>
+        <p:nvSpPr>
+          <p:cNvPr id="8" name="Rectangle 7">
+            <a:extLst>
+              <a:ext uri="{FF2B5EF4-FFF2-40B4-BE49-F238E27FC236}">
+                <a16:creationId xmlns:a16="http://schemas.microsoft.com/office/drawing/2014/main" id="{97F7305D-9B94-6E88-4A13-210D01B82AD2}"/>
+              </a:ext>
+            </a:extLst>
+          </p:cNvPr>
+          <p:cNvSpPr/>
+          <p:nvPr/>
+        </p:nvSpPr>
+        <p:spPr>
+          <a:xfrm>
+            <a:off x="8406063" y="3429000"/>
+            <a:ext cx="2070208" cy="639097"/>
+          </a:xfrm>
+          <a:prstGeom prst="rect">
+            <a:avLst/>
+          </a:prstGeom>
+          <a:ln>
+            <a:solidFill>
+              <a:schemeClr val="tx1"/>
+            </a:solidFill>
+          </a:ln>
+        </p:spPr>
+        <p:style>
+          <a:lnRef idx="2">
+            <a:schemeClr val="accent6"/>
+          </a:lnRef>
+          <a:fillRef idx="1">
+            <a:schemeClr val="lt1"/>
+          </a:fillRef>
+          <a:effectRef idx="0">
+            <a:schemeClr val="accent6"/>
+          </a:effectRef>
+          <a:fontRef idx="minor">
+            <a:schemeClr val="dk1"/>
+          </a:fontRef>
+        </p:style>
+        <p:txBody>
+          <a:bodyPr rtlCol="0" anchor="ctr"/>
+          <a:lstStyle/>
+          <a:p>
+            <a:pPr algn="ctr"/>
+            <a:r>
+              <a:rPr lang="fr-FR" dirty="0" err="1"/>
+              <a:t>node.c</a:t>
+            </a:r>
+            <a:endParaRPr lang="fr-FR" dirty="0"/>
+          </a:p>
+        </p:txBody>
+      </p:sp>
+      <p:sp>
+        <p:nvSpPr>
+          <p:cNvPr id="10" name="Rectangle 9">
+            <a:extLst>
+              <a:ext uri="{FF2B5EF4-FFF2-40B4-BE49-F238E27FC236}">
+                <a16:creationId xmlns:a16="http://schemas.microsoft.com/office/drawing/2014/main" id="{06637515-0A6C-F5EC-A4EB-B7642B99CA99}"/>
+              </a:ext>
+            </a:extLst>
+          </p:cNvPr>
+          <p:cNvSpPr/>
+          <p:nvPr/>
+        </p:nvSpPr>
+        <p:spPr>
+          <a:xfrm>
+            <a:off x="8406063" y="5821943"/>
+            <a:ext cx="2070208" cy="639097"/>
+          </a:xfrm>
+          <a:prstGeom prst="rect">
+            <a:avLst/>
+          </a:prstGeom>
+          <a:ln>
+            <a:solidFill>
+              <a:schemeClr val="tx1"/>
+            </a:solidFill>
+          </a:ln>
+        </p:spPr>
+        <p:style>
+          <a:lnRef idx="2">
+            <a:schemeClr val="accent6"/>
+          </a:lnRef>
+          <a:fillRef idx="1">
+            <a:schemeClr val="lt1"/>
+          </a:fillRef>
+          <a:effectRef idx="0">
+            <a:schemeClr val="accent6"/>
+          </a:effectRef>
+          <a:fontRef idx="minor">
+            <a:schemeClr val="dk1"/>
+          </a:fontRef>
+        </p:style>
+        <p:txBody>
+          <a:bodyPr rtlCol="0" anchor="ctr"/>
+          <a:lstStyle/>
+          <a:p>
+            <a:pPr algn="ctr"/>
+            <a:r>
+              <a:rPr lang="fr-FR" dirty="0" err="1"/>
+              <a:t>file_logger.c</a:t>
+            </a:r>
+            <a:endParaRPr lang="fr-FR" dirty="0"/>
+          </a:p>
+        </p:txBody>
+      </p:sp>
+      <p:sp>
+        <p:nvSpPr>
+          <p:cNvPr id="12" name="Rectangle 11">
+            <a:extLst>
+              <a:ext uri="{FF2B5EF4-FFF2-40B4-BE49-F238E27FC236}">
+                <a16:creationId xmlns:a16="http://schemas.microsoft.com/office/drawing/2014/main" id="{5B2B2ABF-84D7-6B31-15FF-5A93879EA11D}"/>
+              </a:ext>
+            </a:extLst>
+          </p:cNvPr>
+          <p:cNvSpPr/>
+          <p:nvPr/>
+        </p:nvSpPr>
+        <p:spPr>
+          <a:xfrm>
+            <a:off x="8406063" y="4610795"/>
+            <a:ext cx="2070208" cy="639097"/>
+          </a:xfrm>
+          <a:prstGeom prst="rect">
+            <a:avLst/>
+          </a:prstGeom>
+          <a:ln>
+            <a:solidFill>
+              <a:schemeClr val="tx1"/>
+            </a:solidFill>
+          </a:ln>
+        </p:spPr>
+        <p:style>
+          <a:lnRef idx="2">
+            <a:schemeClr val="accent6"/>
+          </a:lnRef>
+          <a:fillRef idx="1">
+            <a:schemeClr val="lt1"/>
+          </a:fillRef>
+          <a:effectRef idx="0">
+            <a:schemeClr val="accent6"/>
+          </a:effectRef>
+          <a:fontRef idx="minor">
+            <a:schemeClr val="dk1"/>
+          </a:fontRef>
+        </p:style>
+        <p:txBody>
+          <a:bodyPr rtlCol="0" anchor="ctr"/>
+          <a:lstStyle/>
+          <a:p>
+            <a:pPr algn="ctr"/>
+            <a:r>
+              <a:rPr lang="fr-FR" dirty="0" err="1"/>
+              <a:t>encodage.c</a:t>
+            </a:r>
+            <a:endParaRPr lang="fr-FR" dirty="0"/>
+          </a:p>
+        </p:txBody>
+      </p:sp>
+      <p:sp>
+        <p:nvSpPr>
+          <p:cNvPr id="14" name="Rectangle 13">
+            <a:extLst>
+              <a:ext uri="{FF2B5EF4-FFF2-40B4-BE49-F238E27FC236}">
+                <a16:creationId xmlns:a16="http://schemas.microsoft.com/office/drawing/2014/main" id="{1D6113A9-F8CB-D43E-7A23-87E610E1E818}"/>
+              </a:ext>
+            </a:extLst>
+          </p:cNvPr>
+          <p:cNvSpPr/>
+          <p:nvPr/>
+        </p:nvSpPr>
+        <p:spPr>
+          <a:xfrm>
+            <a:off x="4472017" y="2391769"/>
+            <a:ext cx="2070208" cy="639097"/>
+          </a:xfrm>
+          <a:prstGeom prst="rect">
+            <a:avLst/>
+          </a:prstGeom>
+          <a:ln>
+            <a:solidFill>
+              <a:schemeClr val="tx1"/>
+            </a:solidFill>
+          </a:ln>
+        </p:spPr>
+        <p:style>
+          <a:lnRef idx="2">
+            <a:schemeClr val="accent6"/>
+          </a:lnRef>
+          <a:fillRef idx="1">
+            <a:schemeClr val="lt1"/>
+          </a:fillRef>
+          <a:effectRef idx="0">
+            <a:schemeClr val="accent6"/>
+          </a:effectRef>
+          <a:fontRef idx="minor">
+            <a:schemeClr val="dk1"/>
+          </a:fontRef>
+        </p:style>
+        <p:txBody>
+          <a:bodyPr rtlCol="0" anchor="ctr"/>
+          <a:lstStyle/>
+          <a:p>
+            <a:pPr algn="ctr"/>
+            <a:r>
+              <a:rPr lang="fr-FR" dirty="0" err="1"/>
+              <a:t>file_reader.h</a:t>
+            </a:r>
+            <a:endParaRPr lang="fr-FR" dirty="0"/>
+          </a:p>
+        </p:txBody>
+      </p:sp>
+      <p:sp>
+        <p:nvSpPr>
+          <p:cNvPr id="16" name="Rectangle 15">
+            <a:extLst>
+              <a:ext uri="{FF2B5EF4-FFF2-40B4-BE49-F238E27FC236}">
+                <a16:creationId xmlns:a16="http://schemas.microsoft.com/office/drawing/2014/main" id="{A59C21B0-6A6E-A521-1940-E41B1F651687}"/>
+              </a:ext>
+            </a:extLst>
+          </p:cNvPr>
+          <p:cNvSpPr/>
+          <p:nvPr/>
+        </p:nvSpPr>
+        <p:spPr>
+          <a:xfrm>
+            <a:off x="4423891" y="4292624"/>
+            <a:ext cx="2070208" cy="639097"/>
+          </a:xfrm>
+          <a:prstGeom prst="rect">
+            <a:avLst/>
+          </a:prstGeom>
+          <a:ln>
+            <a:solidFill>
+              <a:schemeClr val="tx1"/>
+            </a:solidFill>
+          </a:ln>
+        </p:spPr>
+        <p:style>
+          <a:lnRef idx="2">
+            <a:schemeClr val="accent6"/>
+          </a:lnRef>
+          <a:fillRef idx="1">
+            <a:schemeClr val="lt1"/>
+          </a:fillRef>
+          <a:effectRef idx="0">
+            <a:schemeClr val="accent6"/>
+          </a:effectRef>
+          <a:fontRef idx="minor">
+            <a:schemeClr val="dk1"/>
+          </a:fontRef>
+        </p:style>
+        <p:txBody>
+          <a:bodyPr rtlCol="0" anchor="ctr"/>
+          <a:lstStyle/>
+          <a:p>
+            <a:pPr algn="ctr"/>
+            <a:r>
+              <a:rPr lang="fr-FR" dirty="0" err="1"/>
+              <a:t>node.h</a:t>
+            </a:r>
+            <a:endParaRPr lang="fr-FR" dirty="0"/>
+          </a:p>
+        </p:txBody>
+      </p:sp>
+      <p:sp>
+        <p:nvSpPr>
+          <p:cNvPr id="18" name="Rectangle 17">
+            <a:extLst>
+              <a:ext uri="{FF2B5EF4-FFF2-40B4-BE49-F238E27FC236}">
+                <a16:creationId xmlns:a16="http://schemas.microsoft.com/office/drawing/2014/main" id="{231D5748-ED2D-98A2-A8C0-5E2B4184A707}"/>
+              </a:ext>
+            </a:extLst>
+          </p:cNvPr>
+          <p:cNvSpPr/>
+          <p:nvPr/>
+        </p:nvSpPr>
+        <p:spPr>
+          <a:xfrm>
+            <a:off x="4423891" y="3348883"/>
+            <a:ext cx="2070208" cy="639097"/>
+          </a:xfrm>
+          <a:prstGeom prst="rect">
+            <a:avLst/>
+          </a:prstGeom>
+          <a:ln>
+            <a:solidFill>
+              <a:schemeClr val="tx1"/>
+            </a:solidFill>
+          </a:ln>
+        </p:spPr>
+        <p:style>
+          <a:lnRef idx="2">
+            <a:schemeClr val="accent6"/>
+          </a:lnRef>
+          <a:fillRef idx="1">
+            <a:schemeClr val="lt1"/>
+          </a:fillRef>
+          <a:effectRef idx="0">
+            <a:schemeClr val="accent6"/>
+          </a:effectRef>
+          <a:fontRef idx="minor">
+            <a:schemeClr val="dk1"/>
+          </a:fontRef>
+        </p:style>
+        <p:txBody>
+          <a:bodyPr rtlCol="0" anchor="ctr"/>
+          <a:lstStyle/>
+          <a:p>
+            <a:pPr algn="ctr"/>
+            <a:r>
+              <a:rPr lang="fr-FR" dirty="0" err="1"/>
+              <a:t>list_node.h</a:t>
+            </a:r>
+            <a:endParaRPr lang="fr-FR" dirty="0"/>
+          </a:p>
+        </p:txBody>
+      </p:sp>
+      <p:sp>
+        <p:nvSpPr>
+          <p:cNvPr id="19" name="Rectangle 18">
+            <a:extLst>
+              <a:ext uri="{FF2B5EF4-FFF2-40B4-BE49-F238E27FC236}">
+                <a16:creationId xmlns:a16="http://schemas.microsoft.com/office/drawing/2014/main" id="{667E84D3-A3D4-1D4A-6EBB-6A1F90326AF5}"/>
+              </a:ext>
+            </a:extLst>
+          </p:cNvPr>
+          <p:cNvSpPr/>
+          <p:nvPr/>
+        </p:nvSpPr>
+        <p:spPr>
+          <a:xfrm>
+            <a:off x="4423891" y="5163127"/>
+            <a:ext cx="2070208" cy="639097"/>
+          </a:xfrm>
+          <a:prstGeom prst="rect">
+            <a:avLst/>
+          </a:prstGeom>
+          <a:ln>
+            <a:solidFill>
+              <a:schemeClr val="tx1"/>
+            </a:solidFill>
+          </a:ln>
+        </p:spPr>
+        <p:style>
+          <a:lnRef idx="2">
+            <a:schemeClr val="accent6"/>
+          </a:lnRef>
+          <a:fillRef idx="1">
+            <a:schemeClr val="lt1"/>
+          </a:fillRef>
+          <a:effectRef idx="0">
+            <a:schemeClr val="accent6"/>
+          </a:effectRef>
+          <a:fontRef idx="minor">
+            <a:schemeClr val="dk1"/>
+          </a:fontRef>
+        </p:style>
+        <p:txBody>
+          <a:bodyPr rtlCol="0" anchor="ctr"/>
+          <a:lstStyle/>
+          <a:p>
+            <a:pPr algn="ctr"/>
+            <a:r>
+              <a:rPr lang="fr-FR" dirty="0" err="1"/>
+              <a:t>encodage.h</a:t>
+            </a:r>
+            <a:endParaRPr lang="fr-FR" dirty="0"/>
+          </a:p>
+        </p:txBody>
+      </p:sp>
+      <p:sp>
+        <p:nvSpPr>
+          <p:cNvPr id="20" name="Rectangle 19">
+            <a:extLst>
+              <a:ext uri="{FF2B5EF4-FFF2-40B4-BE49-F238E27FC236}">
+                <a16:creationId xmlns:a16="http://schemas.microsoft.com/office/drawing/2014/main" id="{24BBB29E-228B-6B30-1137-B9B3E848CFE9}"/>
+              </a:ext>
+            </a:extLst>
+          </p:cNvPr>
+          <p:cNvSpPr/>
+          <p:nvPr/>
+        </p:nvSpPr>
+        <p:spPr>
+          <a:xfrm>
+            <a:off x="4423891" y="6104304"/>
+            <a:ext cx="2070208" cy="639097"/>
+          </a:xfrm>
+          <a:prstGeom prst="rect">
+            <a:avLst/>
+          </a:prstGeom>
+          <a:ln>
+            <a:solidFill>
+              <a:schemeClr val="tx1"/>
+            </a:solidFill>
+          </a:ln>
+        </p:spPr>
+        <p:style>
+          <a:lnRef idx="2">
+            <a:schemeClr val="accent6"/>
+          </a:lnRef>
+          <a:fillRef idx="1">
+            <a:schemeClr val="lt1"/>
+          </a:fillRef>
+          <a:effectRef idx="0">
+            <a:schemeClr val="accent6"/>
+          </a:effectRef>
+          <a:fontRef idx="minor">
+            <a:schemeClr val="dk1"/>
+          </a:fontRef>
+        </p:style>
+        <p:txBody>
+          <a:bodyPr rtlCol="0" anchor="ctr"/>
+          <a:lstStyle/>
+          <a:p>
+            <a:pPr algn="ctr"/>
+            <a:r>
+              <a:rPr lang="fr-FR" dirty="0" err="1"/>
+              <a:t>file_logger.h</a:t>
+            </a:r>
+            <a:endParaRPr lang="fr-FR" dirty="0"/>
+          </a:p>
+        </p:txBody>
+      </p:sp>
+      <p:cxnSp>
+        <p:nvCxnSpPr>
+          <p:cNvPr id="22" name="Connecteur droit 21">
+            <a:extLst>
+              <a:ext uri="{FF2B5EF4-FFF2-40B4-BE49-F238E27FC236}">
+                <a16:creationId xmlns:a16="http://schemas.microsoft.com/office/drawing/2014/main" id="{2D7EFFA2-469A-F5CD-441B-4A5632637EFB}"/>
+              </a:ext>
+            </a:extLst>
+          </p:cNvPr>
+          <p:cNvCxnSpPr>
+            <a:stCxn id="6" idx="3"/>
+            <a:endCxn id="14" idx="1"/>
+          </p:cNvCxnSpPr>
+          <p:nvPr/>
+        </p:nvCxnSpPr>
+        <p:spPr>
+          <a:xfrm flipV="1">
+            <a:off x="2133600" y="2711318"/>
+            <a:ext cx="2338417" cy="1777108"/>
+          </a:xfrm>
+          <a:prstGeom prst="line">
+            <a:avLst/>
+          </a:prstGeom>
+          <a:ln w="38100"/>
+        </p:spPr>
+        <p:style>
+          <a:lnRef idx="1">
+            <a:schemeClr val="dk1"/>
+          </a:lnRef>
+          <a:fillRef idx="0">
+            <a:schemeClr val="dk1"/>
+          </a:fillRef>
+          <a:effectRef idx="0">
+            <a:schemeClr val="dk1"/>
+          </a:effectRef>
+          <a:fontRef idx="minor">
+            <a:schemeClr val="tx1"/>
+          </a:fontRef>
+        </p:style>
+      </p:cxnSp>
+      <p:cxnSp>
+        <p:nvCxnSpPr>
+          <p:cNvPr id="23" name="Connecteur droit 22">
+            <a:extLst>
+              <a:ext uri="{FF2B5EF4-FFF2-40B4-BE49-F238E27FC236}">
+                <a16:creationId xmlns:a16="http://schemas.microsoft.com/office/drawing/2014/main" id="{18F68B15-46B2-8A1C-06FF-2DCD5EEEDE49}"/>
+              </a:ext>
+            </a:extLst>
+          </p:cNvPr>
+          <p:cNvCxnSpPr>
+            <a:cxnSpLocks/>
+            <a:stCxn id="6" idx="3"/>
+            <a:endCxn id="18" idx="1"/>
+          </p:cNvCxnSpPr>
+          <p:nvPr/>
+        </p:nvCxnSpPr>
+        <p:spPr>
+          <a:xfrm flipV="1">
+            <a:off x="2133600" y="3668432"/>
+            <a:ext cx="2290291" cy="819994"/>
+          </a:xfrm>
+          <a:prstGeom prst="line">
+            <a:avLst/>
+          </a:prstGeom>
+          <a:ln w="38100"/>
+        </p:spPr>
+        <p:style>
+          <a:lnRef idx="1">
+            <a:schemeClr val="dk1"/>
+          </a:lnRef>
+          <a:fillRef idx="0">
+            <a:schemeClr val="dk1"/>
+          </a:fillRef>
+          <a:effectRef idx="0">
+            <a:schemeClr val="dk1"/>
+          </a:effectRef>
+          <a:fontRef idx="minor">
+            <a:schemeClr val="tx1"/>
+          </a:fontRef>
+        </p:style>
+      </p:cxnSp>
+      <p:cxnSp>
+        <p:nvCxnSpPr>
+          <p:cNvPr id="26" name="Connecteur droit 25">
+            <a:extLst>
+              <a:ext uri="{FF2B5EF4-FFF2-40B4-BE49-F238E27FC236}">
+                <a16:creationId xmlns:a16="http://schemas.microsoft.com/office/drawing/2014/main" id="{936B1B63-FE13-B5D6-6DB6-57D89CF49C4A}"/>
+              </a:ext>
+            </a:extLst>
+          </p:cNvPr>
+          <p:cNvCxnSpPr>
+            <a:cxnSpLocks/>
+            <a:stCxn id="6" idx="3"/>
+            <a:endCxn id="16" idx="1"/>
+          </p:cNvCxnSpPr>
+          <p:nvPr/>
+        </p:nvCxnSpPr>
+        <p:spPr>
+          <a:xfrm>
+            <a:off x="2133600" y="4488426"/>
+            <a:ext cx="2290291" cy="123747"/>
+          </a:xfrm>
+          <a:prstGeom prst="line">
+            <a:avLst/>
+          </a:prstGeom>
+          <a:ln w="38100"/>
+        </p:spPr>
+        <p:style>
+          <a:lnRef idx="1">
+            <a:schemeClr val="dk1"/>
+          </a:lnRef>
+          <a:fillRef idx="0">
+            <a:schemeClr val="dk1"/>
+          </a:fillRef>
+          <a:effectRef idx="0">
+            <a:schemeClr val="dk1"/>
+          </a:effectRef>
+          <a:fontRef idx="minor">
+            <a:schemeClr val="tx1"/>
+          </a:fontRef>
+        </p:style>
+      </p:cxnSp>
+      <p:cxnSp>
+        <p:nvCxnSpPr>
+          <p:cNvPr id="29" name="Connecteur droit 28">
+            <a:extLst>
+              <a:ext uri="{FF2B5EF4-FFF2-40B4-BE49-F238E27FC236}">
+                <a16:creationId xmlns:a16="http://schemas.microsoft.com/office/drawing/2014/main" id="{A0D377DE-4341-A9DD-D01B-D1B9428DD4AD}"/>
+              </a:ext>
+            </a:extLst>
+          </p:cNvPr>
+          <p:cNvCxnSpPr>
+            <a:cxnSpLocks/>
+            <a:stCxn id="6" idx="3"/>
+            <a:endCxn id="19" idx="1"/>
+          </p:cNvCxnSpPr>
+          <p:nvPr/>
+        </p:nvCxnSpPr>
+        <p:spPr>
+          <a:xfrm>
+            <a:off x="2133600" y="4488426"/>
+            <a:ext cx="2290291" cy="994250"/>
+          </a:xfrm>
+          <a:prstGeom prst="line">
+            <a:avLst/>
+          </a:prstGeom>
+          <a:ln w="38100"/>
+        </p:spPr>
+        <p:style>
+          <a:lnRef idx="1">
+            <a:schemeClr val="dk1"/>
+          </a:lnRef>
+          <a:fillRef idx="0">
+            <a:schemeClr val="dk1"/>
+          </a:fillRef>
+          <a:effectRef idx="0">
+            <a:schemeClr val="dk1"/>
+          </a:effectRef>
+          <a:fontRef idx="minor">
+            <a:schemeClr val="tx1"/>
+          </a:fontRef>
+        </p:style>
+      </p:cxnSp>
+      <p:cxnSp>
+        <p:nvCxnSpPr>
+          <p:cNvPr id="32" name="Connecteur droit 31">
+            <a:extLst>
+              <a:ext uri="{FF2B5EF4-FFF2-40B4-BE49-F238E27FC236}">
+                <a16:creationId xmlns:a16="http://schemas.microsoft.com/office/drawing/2014/main" id="{9AA72615-5151-C884-3B14-1C529A751853}"/>
+              </a:ext>
+            </a:extLst>
+          </p:cNvPr>
+          <p:cNvCxnSpPr>
+            <a:cxnSpLocks/>
+            <a:stCxn id="6" idx="3"/>
+            <a:endCxn id="20" idx="1"/>
+          </p:cNvCxnSpPr>
+          <p:nvPr/>
+        </p:nvCxnSpPr>
+        <p:spPr>
+          <a:xfrm>
+            <a:off x="2133600" y="4488426"/>
+            <a:ext cx="2290291" cy="1935427"/>
+          </a:xfrm>
+          <a:prstGeom prst="line">
+            <a:avLst/>
+          </a:prstGeom>
+          <a:ln w="38100"/>
+        </p:spPr>
+        <p:style>
+          <a:lnRef idx="1">
+            <a:schemeClr val="dk1"/>
+          </a:lnRef>
+          <a:fillRef idx="0">
+            <a:schemeClr val="dk1"/>
+          </a:fillRef>
+          <a:effectRef idx="0">
+            <a:schemeClr val="dk1"/>
+          </a:effectRef>
+          <a:fontRef idx="minor">
+            <a:schemeClr val="tx1"/>
+          </a:fontRef>
+        </p:style>
+      </p:cxnSp>
+      <p:cxnSp>
+        <p:nvCxnSpPr>
+          <p:cNvPr id="35" name="Connecteur droit 34">
+            <a:extLst>
+              <a:ext uri="{FF2B5EF4-FFF2-40B4-BE49-F238E27FC236}">
+                <a16:creationId xmlns:a16="http://schemas.microsoft.com/office/drawing/2014/main" id="{EE6F83CB-905B-2DD8-9A00-3AB6E190694C}"/>
+              </a:ext>
+            </a:extLst>
+          </p:cNvPr>
+          <p:cNvCxnSpPr>
+            <a:cxnSpLocks/>
+            <a:stCxn id="14" idx="3"/>
+            <a:endCxn id="7" idx="1"/>
+          </p:cNvCxnSpPr>
+          <p:nvPr/>
+        </p:nvCxnSpPr>
+        <p:spPr>
+          <a:xfrm>
+            <a:off x="6542225" y="2711318"/>
+            <a:ext cx="1863838" cy="1"/>
+          </a:xfrm>
+          <a:prstGeom prst="line">
+            <a:avLst/>
+          </a:prstGeom>
+          <a:ln w="38100"/>
+        </p:spPr>
+        <p:style>
+          <a:lnRef idx="1">
+            <a:schemeClr val="dk1"/>
+          </a:lnRef>
+          <a:fillRef idx="0">
+            <a:schemeClr val="dk1"/>
+          </a:fillRef>
+          <a:effectRef idx="0">
+            <a:schemeClr val="dk1"/>
+          </a:effectRef>
+          <a:fontRef idx="minor">
+            <a:schemeClr val="tx1"/>
+          </a:fontRef>
+        </p:style>
+      </p:cxnSp>
+      <p:cxnSp>
+        <p:nvCxnSpPr>
+          <p:cNvPr id="38" name="Connecteur droit 37">
+            <a:extLst>
+              <a:ext uri="{FF2B5EF4-FFF2-40B4-BE49-F238E27FC236}">
+                <a16:creationId xmlns:a16="http://schemas.microsoft.com/office/drawing/2014/main" id="{D1EEA42E-2907-141D-ED8F-755775CEAD13}"/>
+              </a:ext>
+            </a:extLst>
+          </p:cNvPr>
+          <p:cNvCxnSpPr>
+            <a:cxnSpLocks/>
+            <a:stCxn id="18" idx="3"/>
+            <a:endCxn id="7" idx="1"/>
+          </p:cNvCxnSpPr>
+          <p:nvPr/>
+        </p:nvCxnSpPr>
+        <p:spPr>
+          <a:xfrm flipV="1">
+            <a:off x="6494099" y="2711319"/>
+            <a:ext cx="1911964" cy="957113"/>
+          </a:xfrm>
+          <a:prstGeom prst="line">
+            <a:avLst/>
+          </a:prstGeom>
+          <a:ln w="38100"/>
+        </p:spPr>
+        <p:style>
+          <a:lnRef idx="1">
+            <a:schemeClr val="dk1"/>
+          </a:lnRef>
+          <a:fillRef idx="0">
+            <a:schemeClr val="dk1"/>
+          </a:fillRef>
+          <a:effectRef idx="0">
+            <a:schemeClr val="dk1"/>
+          </a:effectRef>
+          <a:fontRef idx="minor">
+            <a:schemeClr val="tx1"/>
+          </a:fontRef>
+        </p:style>
+      </p:cxnSp>
+      <p:cxnSp>
+        <p:nvCxnSpPr>
+          <p:cNvPr id="41" name="Connecteur droit 40">
+            <a:extLst>
+              <a:ext uri="{FF2B5EF4-FFF2-40B4-BE49-F238E27FC236}">
+                <a16:creationId xmlns:a16="http://schemas.microsoft.com/office/drawing/2014/main" id="{D0B68266-8B6F-CD81-8089-4DF62EAFB6AA}"/>
+              </a:ext>
+            </a:extLst>
+          </p:cNvPr>
+          <p:cNvCxnSpPr>
+            <a:cxnSpLocks/>
+            <a:stCxn id="18" idx="3"/>
+            <a:endCxn id="8" idx="1"/>
+          </p:cNvCxnSpPr>
+          <p:nvPr/>
+        </p:nvCxnSpPr>
+        <p:spPr>
+          <a:xfrm>
+            <a:off x="6494099" y="3668432"/>
+            <a:ext cx="1911964" cy="80117"/>
+          </a:xfrm>
+          <a:prstGeom prst="line">
+            <a:avLst/>
+          </a:prstGeom>
+          <a:ln w="38100"/>
+        </p:spPr>
+        <p:style>
+          <a:lnRef idx="1">
+            <a:schemeClr val="dk1"/>
+          </a:lnRef>
+          <a:fillRef idx="0">
+            <a:schemeClr val="dk1"/>
+          </a:fillRef>
+          <a:effectRef idx="0">
+            <a:schemeClr val="dk1"/>
+          </a:effectRef>
+          <a:fontRef idx="minor">
+            <a:schemeClr val="tx1"/>
+          </a:fontRef>
+        </p:style>
+      </p:cxnSp>
+      <p:cxnSp>
+        <p:nvCxnSpPr>
+          <p:cNvPr id="44" name="Connecteur droit 43">
+            <a:extLst>
+              <a:ext uri="{FF2B5EF4-FFF2-40B4-BE49-F238E27FC236}">
+                <a16:creationId xmlns:a16="http://schemas.microsoft.com/office/drawing/2014/main" id="{BAB114BB-EB3A-6649-0187-35F110C2B489}"/>
+              </a:ext>
+            </a:extLst>
+          </p:cNvPr>
+          <p:cNvCxnSpPr>
+            <a:cxnSpLocks/>
+            <a:stCxn id="16" idx="3"/>
+            <a:endCxn id="8" idx="1"/>
+          </p:cNvCxnSpPr>
+          <p:nvPr/>
+        </p:nvCxnSpPr>
+        <p:spPr>
+          <a:xfrm flipV="1">
+            <a:off x="6494099" y="3748549"/>
+            <a:ext cx="1911964" cy="863624"/>
+          </a:xfrm>
+          <a:prstGeom prst="line">
+            <a:avLst/>
+          </a:prstGeom>
+          <a:ln w="38100"/>
+        </p:spPr>
+        <p:style>
+          <a:lnRef idx="1">
+            <a:schemeClr val="dk1"/>
+          </a:lnRef>
+          <a:fillRef idx="0">
+            <a:schemeClr val="dk1"/>
+          </a:fillRef>
+          <a:effectRef idx="0">
+            <a:schemeClr val="dk1"/>
+          </a:effectRef>
+          <a:fontRef idx="minor">
+            <a:schemeClr val="tx1"/>
+          </a:fontRef>
+        </p:style>
+      </p:cxnSp>
+      <p:cxnSp>
+        <p:nvCxnSpPr>
+          <p:cNvPr id="47" name="Connecteur droit 46">
+            <a:extLst>
+              <a:ext uri="{FF2B5EF4-FFF2-40B4-BE49-F238E27FC236}">
+                <a16:creationId xmlns:a16="http://schemas.microsoft.com/office/drawing/2014/main" id="{FFF41A45-EDFE-6F1D-91CB-0A3B112F5027}"/>
+              </a:ext>
+            </a:extLst>
+          </p:cNvPr>
+          <p:cNvCxnSpPr>
+            <a:cxnSpLocks/>
+            <a:stCxn id="19" idx="3"/>
+            <a:endCxn id="12" idx="1"/>
+          </p:cNvCxnSpPr>
+          <p:nvPr/>
+        </p:nvCxnSpPr>
+        <p:spPr>
+          <a:xfrm flipV="1">
+            <a:off x="6494099" y="4930344"/>
+            <a:ext cx="1911964" cy="552332"/>
+          </a:xfrm>
+          <a:prstGeom prst="line">
+            <a:avLst/>
+          </a:prstGeom>
+          <a:ln w="38100"/>
+        </p:spPr>
+        <p:style>
+          <a:lnRef idx="1">
+            <a:schemeClr val="dk1"/>
+          </a:lnRef>
+          <a:fillRef idx="0">
+            <a:schemeClr val="dk1"/>
+          </a:fillRef>
+          <a:effectRef idx="0">
+            <a:schemeClr val="dk1"/>
+          </a:effectRef>
+          <a:fontRef idx="minor">
+            <a:schemeClr val="tx1"/>
+          </a:fontRef>
+        </p:style>
+      </p:cxnSp>
+      <p:cxnSp>
+        <p:nvCxnSpPr>
+          <p:cNvPr id="50" name="Connecteur droit 49">
+            <a:extLst>
+              <a:ext uri="{FF2B5EF4-FFF2-40B4-BE49-F238E27FC236}">
+                <a16:creationId xmlns:a16="http://schemas.microsoft.com/office/drawing/2014/main" id="{D4BEFE2D-4365-07C3-920A-4A2ED62279C6}"/>
+              </a:ext>
+            </a:extLst>
+          </p:cNvPr>
+          <p:cNvCxnSpPr>
+            <a:cxnSpLocks/>
+            <a:stCxn id="20" idx="3"/>
+            <a:endCxn id="10" idx="1"/>
+          </p:cNvCxnSpPr>
+          <p:nvPr/>
+        </p:nvCxnSpPr>
+        <p:spPr>
+          <a:xfrm flipV="1">
+            <a:off x="6494099" y="6141492"/>
+            <a:ext cx="1911964" cy="282361"/>
+          </a:xfrm>
+          <a:prstGeom prst="line">
+            <a:avLst/>
+          </a:prstGeom>
+          <a:ln w="38100"/>
+        </p:spPr>
+        <p:style>
+          <a:lnRef idx="1">
+            <a:schemeClr val="dk1"/>
+          </a:lnRef>
+          <a:fillRef idx="0">
+            <a:schemeClr val="dk1"/>
+          </a:fillRef>
+          <a:effectRef idx="0">
+            <a:schemeClr val="dk1"/>
+          </a:effectRef>
+          <a:fontRef idx="minor">
+            <a:schemeClr val="tx1"/>
+          </a:fontRef>
+        </p:style>
+      </p:cxnSp>
+      <p:pic>
+        <p:nvPicPr>
+          <p:cNvPr id="54" name="Image 53">
+            <a:extLst>
+              <a:ext uri="{FF2B5EF4-FFF2-40B4-BE49-F238E27FC236}">
+                <a16:creationId xmlns:a16="http://schemas.microsoft.com/office/drawing/2014/main" id="{ED4BA6FE-EFDA-2B2E-A1D1-172EB50618AA}"/>
+              </a:ext>
+            </a:extLst>
+          </p:cNvPr>
+          <p:cNvPicPr>
+            <a:picLocks noChangeAspect="1"/>
+          </p:cNvPicPr>
+          <p:nvPr/>
+        </p:nvPicPr>
+        <p:blipFill>
+          <a:blip r:embed="rId3"/>
+          <a:stretch>
+            <a:fillRect/>
+          </a:stretch>
+        </p:blipFill>
+        <p:spPr>
+          <a:xfrm>
+            <a:off x="6111001" y="4312220"/>
+            <a:ext cx="1055534" cy="669933"/>
+          </a:xfrm>
+          <a:prstGeom prst="rect">
+            <a:avLst/>
+          </a:prstGeom>
+        </p:spPr>
+      </p:pic>
+      <p:pic>
+        <p:nvPicPr>
+          <p:cNvPr id="56" name="Image 55">
+            <a:extLst>
+              <a:ext uri="{FF2B5EF4-FFF2-40B4-BE49-F238E27FC236}">
+                <a16:creationId xmlns:a16="http://schemas.microsoft.com/office/drawing/2014/main" id="{08BF9B29-DD79-474F-DEE2-221409F2E338}"/>
+              </a:ext>
+            </a:extLst>
+          </p:cNvPr>
+          <p:cNvPicPr>
+            <a:picLocks noChangeAspect="1"/>
+          </p:cNvPicPr>
+          <p:nvPr/>
+        </p:nvPicPr>
+        <p:blipFill>
+          <a:blip r:embed="rId4"/>
+          <a:stretch>
+            <a:fillRect/>
+          </a:stretch>
+        </p:blipFill>
+        <p:spPr>
+          <a:xfrm>
+            <a:off x="6231135" y="2349606"/>
+            <a:ext cx="1158598" cy="791392"/>
+          </a:xfrm>
+          <a:prstGeom prst="rect">
+            <a:avLst/>
+          </a:prstGeom>
+        </p:spPr>
+      </p:pic>
+    </p:spTree>
+    <p:extLst>
+      <p:ext uri="{BB962C8B-B14F-4D97-AF65-F5344CB8AC3E}">
+        <p14:creationId xmlns:p14="http://schemas.microsoft.com/office/powerpoint/2010/main" val="3916579159"/>
+      </p:ext>
+    </p:extLst>
+  </p:cSld>
+  <p:clrMapOvr>
+    <a:masterClrMapping/>
+  </p:clrMapOvr>
+</p:sld>
+</file>
+
+<file path=ppt/slides/slide3.xml><?xml version="1.0" encoding="utf-8"?>
+<p:sld xmlns:a="http://schemas.openxmlformats.org/drawingml/2006/main" xmlns:r="http://schemas.openxmlformats.org/officeDocument/2006/relationships" xmlns:p="http://schemas.openxmlformats.org/presentationml/2006/main">
+  <p:cSld>
+    <p:bg>
+      <p:bgPr>
+        <a:solidFill>
+          <a:schemeClr val="bg2"/>
+        </a:solidFill>
+        <a:effectLst/>
+      </p:bgPr>
+    </p:bg>
+    <p:spTree>
+      <p:nvGrpSpPr>
+        <p:cNvPr id="1" name=""/>
+        <p:cNvGrpSpPr/>
+        <p:nvPr/>
+      </p:nvGrpSpPr>
+      <p:grpSpPr>
+        <a:xfrm>
+          <a:off x="0" y="0"/>
+          <a:ext cx="0" cy="0"/>
+          <a:chOff x="0" y="0"/>
+          <a:chExt cx="0" cy="0"/>
+        </a:xfrm>
+      </p:grpSpPr>
+      <p:sp useBgFill="1">
+        <p:nvSpPr>
+          <p:cNvPr id="9" name="Rectangle 8">
+            <a:extLst>
+              <a:ext uri="{FF2B5EF4-FFF2-40B4-BE49-F238E27FC236}">
+                <a16:creationId xmlns:a16="http://schemas.microsoft.com/office/drawing/2014/main" id="{72526924-84D3-45FB-A5FE-62D8FCBF53B6}"/>
+              </a:ext>
+              <a:ext uri="{C183D7F6-B498-43B3-948B-1728B52AA6E4}">
+                <adec:decorative xmlns:adec="http://schemas.microsoft.com/office/drawing/2017/decorative" val="1"/>
+              </a:ext>
+            </a:extLst>
+          </p:cNvPr>
+          <p:cNvSpPr>
+            <a:spLocks noGrp="1" noRot="1" noChangeAspect="1" noMove="1" noResize="1" noEditPoints="1" noAdjustHandles="1" noChangeArrowheads="1" noChangeShapeType="1" noTextEdit="1"/>
+          </p:cNvSpPr>
+          <p:nvPr>
+            <p:extLst>
+              <p:ext uri="{386F3935-93C4-4BCD-93E2-E3B085C9AB24}">
+                <p16:designElem xmlns:p16="http://schemas.microsoft.com/office/powerpoint/2015/main" val="1"/>
+              </p:ext>
+            </p:extLst>
+          </p:nvPr>
+        </p:nvSpPr>
+        <p:spPr>
+          <a:xfrm>
+            <a:off x="0" y="0"/>
+            <a:ext cx="12192001" cy="6858000"/>
+          </a:xfrm>
+          <a:prstGeom prst="rect">
+            <a:avLst/>
+          </a:prstGeom>
+          <a:ln>
+            <a:noFill/>
+          </a:ln>
+        </p:spPr>
+        <p:style>
+          <a:lnRef idx="2">
+            <a:schemeClr val="accent1">
+              <a:shade val="50000"/>
+            </a:schemeClr>
+          </a:lnRef>
+          <a:fillRef idx="1">
+            <a:schemeClr val="accent1"/>
+          </a:fillRef>
+          <a:effectRef idx="0">
+            <a:schemeClr val="accent1"/>
+          </a:effectRef>
+          <a:fontRef idx="minor">
+            <a:schemeClr val="lt1"/>
+          </a:fontRef>
+        </p:style>
+        <p:txBody>
+          <a:bodyPr rtlCol="0" anchor="ctr"/>
+          <a:lstStyle/>
+          <a:p>
+            <a:pPr algn="ctr"/>
+            <a:endParaRPr lang="en-US"/>
+          </a:p>
+        </p:txBody>
+      </p:sp>
+      <p:sp>
+        <p:nvSpPr>
+          <p:cNvPr id="11" name="Rectangle 10">
+            <a:extLst>
+              <a:ext uri="{FF2B5EF4-FFF2-40B4-BE49-F238E27FC236}">
+                <a16:creationId xmlns:a16="http://schemas.microsoft.com/office/drawing/2014/main" id="{5C2A6256-1DD0-4E4B-A8B3-9A711B4DBE0C}"/>
+              </a:ext>
+              <a:ext uri="{C183D7F6-B498-43B3-948B-1728B52AA6E4}">
+                <adec:decorative xmlns:adec="http://schemas.microsoft.com/office/drawing/2017/decorative" val="1"/>
+              </a:ext>
+            </a:extLst>
+          </p:cNvPr>
+          <p:cNvSpPr>
+            <a:spLocks noGrp="1" noRot="1" noChangeAspect="1" noMove="1" noResize="1" noEditPoints="1" noAdjustHandles="1" noChangeArrowheads="1" noChangeShapeType="1" noTextEdit="1"/>
+          </p:cNvSpPr>
+          <p:nvPr>
+            <p:extLst>
+              <p:ext uri="{386F3935-93C4-4BCD-93E2-E3B085C9AB24}">
+                <p16:designElem xmlns:p16="http://schemas.microsoft.com/office/powerpoint/2015/main" val="1"/>
+              </p:ext>
+            </p:extLst>
+          </p:nvPr>
+        </p:nvSpPr>
+        <p:spPr>
+          <a:xfrm>
+            <a:off x="1038768" y="2130218"/>
+            <a:ext cx="11153231" cy="4727782"/>
+          </a:xfrm>
+          <a:prstGeom prst="rect">
+            <a:avLst/>
+          </a:prstGeom>
+          <a:solidFill>
+            <a:schemeClr val="bg1">
+              <a:alpha val="75000"/>
+            </a:schemeClr>
+          </a:solidFill>
+          <a:ln>
+            <a:noFill/>
+          </a:ln>
+        </p:spPr>
+        <p:style>
+          <a:lnRef idx="2">
+            <a:schemeClr val="accent1">
+              <a:shade val="50000"/>
+            </a:schemeClr>
+          </a:lnRef>
+          <a:fillRef idx="1">
+            <a:schemeClr val="accent1"/>
+          </a:fillRef>
+          <a:effectRef idx="0">
+            <a:schemeClr val="accent1"/>
+          </a:effectRef>
+          <a:fontRef idx="minor">
+            <a:schemeClr val="lt1"/>
+          </a:fontRef>
+        </p:style>
+        <p:txBody>
+          <a:bodyPr rtlCol="0" anchor="ctr"/>
+          <a:lstStyle/>
+          <a:p>
+            <a:pPr algn="ctr"/>
+            <a:endParaRPr lang="en-US"/>
+          </a:p>
+        </p:txBody>
+      </p:sp>
+      <p:sp>
+        <p:nvSpPr>
+          <p:cNvPr id="13" name="Rectangle 12">
+            <a:extLst>
+              <a:ext uri="{FF2B5EF4-FFF2-40B4-BE49-F238E27FC236}">
+                <a16:creationId xmlns:a16="http://schemas.microsoft.com/office/drawing/2014/main" id="{41760540-185E-4652-BFD2-9B362EF3BC99}"/>
+              </a:ext>
+              <a:ext uri="{C183D7F6-B498-43B3-948B-1728B52AA6E4}">
+                <adec:decorative xmlns:adec="http://schemas.microsoft.com/office/drawing/2017/decorative" val="1"/>
+              </a:ext>
+            </a:extLst>
+          </p:cNvPr>
+          <p:cNvSpPr>
+            <a:spLocks noGrp="1" noRot="1" noChangeAspect="1" noMove="1" noResize="1" noEditPoints="1" noAdjustHandles="1" noChangeArrowheads="1" noChangeShapeType="1" noTextEdit="1"/>
+          </p:cNvSpPr>
+          <p:nvPr>
+            <p:extLst>
+              <p:ext uri="{386F3935-93C4-4BCD-93E2-E3B085C9AB24}">
+                <p16:designElem xmlns:p16="http://schemas.microsoft.com/office/powerpoint/2015/main" val="1"/>
+              </p:ext>
+            </p:extLst>
+          </p:nvPr>
+        </p:nvSpPr>
+        <p:spPr>
+          <a:xfrm>
+            <a:off x="0" y="896641"/>
+            <a:ext cx="12192000" cy="1347716"/>
+          </a:xfrm>
+          <a:prstGeom prst="rect">
+            <a:avLst/>
+          </a:prstGeom>
+          <a:solidFill>
+            <a:schemeClr val="tx2"/>
+          </a:solidFill>
+          <a:ln>
+            <a:noFill/>
+          </a:ln>
+        </p:spPr>
+        <p:style>
+          <a:lnRef idx="2">
+            <a:schemeClr val="accent1">
+              <a:shade val="50000"/>
+            </a:schemeClr>
+          </a:lnRef>
+          <a:fillRef idx="1">
+            <a:schemeClr val="accent1"/>
+          </a:fillRef>
+          <a:effectRef idx="0">
+            <a:schemeClr val="accent1"/>
+          </a:effectRef>
+          <a:fontRef idx="minor">
+            <a:schemeClr val="lt1"/>
+          </a:fontRef>
+        </p:style>
+        <p:txBody>
+          <a:bodyPr rtlCol="0" anchor="ctr"/>
+          <a:lstStyle/>
+          <a:p>
+            <a:pPr algn="ctr"/>
+            <a:endParaRPr lang="en-US"/>
+          </a:p>
+        </p:txBody>
+      </p:sp>
+      <p:sp>
+        <p:nvSpPr>
+          <p:cNvPr id="2" name="Titre 1">
+            <a:extLst>
+              <a:ext uri="{FF2B5EF4-FFF2-40B4-BE49-F238E27FC236}">
+                <a16:creationId xmlns:a16="http://schemas.microsoft.com/office/drawing/2014/main" id="{48780D4D-041E-B48D-3CD4-0BB1BF2D77E9}"/>
+              </a:ext>
+            </a:extLst>
+          </p:cNvPr>
+          <p:cNvSpPr>
+            <a:spLocks noGrp="1"/>
+          </p:cNvSpPr>
+          <p:nvPr>
+            <p:ph type="title"/>
+          </p:nvPr>
+        </p:nvSpPr>
+        <p:spPr>
+          <a:xfrm>
+            <a:off x="1535371" y="1044054"/>
+            <a:ext cx="10013709" cy="1030360"/>
+          </a:xfrm>
+        </p:spPr>
+        <p:txBody>
+          <a:bodyPr>
+            <a:normAutofit/>
+          </a:bodyPr>
+          <a:lstStyle/>
+          <a:p>
+            <a:pPr>
+              <a:lnSpc>
+                <a:spcPct val="140000"/>
+              </a:lnSpc>
+            </a:pPr>
+            <a:r>
+              <a:rPr lang="fr-FR" sz="2800" dirty="0">
+                <a:solidFill>
+                  <a:schemeClr val="bg1"/>
+                </a:solidFill>
+              </a:rPr>
+              <a:t>Décomposition fonctionnelle du programme</a:t>
+            </a:r>
+          </a:p>
+        </p:txBody>
+      </p:sp>
+      <p:sp>
+        <p:nvSpPr>
+          <p:cNvPr id="15" name="Rectangle 14">
+            <a:extLst>
+              <a:ext uri="{FF2B5EF4-FFF2-40B4-BE49-F238E27FC236}">
+                <a16:creationId xmlns:a16="http://schemas.microsoft.com/office/drawing/2014/main" id="{729789F4-85C1-41A0-83EB-992E22210CB9}"/>
+              </a:ext>
+              <a:ext uri="{C183D7F6-B498-43B3-948B-1728B52AA6E4}">
+                <adec:decorative xmlns:adec="http://schemas.microsoft.com/office/drawing/2017/decorative" val="1"/>
+              </a:ext>
+            </a:extLst>
+          </p:cNvPr>
+          <p:cNvSpPr>
+            <a:spLocks noGrp="1" noRot="1" noChangeAspect="1" noMove="1" noResize="1" noEditPoints="1" noAdjustHandles="1" noChangeArrowheads="1" noChangeShapeType="1" noTextEdit="1"/>
+          </p:cNvSpPr>
+          <p:nvPr>
+            <p:extLst>
+              <p:ext uri="{386F3935-93C4-4BCD-93E2-E3B085C9AB24}">
+                <p16:designElem xmlns:p16="http://schemas.microsoft.com/office/powerpoint/2015/main" val="1"/>
+              </p:ext>
+            </p:extLst>
+          </p:nvPr>
+        </p:nvSpPr>
+        <p:spPr>
+          <a:xfrm>
+            <a:off x="-1" y="962423"/>
+            <a:ext cx="1006766" cy="1216152"/>
+          </a:xfrm>
+          <a:prstGeom prst="rect">
+            <a:avLst/>
+          </a:prstGeom>
+          <a:solidFill>
+            <a:schemeClr val="accent1"/>
+          </a:solidFill>
+          <a:ln>
+            <a:noFill/>
+          </a:ln>
+        </p:spPr>
+        <p:style>
+          <a:lnRef idx="2">
+            <a:schemeClr val="accent1">
+              <a:shade val="50000"/>
+            </a:schemeClr>
+          </a:lnRef>
+          <a:fillRef idx="1">
+            <a:schemeClr val="accent1"/>
+          </a:fillRef>
+          <a:effectRef idx="0">
+            <a:schemeClr val="accent1"/>
+          </a:effectRef>
+          <a:fontRef idx="minor">
+            <a:schemeClr val="lt1"/>
+          </a:fontRef>
+        </p:style>
+        <p:txBody>
+          <a:bodyPr rtlCol="0" anchor="ctr"/>
+          <a:lstStyle/>
+          <a:p>
+            <a:pPr algn="ctr"/>
+            <a:endParaRPr lang="en-US"/>
+          </a:p>
+        </p:txBody>
+      </p:sp>
+      <p:sp>
+        <p:nvSpPr>
+          <p:cNvPr id="17" name="Rectangle 16">
+            <a:extLst>
+              <a:ext uri="{FF2B5EF4-FFF2-40B4-BE49-F238E27FC236}">
+                <a16:creationId xmlns:a16="http://schemas.microsoft.com/office/drawing/2014/main" id="{9D9D367D-6DD2-4A7C-8918-0DCAC297559A}"/>
+              </a:ext>
+              <a:ext uri="{C183D7F6-B498-43B3-948B-1728B52AA6E4}">
+                <adec:decorative xmlns:adec="http://schemas.microsoft.com/office/drawing/2017/decorative" val="1"/>
+              </a:ext>
+            </a:extLst>
+          </p:cNvPr>
+          <p:cNvSpPr>
+            <a:spLocks noGrp="1" noRot="1" noChangeAspect="1" noMove="1" noResize="1" noEditPoints="1" noAdjustHandles="1" noChangeArrowheads="1" noChangeShapeType="1" noTextEdit="1"/>
+          </p:cNvSpPr>
+          <p:nvPr>
+            <p:extLst>
+              <p:ext uri="{386F3935-93C4-4BCD-93E2-E3B085C9AB24}">
+                <p16:designElem xmlns:p16="http://schemas.microsoft.com/office/powerpoint/2015/main" val="1"/>
+              </p:ext>
+            </p:extLst>
+          </p:nvPr>
+        </p:nvSpPr>
+        <p:spPr>
+          <a:xfrm rot="5400000">
+            <a:off x="-2390232" y="3396997"/>
+            <a:ext cx="6858002" cy="64008"/>
+          </a:xfrm>
+          <a:prstGeom prst="rect">
+            <a:avLst/>
+          </a:prstGeom>
+          <a:solidFill>
+            <a:schemeClr val="tx2"/>
+          </a:solidFill>
+          <a:ln>
+            <a:noFill/>
+          </a:ln>
+        </p:spPr>
+        <p:style>
+          <a:lnRef idx="2">
+            <a:schemeClr val="accent1">
+              <a:shade val="50000"/>
+            </a:schemeClr>
+          </a:lnRef>
+          <a:fillRef idx="1">
+            <a:schemeClr val="accent1"/>
+          </a:fillRef>
+          <a:effectRef idx="0">
+            <a:schemeClr val="accent1"/>
+          </a:effectRef>
+          <a:fontRef idx="minor">
+            <a:schemeClr val="lt1"/>
+          </a:fontRef>
+        </p:style>
+        <p:txBody>
+          <a:bodyPr rtlCol="0" anchor="ctr"/>
+          <a:lstStyle/>
+          <a:p>
+            <a:pPr algn="ctr"/>
+            <a:endParaRPr lang="en-US"/>
+          </a:p>
+        </p:txBody>
+      </p:sp>
+      <p:sp>
+        <p:nvSpPr>
+          <p:cNvPr id="4" name="Espace réservé du numéro de diapositive 3">
+            <a:extLst>
+              <a:ext uri="{FF2B5EF4-FFF2-40B4-BE49-F238E27FC236}">
+                <a16:creationId xmlns:a16="http://schemas.microsoft.com/office/drawing/2014/main" id="{5AB44E8A-54A1-4248-E629-545A22270AC3}"/>
+              </a:ext>
+            </a:extLst>
+          </p:cNvPr>
+          <p:cNvSpPr>
+            <a:spLocks noGrp="1"/>
+          </p:cNvSpPr>
+          <p:nvPr>
+            <p:ph type="sldNum" sz="quarter" idx="12"/>
+          </p:nvPr>
+        </p:nvSpPr>
+        <p:spPr>
+          <a:xfrm>
+            <a:off x="10569202" y="6309360"/>
+            <a:ext cx="979879" cy="457200"/>
+          </a:xfrm>
+        </p:spPr>
+        <p:txBody>
+          <a:bodyPr>
+            <a:normAutofit/>
+          </a:bodyPr>
+          <a:lstStyle/>
+          <a:p>
+            <a:pPr>
+              <a:spcAft>
+                <a:spcPts val="600"/>
+              </a:spcAft>
+            </a:pPr>
+            <a:fld id="{FAEF9944-A4F6-4C59-AEBD-678D6480B8EA}" type="slidenum">
+              <a:rPr lang="en-US" smtClean="0"/>
+              <a:pPr>
+                <a:spcAft>
+                  <a:spcPts val="600"/>
+                </a:spcAft>
+              </a:pPr>
+              <a:t>3</a:t>
+            </a:fld>
+            <a:endParaRPr lang="en-US"/>
+          </a:p>
+        </p:txBody>
+      </p:sp>
+      <p:sp>
+        <p:nvSpPr>
+          <p:cNvPr id="6" name="Rectangle 5">
+            <a:extLst>
+              <a:ext uri="{FF2B5EF4-FFF2-40B4-BE49-F238E27FC236}">
+                <a16:creationId xmlns:a16="http://schemas.microsoft.com/office/drawing/2014/main" id="{DC239637-2CC6-6A3F-366C-A9CB9F0A9E32}"/>
+              </a:ext>
+            </a:extLst>
+          </p:cNvPr>
+          <p:cNvSpPr/>
+          <p:nvPr/>
+        </p:nvSpPr>
+        <p:spPr>
+          <a:xfrm>
+            <a:off x="678426" y="4168877"/>
+            <a:ext cx="1455174" cy="639097"/>
+          </a:xfrm>
+          <a:prstGeom prst="rect">
+            <a:avLst/>
+          </a:prstGeom>
+          <a:ln>
+            <a:solidFill>
+              <a:schemeClr val="tx1"/>
+            </a:solidFill>
+          </a:ln>
+        </p:spPr>
+        <p:style>
+          <a:lnRef idx="2">
+            <a:schemeClr val="accent6"/>
+          </a:lnRef>
+          <a:fillRef idx="1">
+            <a:schemeClr val="lt1"/>
+          </a:fillRef>
+          <a:effectRef idx="0">
+            <a:schemeClr val="accent6"/>
+          </a:effectRef>
+          <a:fontRef idx="minor">
+            <a:schemeClr val="dk1"/>
+          </a:fontRef>
+        </p:style>
+        <p:txBody>
+          <a:bodyPr rtlCol="0" anchor="ctr"/>
+          <a:lstStyle/>
+          <a:p>
+            <a:pPr algn="ctr"/>
+            <a:r>
+              <a:rPr lang="fr-FR" dirty="0" err="1"/>
+              <a:t>main.c</a:t>
+            </a:r>
+            <a:endParaRPr lang="fr-FR" dirty="0"/>
+          </a:p>
+        </p:txBody>
+      </p:sp>
+      <p:sp>
+        <p:nvSpPr>
+          <p:cNvPr id="7" name="Rectangle 6">
+            <a:extLst>
+              <a:ext uri="{FF2B5EF4-FFF2-40B4-BE49-F238E27FC236}">
+                <a16:creationId xmlns:a16="http://schemas.microsoft.com/office/drawing/2014/main" id="{E8DD84D5-1F65-A1AA-BE94-6B19437B4D30}"/>
+              </a:ext>
+            </a:extLst>
+          </p:cNvPr>
+          <p:cNvSpPr/>
+          <p:nvPr/>
+        </p:nvSpPr>
+        <p:spPr>
+          <a:xfrm>
+            <a:off x="8406063" y="2391770"/>
+            <a:ext cx="2070208" cy="639097"/>
+          </a:xfrm>
+          <a:prstGeom prst="rect">
+            <a:avLst/>
+          </a:prstGeom>
+          <a:ln>
+            <a:solidFill>
+              <a:schemeClr val="tx1"/>
+            </a:solidFill>
+          </a:ln>
+        </p:spPr>
+        <p:style>
+          <a:lnRef idx="2">
+            <a:schemeClr val="accent6"/>
+          </a:lnRef>
+          <a:fillRef idx="1">
+            <a:schemeClr val="lt1"/>
+          </a:fillRef>
+          <a:effectRef idx="0">
+            <a:schemeClr val="accent6"/>
+          </a:effectRef>
+          <a:fontRef idx="minor">
+            <a:schemeClr val="dk1"/>
+          </a:fontRef>
+        </p:style>
+        <p:txBody>
+          <a:bodyPr rtlCol="0" anchor="ctr"/>
+          <a:lstStyle/>
+          <a:p>
+            <a:pPr algn="ctr"/>
+            <a:r>
+              <a:rPr lang="fr-FR" dirty="0" err="1"/>
+              <a:t>file_reader.c</a:t>
+            </a:r>
+            <a:endParaRPr lang="fr-FR" dirty="0"/>
+          </a:p>
+        </p:txBody>
+      </p:sp>
+      <p:sp>
+        <p:nvSpPr>
+          <p:cNvPr id="8" name="Rectangle 7">
+            <a:extLst>
+              <a:ext uri="{FF2B5EF4-FFF2-40B4-BE49-F238E27FC236}">
+                <a16:creationId xmlns:a16="http://schemas.microsoft.com/office/drawing/2014/main" id="{97F7305D-9B94-6E88-4A13-210D01B82AD2}"/>
+              </a:ext>
+            </a:extLst>
+          </p:cNvPr>
+          <p:cNvSpPr/>
+          <p:nvPr/>
+        </p:nvSpPr>
+        <p:spPr>
+          <a:xfrm>
+            <a:off x="8406063" y="3429000"/>
+            <a:ext cx="2070208" cy="639097"/>
+          </a:xfrm>
+          <a:prstGeom prst="rect">
+            <a:avLst/>
+          </a:prstGeom>
+          <a:ln>
+            <a:solidFill>
+              <a:schemeClr val="tx1"/>
+            </a:solidFill>
+          </a:ln>
+        </p:spPr>
+        <p:style>
+          <a:lnRef idx="2">
+            <a:schemeClr val="accent6"/>
+          </a:lnRef>
+          <a:fillRef idx="1">
+            <a:schemeClr val="lt1"/>
+          </a:fillRef>
+          <a:effectRef idx="0">
+            <a:schemeClr val="accent6"/>
+          </a:effectRef>
+          <a:fontRef idx="minor">
+            <a:schemeClr val="dk1"/>
+          </a:fontRef>
+        </p:style>
+        <p:txBody>
+          <a:bodyPr rtlCol="0" anchor="ctr"/>
+          <a:lstStyle/>
+          <a:p>
+            <a:pPr algn="ctr"/>
+            <a:r>
+              <a:rPr lang="fr-FR" dirty="0" err="1"/>
+              <a:t>node.c</a:t>
+            </a:r>
+            <a:endParaRPr lang="fr-FR" dirty="0"/>
+          </a:p>
+        </p:txBody>
+      </p:sp>
+      <p:sp>
+        <p:nvSpPr>
+          <p:cNvPr id="10" name="Rectangle 9">
+            <a:extLst>
+              <a:ext uri="{FF2B5EF4-FFF2-40B4-BE49-F238E27FC236}">
+                <a16:creationId xmlns:a16="http://schemas.microsoft.com/office/drawing/2014/main" id="{06637515-0A6C-F5EC-A4EB-B7642B99CA99}"/>
+              </a:ext>
+            </a:extLst>
+          </p:cNvPr>
+          <p:cNvSpPr/>
+          <p:nvPr/>
+        </p:nvSpPr>
+        <p:spPr>
+          <a:xfrm>
+            <a:off x="8406063" y="5821943"/>
+            <a:ext cx="2070208" cy="639097"/>
+          </a:xfrm>
+          <a:prstGeom prst="rect">
+            <a:avLst/>
+          </a:prstGeom>
+          <a:ln>
+            <a:solidFill>
+              <a:schemeClr val="tx1"/>
+            </a:solidFill>
+          </a:ln>
+        </p:spPr>
+        <p:style>
+          <a:lnRef idx="2">
+            <a:schemeClr val="accent6"/>
+          </a:lnRef>
+          <a:fillRef idx="1">
+            <a:schemeClr val="lt1"/>
+          </a:fillRef>
+          <a:effectRef idx="0">
+            <a:schemeClr val="accent6"/>
+          </a:effectRef>
+          <a:fontRef idx="minor">
+            <a:schemeClr val="dk1"/>
+          </a:fontRef>
+        </p:style>
+        <p:txBody>
+          <a:bodyPr rtlCol="0" anchor="ctr"/>
+          <a:lstStyle/>
+          <a:p>
+            <a:pPr algn="ctr"/>
+            <a:r>
+              <a:rPr lang="fr-FR" dirty="0" err="1"/>
+              <a:t>file_logger.c</a:t>
+            </a:r>
+            <a:endParaRPr lang="fr-FR" dirty="0"/>
+          </a:p>
+        </p:txBody>
+      </p:sp>
+      <p:sp>
+        <p:nvSpPr>
+          <p:cNvPr id="12" name="Rectangle 11">
+            <a:extLst>
+              <a:ext uri="{FF2B5EF4-FFF2-40B4-BE49-F238E27FC236}">
+                <a16:creationId xmlns:a16="http://schemas.microsoft.com/office/drawing/2014/main" id="{5B2B2ABF-84D7-6B31-15FF-5A93879EA11D}"/>
+              </a:ext>
+            </a:extLst>
+          </p:cNvPr>
+          <p:cNvSpPr/>
+          <p:nvPr/>
+        </p:nvSpPr>
+        <p:spPr>
+          <a:xfrm>
+            <a:off x="8406063" y="4610795"/>
+            <a:ext cx="2070208" cy="639097"/>
+          </a:xfrm>
+          <a:prstGeom prst="rect">
+            <a:avLst/>
+          </a:prstGeom>
+          <a:ln>
+            <a:solidFill>
+              <a:schemeClr val="tx1"/>
+            </a:solidFill>
+          </a:ln>
+        </p:spPr>
+        <p:style>
+          <a:lnRef idx="2">
+            <a:schemeClr val="accent6"/>
+          </a:lnRef>
+          <a:fillRef idx="1">
+            <a:schemeClr val="lt1"/>
+          </a:fillRef>
+          <a:effectRef idx="0">
+            <a:schemeClr val="accent6"/>
+          </a:effectRef>
+          <a:fontRef idx="minor">
+            <a:schemeClr val="dk1"/>
+          </a:fontRef>
+        </p:style>
+        <p:txBody>
+          <a:bodyPr rtlCol="0" anchor="ctr"/>
+          <a:lstStyle/>
+          <a:p>
+            <a:pPr algn="ctr"/>
+            <a:r>
+              <a:rPr lang="fr-FR" dirty="0" err="1"/>
+              <a:t>encodage.c</a:t>
+            </a:r>
+            <a:endParaRPr lang="fr-FR" dirty="0"/>
+          </a:p>
+        </p:txBody>
+      </p:sp>
+      <p:sp>
+        <p:nvSpPr>
+          <p:cNvPr id="14" name="Rectangle 13">
+            <a:extLst>
+              <a:ext uri="{FF2B5EF4-FFF2-40B4-BE49-F238E27FC236}">
+                <a16:creationId xmlns:a16="http://schemas.microsoft.com/office/drawing/2014/main" id="{1D6113A9-F8CB-D43E-7A23-87E610E1E818}"/>
+              </a:ext>
+            </a:extLst>
+          </p:cNvPr>
+          <p:cNvSpPr/>
+          <p:nvPr/>
+        </p:nvSpPr>
+        <p:spPr>
+          <a:xfrm>
+            <a:off x="4472017" y="2391769"/>
+            <a:ext cx="2070208" cy="639097"/>
+          </a:xfrm>
+          <a:prstGeom prst="rect">
+            <a:avLst/>
+          </a:prstGeom>
+          <a:ln>
+            <a:solidFill>
+              <a:schemeClr val="tx1"/>
+            </a:solidFill>
+          </a:ln>
+        </p:spPr>
+        <p:style>
+          <a:lnRef idx="2">
+            <a:schemeClr val="accent6"/>
+          </a:lnRef>
+          <a:fillRef idx="1">
+            <a:schemeClr val="lt1"/>
+          </a:fillRef>
+          <a:effectRef idx="0">
+            <a:schemeClr val="accent6"/>
+          </a:effectRef>
+          <a:fontRef idx="minor">
+            <a:schemeClr val="dk1"/>
+          </a:fontRef>
+        </p:style>
+        <p:txBody>
+          <a:bodyPr rtlCol="0" anchor="ctr"/>
+          <a:lstStyle/>
+          <a:p>
+            <a:pPr algn="ctr"/>
+            <a:r>
+              <a:rPr lang="fr-FR" dirty="0" err="1"/>
+              <a:t>file_reader.h</a:t>
+            </a:r>
+            <a:endParaRPr lang="fr-FR" dirty="0"/>
+          </a:p>
+        </p:txBody>
+      </p:sp>
+      <p:sp>
+        <p:nvSpPr>
+          <p:cNvPr id="16" name="Rectangle 15">
+            <a:extLst>
+              <a:ext uri="{FF2B5EF4-FFF2-40B4-BE49-F238E27FC236}">
+                <a16:creationId xmlns:a16="http://schemas.microsoft.com/office/drawing/2014/main" id="{A59C21B0-6A6E-A521-1940-E41B1F651687}"/>
+              </a:ext>
+            </a:extLst>
+          </p:cNvPr>
+          <p:cNvSpPr/>
+          <p:nvPr/>
+        </p:nvSpPr>
+        <p:spPr>
+          <a:xfrm>
+            <a:off x="4423891" y="4292624"/>
+            <a:ext cx="2070208" cy="639097"/>
+          </a:xfrm>
+          <a:prstGeom prst="rect">
+            <a:avLst/>
+          </a:prstGeom>
+          <a:ln>
+            <a:solidFill>
+              <a:schemeClr val="tx1"/>
+            </a:solidFill>
+          </a:ln>
+        </p:spPr>
+        <p:style>
+          <a:lnRef idx="2">
+            <a:schemeClr val="accent6"/>
+          </a:lnRef>
+          <a:fillRef idx="1">
+            <a:schemeClr val="lt1"/>
+          </a:fillRef>
+          <a:effectRef idx="0">
+            <a:schemeClr val="accent6"/>
+          </a:effectRef>
+          <a:fontRef idx="minor">
+            <a:schemeClr val="dk1"/>
+          </a:fontRef>
+        </p:style>
+        <p:txBody>
+          <a:bodyPr rtlCol="0" anchor="ctr"/>
+          <a:lstStyle/>
+          <a:p>
+            <a:pPr algn="ctr"/>
+            <a:r>
+              <a:rPr lang="fr-FR" dirty="0" err="1"/>
+              <a:t>node.h</a:t>
+            </a:r>
+            <a:endParaRPr lang="fr-FR" dirty="0"/>
+          </a:p>
+        </p:txBody>
+      </p:sp>
+      <p:sp>
+        <p:nvSpPr>
+          <p:cNvPr id="18" name="Rectangle 17">
+            <a:extLst>
+              <a:ext uri="{FF2B5EF4-FFF2-40B4-BE49-F238E27FC236}">
+                <a16:creationId xmlns:a16="http://schemas.microsoft.com/office/drawing/2014/main" id="{231D5748-ED2D-98A2-A8C0-5E2B4184A707}"/>
+              </a:ext>
+            </a:extLst>
+          </p:cNvPr>
+          <p:cNvSpPr/>
+          <p:nvPr/>
+        </p:nvSpPr>
+        <p:spPr>
+          <a:xfrm>
+            <a:off x="4423891" y="3348883"/>
+            <a:ext cx="2070208" cy="639097"/>
+          </a:xfrm>
+          <a:prstGeom prst="rect">
+            <a:avLst/>
+          </a:prstGeom>
+          <a:ln>
+            <a:solidFill>
+              <a:schemeClr val="tx1"/>
+            </a:solidFill>
+          </a:ln>
+        </p:spPr>
+        <p:style>
+          <a:lnRef idx="2">
+            <a:schemeClr val="accent6"/>
+          </a:lnRef>
+          <a:fillRef idx="1">
+            <a:schemeClr val="lt1"/>
+          </a:fillRef>
+          <a:effectRef idx="0">
+            <a:schemeClr val="accent6"/>
+          </a:effectRef>
+          <a:fontRef idx="minor">
+            <a:schemeClr val="dk1"/>
+          </a:fontRef>
+        </p:style>
+        <p:txBody>
+          <a:bodyPr rtlCol="0" anchor="ctr"/>
+          <a:lstStyle/>
+          <a:p>
+            <a:pPr algn="ctr"/>
+            <a:r>
+              <a:rPr lang="fr-FR" dirty="0" err="1"/>
+              <a:t>list_node.h</a:t>
+            </a:r>
+            <a:endParaRPr lang="fr-FR" dirty="0"/>
+          </a:p>
+        </p:txBody>
+      </p:sp>
+      <p:sp>
+        <p:nvSpPr>
+          <p:cNvPr id="19" name="Rectangle 18">
+            <a:extLst>
+              <a:ext uri="{FF2B5EF4-FFF2-40B4-BE49-F238E27FC236}">
+                <a16:creationId xmlns:a16="http://schemas.microsoft.com/office/drawing/2014/main" id="{667E84D3-A3D4-1D4A-6EBB-6A1F90326AF5}"/>
+              </a:ext>
+            </a:extLst>
+          </p:cNvPr>
+          <p:cNvSpPr/>
+          <p:nvPr/>
+        </p:nvSpPr>
+        <p:spPr>
+          <a:xfrm>
+            <a:off x="4423891" y="5163127"/>
+            <a:ext cx="2070208" cy="639097"/>
+          </a:xfrm>
+          <a:prstGeom prst="rect">
+            <a:avLst/>
+          </a:prstGeom>
+          <a:ln>
+            <a:solidFill>
+              <a:schemeClr val="tx1"/>
+            </a:solidFill>
+          </a:ln>
+        </p:spPr>
+        <p:style>
+          <a:lnRef idx="2">
+            <a:schemeClr val="accent6"/>
+          </a:lnRef>
+          <a:fillRef idx="1">
+            <a:schemeClr val="lt1"/>
+          </a:fillRef>
+          <a:effectRef idx="0">
+            <a:schemeClr val="accent6"/>
+          </a:effectRef>
+          <a:fontRef idx="minor">
+            <a:schemeClr val="dk1"/>
+          </a:fontRef>
+        </p:style>
+        <p:txBody>
+          <a:bodyPr rtlCol="0" anchor="ctr"/>
+          <a:lstStyle/>
+          <a:p>
+            <a:pPr algn="ctr"/>
+            <a:r>
+              <a:rPr lang="fr-FR" dirty="0" err="1"/>
+              <a:t>encodage.h</a:t>
+            </a:r>
+            <a:endParaRPr lang="fr-FR" dirty="0"/>
+          </a:p>
+        </p:txBody>
+      </p:sp>
+      <p:sp>
+        <p:nvSpPr>
+          <p:cNvPr id="20" name="Rectangle 19">
+            <a:extLst>
+              <a:ext uri="{FF2B5EF4-FFF2-40B4-BE49-F238E27FC236}">
+                <a16:creationId xmlns:a16="http://schemas.microsoft.com/office/drawing/2014/main" id="{24BBB29E-228B-6B30-1137-B9B3E848CFE9}"/>
+              </a:ext>
+            </a:extLst>
+          </p:cNvPr>
+          <p:cNvSpPr/>
+          <p:nvPr/>
+        </p:nvSpPr>
+        <p:spPr>
+          <a:xfrm>
+            <a:off x="4423891" y="6104304"/>
+            <a:ext cx="2070208" cy="639097"/>
+          </a:xfrm>
+          <a:prstGeom prst="rect">
+            <a:avLst/>
+          </a:prstGeom>
+          <a:ln>
+            <a:solidFill>
+              <a:schemeClr val="tx1"/>
+            </a:solidFill>
+          </a:ln>
+        </p:spPr>
+        <p:style>
+          <a:lnRef idx="2">
+            <a:schemeClr val="accent6"/>
+          </a:lnRef>
+          <a:fillRef idx="1">
+            <a:schemeClr val="lt1"/>
+          </a:fillRef>
+          <a:effectRef idx="0">
+            <a:schemeClr val="accent6"/>
+          </a:effectRef>
+          <a:fontRef idx="minor">
+            <a:schemeClr val="dk1"/>
+          </a:fontRef>
+        </p:style>
+        <p:txBody>
+          <a:bodyPr rtlCol="0" anchor="ctr"/>
+          <a:lstStyle/>
+          <a:p>
+            <a:pPr algn="ctr"/>
+            <a:r>
+              <a:rPr lang="fr-FR" dirty="0" err="1"/>
+              <a:t>file_logger.h</a:t>
+            </a:r>
+            <a:endParaRPr lang="fr-FR" dirty="0"/>
+          </a:p>
+        </p:txBody>
+      </p:sp>
+      <p:cxnSp>
+        <p:nvCxnSpPr>
+          <p:cNvPr id="22" name="Connecteur droit 21">
+            <a:extLst>
+              <a:ext uri="{FF2B5EF4-FFF2-40B4-BE49-F238E27FC236}">
+                <a16:creationId xmlns:a16="http://schemas.microsoft.com/office/drawing/2014/main" id="{2D7EFFA2-469A-F5CD-441B-4A5632637EFB}"/>
+              </a:ext>
+            </a:extLst>
+          </p:cNvPr>
+          <p:cNvCxnSpPr>
+            <a:stCxn id="6" idx="3"/>
+            <a:endCxn id="14" idx="1"/>
+          </p:cNvCxnSpPr>
+          <p:nvPr/>
+        </p:nvCxnSpPr>
+        <p:spPr>
+          <a:xfrm flipV="1">
+            <a:off x="2133600" y="2711318"/>
+            <a:ext cx="2338417" cy="1777108"/>
+          </a:xfrm>
+          <a:prstGeom prst="line">
+            <a:avLst/>
+          </a:prstGeom>
+          <a:ln w="38100"/>
+        </p:spPr>
+        <p:style>
+          <a:lnRef idx="1">
+            <a:schemeClr val="dk1"/>
+          </a:lnRef>
+          <a:fillRef idx="0">
+            <a:schemeClr val="dk1"/>
+          </a:fillRef>
+          <a:effectRef idx="0">
+            <a:schemeClr val="dk1"/>
+          </a:effectRef>
+          <a:fontRef idx="minor">
+            <a:schemeClr val="tx1"/>
+          </a:fontRef>
+        </p:style>
+      </p:cxnSp>
+      <p:cxnSp>
+        <p:nvCxnSpPr>
+          <p:cNvPr id="23" name="Connecteur droit 22">
+            <a:extLst>
+              <a:ext uri="{FF2B5EF4-FFF2-40B4-BE49-F238E27FC236}">
+                <a16:creationId xmlns:a16="http://schemas.microsoft.com/office/drawing/2014/main" id="{18F68B15-46B2-8A1C-06FF-2DCD5EEEDE49}"/>
+              </a:ext>
+            </a:extLst>
+          </p:cNvPr>
+          <p:cNvCxnSpPr>
+            <a:cxnSpLocks/>
+            <a:stCxn id="6" idx="3"/>
+            <a:endCxn id="18" idx="1"/>
+          </p:cNvCxnSpPr>
+          <p:nvPr/>
+        </p:nvCxnSpPr>
+        <p:spPr>
+          <a:xfrm flipV="1">
+            <a:off x="2133600" y="3668432"/>
+            <a:ext cx="2290291" cy="819994"/>
+          </a:xfrm>
+          <a:prstGeom prst="line">
+            <a:avLst/>
+          </a:prstGeom>
+          <a:ln w="38100"/>
+        </p:spPr>
+        <p:style>
+          <a:lnRef idx="1">
+            <a:schemeClr val="dk1"/>
+          </a:lnRef>
+          <a:fillRef idx="0">
+            <a:schemeClr val="dk1"/>
+          </a:fillRef>
+          <a:effectRef idx="0">
+            <a:schemeClr val="dk1"/>
+          </a:effectRef>
+          <a:fontRef idx="minor">
+            <a:schemeClr val="tx1"/>
+          </a:fontRef>
+        </p:style>
+      </p:cxnSp>
+      <p:cxnSp>
+        <p:nvCxnSpPr>
+          <p:cNvPr id="26" name="Connecteur droit 25">
+            <a:extLst>
+              <a:ext uri="{FF2B5EF4-FFF2-40B4-BE49-F238E27FC236}">
+                <a16:creationId xmlns:a16="http://schemas.microsoft.com/office/drawing/2014/main" id="{936B1B63-FE13-B5D6-6DB6-57D89CF49C4A}"/>
+              </a:ext>
+            </a:extLst>
+          </p:cNvPr>
+          <p:cNvCxnSpPr>
+            <a:cxnSpLocks/>
+            <a:stCxn id="6" idx="3"/>
+            <a:endCxn id="16" idx="1"/>
+          </p:cNvCxnSpPr>
+          <p:nvPr/>
+        </p:nvCxnSpPr>
+        <p:spPr>
+          <a:xfrm>
+            <a:off x="2133600" y="4488426"/>
+            <a:ext cx="2290291" cy="123747"/>
+          </a:xfrm>
+          <a:prstGeom prst="line">
+            <a:avLst/>
+          </a:prstGeom>
+          <a:ln w="38100"/>
+        </p:spPr>
+        <p:style>
+          <a:lnRef idx="1">
+            <a:schemeClr val="dk1"/>
+          </a:lnRef>
+          <a:fillRef idx="0">
+            <a:schemeClr val="dk1"/>
+          </a:fillRef>
+          <a:effectRef idx="0">
+            <a:schemeClr val="dk1"/>
+          </a:effectRef>
+          <a:fontRef idx="minor">
+            <a:schemeClr val="tx1"/>
+          </a:fontRef>
+        </p:style>
+      </p:cxnSp>
+      <p:cxnSp>
+        <p:nvCxnSpPr>
+          <p:cNvPr id="29" name="Connecteur droit 28">
+            <a:extLst>
+              <a:ext uri="{FF2B5EF4-FFF2-40B4-BE49-F238E27FC236}">
+                <a16:creationId xmlns:a16="http://schemas.microsoft.com/office/drawing/2014/main" id="{A0D377DE-4341-A9DD-D01B-D1B9428DD4AD}"/>
+              </a:ext>
+            </a:extLst>
+          </p:cNvPr>
+          <p:cNvCxnSpPr>
+            <a:cxnSpLocks/>
+            <a:stCxn id="6" idx="3"/>
+            <a:endCxn id="19" idx="1"/>
+          </p:cNvCxnSpPr>
+          <p:nvPr/>
+        </p:nvCxnSpPr>
+        <p:spPr>
+          <a:xfrm>
+            <a:off x="2133600" y="4488426"/>
+            <a:ext cx="2290291" cy="994250"/>
+          </a:xfrm>
+          <a:prstGeom prst="line">
+            <a:avLst/>
+          </a:prstGeom>
+          <a:ln w="38100"/>
+        </p:spPr>
+        <p:style>
+          <a:lnRef idx="1">
+            <a:schemeClr val="dk1"/>
+          </a:lnRef>
+          <a:fillRef idx="0">
+            <a:schemeClr val="dk1"/>
+          </a:fillRef>
+          <a:effectRef idx="0">
+            <a:schemeClr val="dk1"/>
+          </a:effectRef>
+          <a:fontRef idx="minor">
+            <a:schemeClr val="tx1"/>
+          </a:fontRef>
+        </p:style>
+      </p:cxnSp>
+      <p:cxnSp>
+        <p:nvCxnSpPr>
+          <p:cNvPr id="32" name="Connecteur droit 31">
+            <a:extLst>
+              <a:ext uri="{FF2B5EF4-FFF2-40B4-BE49-F238E27FC236}">
+                <a16:creationId xmlns:a16="http://schemas.microsoft.com/office/drawing/2014/main" id="{9AA72615-5151-C884-3B14-1C529A751853}"/>
+              </a:ext>
+            </a:extLst>
+          </p:cNvPr>
+          <p:cNvCxnSpPr>
+            <a:cxnSpLocks/>
+            <a:stCxn id="6" idx="3"/>
+            <a:endCxn id="20" idx="1"/>
+          </p:cNvCxnSpPr>
+          <p:nvPr/>
+        </p:nvCxnSpPr>
+        <p:spPr>
+          <a:xfrm>
+            <a:off x="2133600" y="4488426"/>
+            <a:ext cx="2290291" cy="1935427"/>
+          </a:xfrm>
+          <a:prstGeom prst="line">
+            <a:avLst/>
+          </a:prstGeom>
+          <a:ln w="38100"/>
+        </p:spPr>
+        <p:style>
+          <a:lnRef idx="1">
+            <a:schemeClr val="dk1"/>
+          </a:lnRef>
+          <a:fillRef idx="0">
+            <a:schemeClr val="dk1"/>
+          </a:fillRef>
+          <a:effectRef idx="0">
+            <a:schemeClr val="dk1"/>
+          </a:effectRef>
+          <a:fontRef idx="minor">
+            <a:schemeClr val="tx1"/>
+          </a:fontRef>
+        </p:style>
+      </p:cxnSp>
+      <p:cxnSp>
+        <p:nvCxnSpPr>
+          <p:cNvPr id="35" name="Connecteur droit 34">
+            <a:extLst>
+              <a:ext uri="{FF2B5EF4-FFF2-40B4-BE49-F238E27FC236}">
+                <a16:creationId xmlns:a16="http://schemas.microsoft.com/office/drawing/2014/main" id="{EE6F83CB-905B-2DD8-9A00-3AB6E190694C}"/>
+              </a:ext>
+            </a:extLst>
+          </p:cNvPr>
+          <p:cNvCxnSpPr>
+            <a:cxnSpLocks/>
+            <a:stCxn id="14" idx="3"/>
+            <a:endCxn id="7" idx="1"/>
+          </p:cNvCxnSpPr>
+          <p:nvPr/>
+        </p:nvCxnSpPr>
+        <p:spPr>
+          <a:xfrm>
+            <a:off x="6542225" y="2711318"/>
+            <a:ext cx="1863838" cy="1"/>
+          </a:xfrm>
+          <a:prstGeom prst="line">
+            <a:avLst/>
+          </a:prstGeom>
+          <a:ln w="38100"/>
+        </p:spPr>
+        <p:style>
+          <a:lnRef idx="1">
+            <a:schemeClr val="dk1"/>
+          </a:lnRef>
+          <a:fillRef idx="0">
+            <a:schemeClr val="dk1"/>
+          </a:fillRef>
+          <a:effectRef idx="0">
+            <a:schemeClr val="dk1"/>
+          </a:effectRef>
+          <a:fontRef idx="minor">
+            <a:schemeClr val="tx1"/>
+          </a:fontRef>
+        </p:style>
+      </p:cxnSp>
+      <p:cxnSp>
+        <p:nvCxnSpPr>
+          <p:cNvPr id="38" name="Connecteur droit 37">
+            <a:extLst>
+              <a:ext uri="{FF2B5EF4-FFF2-40B4-BE49-F238E27FC236}">
+                <a16:creationId xmlns:a16="http://schemas.microsoft.com/office/drawing/2014/main" id="{D1EEA42E-2907-141D-ED8F-755775CEAD13}"/>
+              </a:ext>
+            </a:extLst>
+          </p:cNvPr>
+          <p:cNvCxnSpPr>
+            <a:cxnSpLocks/>
+            <a:stCxn id="18" idx="3"/>
+            <a:endCxn id="7" idx="1"/>
+          </p:cNvCxnSpPr>
+          <p:nvPr/>
+        </p:nvCxnSpPr>
+        <p:spPr>
+          <a:xfrm flipV="1">
+            <a:off x="6494099" y="2711319"/>
+            <a:ext cx="1911964" cy="957113"/>
+          </a:xfrm>
+          <a:prstGeom prst="line">
+            <a:avLst/>
+          </a:prstGeom>
+          <a:ln w="38100"/>
+        </p:spPr>
+        <p:style>
+          <a:lnRef idx="1">
+            <a:schemeClr val="dk1"/>
+          </a:lnRef>
+          <a:fillRef idx="0">
+            <a:schemeClr val="dk1"/>
+          </a:fillRef>
+          <a:effectRef idx="0">
+            <a:schemeClr val="dk1"/>
+          </a:effectRef>
+          <a:fontRef idx="minor">
+            <a:schemeClr val="tx1"/>
+          </a:fontRef>
+        </p:style>
+      </p:cxnSp>
+      <p:cxnSp>
+        <p:nvCxnSpPr>
+          <p:cNvPr id="41" name="Connecteur droit 40">
+            <a:extLst>
+              <a:ext uri="{FF2B5EF4-FFF2-40B4-BE49-F238E27FC236}">
+                <a16:creationId xmlns:a16="http://schemas.microsoft.com/office/drawing/2014/main" id="{D0B68266-8B6F-CD81-8089-4DF62EAFB6AA}"/>
+              </a:ext>
+            </a:extLst>
+          </p:cNvPr>
+          <p:cNvCxnSpPr>
+            <a:cxnSpLocks/>
+            <a:stCxn id="18" idx="3"/>
+            <a:endCxn id="8" idx="1"/>
+          </p:cNvCxnSpPr>
+          <p:nvPr/>
+        </p:nvCxnSpPr>
+        <p:spPr>
+          <a:xfrm>
+            <a:off x="6494099" y="3668432"/>
+            <a:ext cx="1911964" cy="80117"/>
+          </a:xfrm>
+          <a:prstGeom prst="line">
+            <a:avLst/>
+          </a:prstGeom>
+          <a:ln w="38100"/>
+        </p:spPr>
+        <p:style>
+          <a:lnRef idx="1">
+            <a:schemeClr val="dk1"/>
+          </a:lnRef>
+          <a:fillRef idx="0">
+            <a:schemeClr val="dk1"/>
+          </a:fillRef>
+          <a:effectRef idx="0">
+            <a:schemeClr val="dk1"/>
+          </a:effectRef>
+          <a:fontRef idx="minor">
+            <a:schemeClr val="tx1"/>
+          </a:fontRef>
+        </p:style>
+      </p:cxnSp>
+      <p:cxnSp>
+        <p:nvCxnSpPr>
+          <p:cNvPr id="44" name="Connecteur droit 43">
+            <a:extLst>
+              <a:ext uri="{FF2B5EF4-FFF2-40B4-BE49-F238E27FC236}">
+                <a16:creationId xmlns:a16="http://schemas.microsoft.com/office/drawing/2014/main" id="{BAB114BB-EB3A-6649-0187-35F110C2B489}"/>
+              </a:ext>
+            </a:extLst>
+          </p:cNvPr>
+          <p:cNvCxnSpPr>
+            <a:cxnSpLocks/>
+            <a:stCxn id="16" idx="3"/>
+            <a:endCxn id="8" idx="1"/>
+          </p:cNvCxnSpPr>
+          <p:nvPr/>
+        </p:nvCxnSpPr>
+        <p:spPr>
+          <a:xfrm flipV="1">
+            <a:off x="6494099" y="3748549"/>
+            <a:ext cx="1911964" cy="863624"/>
+          </a:xfrm>
+          <a:prstGeom prst="line">
+            <a:avLst/>
+          </a:prstGeom>
+          <a:ln w="38100"/>
+        </p:spPr>
+        <p:style>
+          <a:lnRef idx="1">
+            <a:schemeClr val="dk1"/>
+          </a:lnRef>
+          <a:fillRef idx="0">
+            <a:schemeClr val="dk1"/>
+          </a:fillRef>
+          <a:effectRef idx="0">
+            <a:schemeClr val="dk1"/>
+          </a:effectRef>
+          <a:fontRef idx="minor">
+            <a:schemeClr val="tx1"/>
+          </a:fontRef>
+        </p:style>
+      </p:cxnSp>
+      <p:cxnSp>
+        <p:nvCxnSpPr>
+          <p:cNvPr id="47" name="Connecteur droit 46">
+            <a:extLst>
+              <a:ext uri="{FF2B5EF4-FFF2-40B4-BE49-F238E27FC236}">
+                <a16:creationId xmlns:a16="http://schemas.microsoft.com/office/drawing/2014/main" id="{FFF41A45-EDFE-6F1D-91CB-0A3B112F5027}"/>
+              </a:ext>
+            </a:extLst>
+          </p:cNvPr>
+          <p:cNvCxnSpPr>
+            <a:cxnSpLocks/>
+            <a:stCxn id="19" idx="3"/>
+            <a:endCxn id="12" idx="1"/>
+          </p:cNvCxnSpPr>
+          <p:nvPr/>
+        </p:nvCxnSpPr>
+        <p:spPr>
+          <a:xfrm flipV="1">
+            <a:off x="6494099" y="4930344"/>
+            <a:ext cx="1911964" cy="552332"/>
+          </a:xfrm>
+          <a:prstGeom prst="line">
+            <a:avLst/>
+          </a:prstGeom>
+          <a:ln w="38100"/>
+        </p:spPr>
+        <p:style>
+          <a:lnRef idx="1">
+            <a:schemeClr val="dk1"/>
+          </a:lnRef>
+          <a:fillRef idx="0">
+            <a:schemeClr val="dk1"/>
+          </a:fillRef>
+          <a:effectRef idx="0">
+            <a:schemeClr val="dk1"/>
+          </a:effectRef>
+          <a:fontRef idx="minor">
+            <a:schemeClr val="tx1"/>
+          </a:fontRef>
+        </p:style>
+      </p:cxnSp>
+      <p:cxnSp>
+        <p:nvCxnSpPr>
+          <p:cNvPr id="50" name="Connecteur droit 49">
+            <a:extLst>
+              <a:ext uri="{FF2B5EF4-FFF2-40B4-BE49-F238E27FC236}">
+                <a16:creationId xmlns:a16="http://schemas.microsoft.com/office/drawing/2014/main" id="{D4BEFE2D-4365-07C3-920A-4A2ED62279C6}"/>
+              </a:ext>
+            </a:extLst>
+          </p:cNvPr>
+          <p:cNvCxnSpPr>
+            <a:cxnSpLocks/>
+            <a:stCxn id="20" idx="3"/>
+            <a:endCxn id="10" idx="1"/>
+          </p:cNvCxnSpPr>
+          <p:nvPr/>
+        </p:nvCxnSpPr>
+        <p:spPr>
+          <a:xfrm flipV="1">
+            <a:off x="6494099" y="6141492"/>
+            <a:ext cx="1911964" cy="282361"/>
+          </a:xfrm>
+          <a:prstGeom prst="line">
+            <a:avLst/>
+          </a:prstGeom>
+          <a:ln w="38100"/>
+        </p:spPr>
+        <p:style>
+          <a:lnRef idx="1">
+            <a:schemeClr val="dk1"/>
+          </a:lnRef>
+          <a:fillRef idx="0">
+            <a:schemeClr val="dk1"/>
+          </a:fillRef>
+          <a:effectRef idx="0">
+            <a:schemeClr val="dk1"/>
+          </a:effectRef>
+          <a:fontRef idx="minor">
+            <a:schemeClr val="tx1"/>
+          </a:fontRef>
+        </p:style>
+      </p:cxnSp>
+      <p:pic>
+        <p:nvPicPr>
+          <p:cNvPr id="54" name="Image 53">
+            <a:extLst>
+              <a:ext uri="{FF2B5EF4-FFF2-40B4-BE49-F238E27FC236}">
+                <a16:creationId xmlns:a16="http://schemas.microsoft.com/office/drawing/2014/main" id="{ED4BA6FE-EFDA-2B2E-A1D1-172EB50618AA}"/>
+              </a:ext>
+            </a:extLst>
+          </p:cNvPr>
+          <p:cNvPicPr>
+            <a:picLocks noChangeAspect="1"/>
+          </p:cNvPicPr>
+          <p:nvPr/>
+        </p:nvPicPr>
+        <p:blipFill>
+          <a:blip r:embed="rId3"/>
+          <a:stretch>
+            <a:fillRect/>
+          </a:stretch>
+        </p:blipFill>
+        <p:spPr>
+          <a:xfrm>
+            <a:off x="6111001" y="4312220"/>
+            <a:ext cx="1055534" cy="669933"/>
+          </a:xfrm>
+          <a:prstGeom prst="rect">
+            <a:avLst/>
+          </a:prstGeom>
+        </p:spPr>
+      </p:pic>
+      <p:pic>
+        <p:nvPicPr>
+          <p:cNvPr id="56" name="Image 55">
+            <a:extLst>
+              <a:ext uri="{FF2B5EF4-FFF2-40B4-BE49-F238E27FC236}">
+                <a16:creationId xmlns:a16="http://schemas.microsoft.com/office/drawing/2014/main" id="{08BF9B29-DD79-474F-DEE2-221409F2E338}"/>
+              </a:ext>
+            </a:extLst>
+          </p:cNvPr>
+          <p:cNvPicPr>
+            <a:picLocks noChangeAspect="1"/>
+          </p:cNvPicPr>
+          <p:nvPr/>
+        </p:nvPicPr>
+        <p:blipFill>
+          <a:blip r:embed="rId4"/>
+          <a:stretch>
+            <a:fillRect/>
+          </a:stretch>
+        </p:blipFill>
+        <p:spPr>
+          <a:xfrm>
+            <a:off x="6172740" y="2349605"/>
+            <a:ext cx="3778198" cy="2580737"/>
+          </a:xfrm>
+          <a:prstGeom prst="rect">
+            <a:avLst/>
+          </a:prstGeom>
+        </p:spPr>
+      </p:pic>
+    </p:spTree>
+    <p:extLst>
+      <p:ext uri="{BB962C8B-B14F-4D97-AF65-F5344CB8AC3E}">
+        <p14:creationId xmlns:p14="http://schemas.microsoft.com/office/powerpoint/2010/main" val="1710020410"/>
+      </p:ext>
+    </p:extLst>
+  </p:cSld>
+  <p:clrMapOvr>
+    <a:masterClrMapping/>
+  </p:clrMapOvr>
+  <mc:AlternateContent xmlns:mc="http://schemas.openxmlformats.org/markup-compatibility/2006">
+    <mc:Choice xmlns:p159="http://schemas.microsoft.com/office/powerpoint/2015/09/main" Requires="p159">
+      <p:transition xmlns:p14="http://schemas.microsoft.com/office/powerpoint/2010/main" spd="slow" p14:dur="2000">
+        <p159:morph option="byObject"/>
+      </p:transition>
+    </mc:Choice>
+    <mc:Fallback>
+      <p:transition spd="slow">
+        <p:fade/>
+      </p:transition>
+    </mc:Fallback>
+  </mc:AlternateContent>
+</p:sld>
+</file>
+
+<file path=ppt/slides/slide4.xml><?xml version="1.0" encoding="utf-8"?>
+<p:sld xmlns:a="http://schemas.openxmlformats.org/drawingml/2006/main" xmlns:r="http://schemas.openxmlformats.org/officeDocument/2006/relationships" xmlns:p="http://schemas.openxmlformats.org/presentationml/2006/main">
+  <p:cSld>
+    <p:bg>
+      <p:bgPr>
+        <a:solidFill>
+          <a:schemeClr val="bg2"/>
+        </a:solidFill>
+        <a:effectLst/>
+      </p:bgPr>
+    </p:bg>
+    <p:spTree>
+      <p:nvGrpSpPr>
+        <p:cNvPr id="1" name=""/>
+        <p:cNvGrpSpPr/>
+        <p:nvPr/>
+      </p:nvGrpSpPr>
+      <p:grpSpPr>
+        <a:xfrm>
+          <a:off x="0" y="0"/>
+          <a:ext cx="0" cy="0"/>
+          <a:chOff x="0" y="0"/>
+          <a:chExt cx="0" cy="0"/>
+        </a:xfrm>
+      </p:grpSpPr>
+      <p:sp useBgFill="1">
+        <p:nvSpPr>
+          <p:cNvPr id="9" name="Rectangle 8">
+            <a:extLst>
+              <a:ext uri="{FF2B5EF4-FFF2-40B4-BE49-F238E27FC236}">
+                <a16:creationId xmlns:a16="http://schemas.microsoft.com/office/drawing/2014/main" id="{72526924-84D3-45FB-A5FE-62D8FCBF53B6}"/>
+              </a:ext>
+              <a:ext uri="{C183D7F6-B498-43B3-948B-1728B52AA6E4}">
+                <adec:decorative xmlns:adec="http://schemas.microsoft.com/office/drawing/2017/decorative" val="1"/>
+              </a:ext>
+            </a:extLst>
+          </p:cNvPr>
+          <p:cNvSpPr>
+            <a:spLocks noGrp="1" noRot="1" noChangeAspect="1" noMove="1" noResize="1" noEditPoints="1" noAdjustHandles="1" noChangeArrowheads="1" noChangeShapeType="1" noTextEdit="1"/>
+          </p:cNvSpPr>
+          <p:nvPr>
+            <p:extLst>
+              <p:ext uri="{386F3935-93C4-4BCD-93E2-E3B085C9AB24}">
+                <p16:designElem xmlns:p16="http://schemas.microsoft.com/office/powerpoint/2015/main" val="1"/>
+              </p:ext>
+            </p:extLst>
+          </p:nvPr>
+        </p:nvSpPr>
+        <p:spPr>
+          <a:xfrm>
+            <a:off x="0" y="0"/>
+            <a:ext cx="12192001" cy="6858000"/>
+          </a:xfrm>
+          <a:prstGeom prst="rect">
+            <a:avLst/>
+          </a:prstGeom>
+          <a:ln>
+            <a:noFill/>
+          </a:ln>
+        </p:spPr>
+        <p:style>
+          <a:lnRef idx="2">
+            <a:schemeClr val="accent1">
+              <a:shade val="50000"/>
+            </a:schemeClr>
+          </a:lnRef>
+          <a:fillRef idx="1">
+            <a:schemeClr val="accent1"/>
+          </a:fillRef>
+          <a:effectRef idx="0">
+            <a:schemeClr val="accent1"/>
+          </a:effectRef>
+          <a:fontRef idx="minor">
+            <a:schemeClr val="lt1"/>
+          </a:fontRef>
+        </p:style>
+        <p:txBody>
+          <a:bodyPr rtlCol="0" anchor="ctr"/>
+          <a:lstStyle/>
+          <a:p>
+            <a:pPr algn="ctr"/>
+            <a:endParaRPr lang="en-US"/>
+          </a:p>
+        </p:txBody>
+      </p:sp>
+      <p:sp>
+        <p:nvSpPr>
+          <p:cNvPr id="11" name="Rectangle 10">
+            <a:extLst>
+              <a:ext uri="{FF2B5EF4-FFF2-40B4-BE49-F238E27FC236}">
+                <a16:creationId xmlns:a16="http://schemas.microsoft.com/office/drawing/2014/main" id="{5C2A6256-1DD0-4E4B-A8B3-9A711B4DBE0C}"/>
+              </a:ext>
+              <a:ext uri="{C183D7F6-B498-43B3-948B-1728B52AA6E4}">
+                <adec:decorative xmlns:adec="http://schemas.microsoft.com/office/drawing/2017/decorative" val="1"/>
+              </a:ext>
+            </a:extLst>
+          </p:cNvPr>
+          <p:cNvSpPr>
+            <a:spLocks noGrp="1" noRot="1" noChangeAspect="1" noMove="1" noResize="1" noEditPoints="1" noAdjustHandles="1" noChangeArrowheads="1" noChangeShapeType="1" noTextEdit="1"/>
+          </p:cNvSpPr>
+          <p:nvPr>
+            <p:extLst>
+              <p:ext uri="{386F3935-93C4-4BCD-93E2-E3B085C9AB24}">
+                <p16:designElem xmlns:p16="http://schemas.microsoft.com/office/powerpoint/2015/main" val="1"/>
+              </p:ext>
+            </p:extLst>
+          </p:nvPr>
+        </p:nvSpPr>
+        <p:spPr>
+          <a:xfrm>
+            <a:off x="1038768" y="2130218"/>
+            <a:ext cx="11153231" cy="4727782"/>
+          </a:xfrm>
+          <a:prstGeom prst="rect">
+            <a:avLst/>
+          </a:prstGeom>
+          <a:solidFill>
+            <a:schemeClr val="bg1">
+              <a:alpha val="75000"/>
+            </a:schemeClr>
+          </a:solidFill>
+          <a:ln>
+            <a:noFill/>
+          </a:ln>
+        </p:spPr>
+        <p:style>
+          <a:lnRef idx="2">
+            <a:schemeClr val="accent1">
+              <a:shade val="50000"/>
+            </a:schemeClr>
+          </a:lnRef>
+          <a:fillRef idx="1">
+            <a:schemeClr val="accent1"/>
+          </a:fillRef>
+          <a:effectRef idx="0">
+            <a:schemeClr val="accent1"/>
+          </a:effectRef>
+          <a:fontRef idx="minor">
+            <a:schemeClr val="lt1"/>
+          </a:fontRef>
+        </p:style>
+        <p:txBody>
+          <a:bodyPr rtlCol="0" anchor="ctr"/>
+          <a:lstStyle/>
+          <a:p>
+            <a:pPr algn="ctr"/>
+            <a:endParaRPr lang="en-US"/>
+          </a:p>
+        </p:txBody>
+      </p:sp>
+      <p:sp>
+        <p:nvSpPr>
+          <p:cNvPr id="13" name="Rectangle 12">
+            <a:extLst>
+              <a:ext uri="{FF2B5EF4-FFF2-40B4-BE49-F238E27FC236}">
+                <a16:creationId xmlns:a16="http://schemas.microsoft.com/office/drawing/2014/main" id="{41760540-185E-4652-BFD2-9B362EF3BC99}"/>
+              </a:ext>
+              <a:ext uri="{C183D7F6-B498-43B3-948B-1728B52AA6E4}">
+                <adec:decorative xmlns:adec="http://schemas.microsoft.com/office/drawing/2017/decorative" val="1"/>
+              </a:ext>
+            </a:extLst>
+          </p:cNvPr>
+          <p:cNvSpPr>
+            <a:spLocks noGrp="1" noRot="1" noChangeAspect="1" noMove="1" noResize="1" noEditPoints="1" noAdjustHandles="1" noChangeArrowheads="1" noChangeShapeType="1" noTextEdit="1"/>
+          </p:cNvSpPr>
+          <p:nvPr>
+            <p:extLst>
+              <p:ext uri="{386F3935-93C4-4BCD-93E2-E3B085C9AB24}">
+                <p16:designElem xmlns:p16="http://schemas.microsoft.com/office/powerpoint/2015/main" val="1"/>
+              </p:ext>
+            </p:extLst>
+          </p:nvPr>
+        </p:nvSpPr>
+        <p:spPr>
+          <a:xfrm>
+            <a:off x="0" y="896641"/>
+            <a:ext cx="12192000" cy="1347716"/>
+          </a:xfrm>
+          <a:prstGeom prst="rect">
+            <a:avLst/>
+          </a:prstGeom>
+          <a:solidFill>
+            <a:schemeClr val="tx2"/>
+          </a:solidFill>
+          <a:ln>
+            <a:noFill/>
+          </a:ln>
+        </p:spPr>
+        <p:style>
+          <a:lnRef idx="2">
+            <a:schemeClr val="accent1">
+              <a:shade val="50000"/>
+            </a:schemeClr>
+          </a:lnRef>
+          <a:fillRef idx="1">
+            <a:schemeClr val="accent1"/>
+          </a:fillRef>
+          <a:effectRef idx="0">
+            <a:schemeClr val="accent1"/>
+          </a:effectRef>
+          <a:fontRef idx="minor">
+            <a:schemeClr val="lt1"/>
+          </a:fontRef>
+        </p:style>
+        <p:txBody>
+          <a:bodyPr rtlCol="0" anchor="ctr"/>
+          <a:lstStyle/>
+          <a:p>
+            <a:pPr algn="ctr"/>
+            <a:endParaRPr lang="en-US"/>
+          </a:p>
+        </p:txBody>
+      </p:sp>
+      <p:sp>
+        <p:nvSpPr>
+          <p:cNvPr id="2" name="Titre 1">
+            <a:extLst>
+              <a:ext uri="{FF2B5EF4-FFF2-40B4-BE49-F238E27FC236}">
+                <a16:creationId xmlns:a16="http://schemas.microsoft.com/office/drawing/2014/main" id="{48780D4D-041E-B48D-3CD4-0BB1BF2D77E9}"/>
+              </a:ext>
+            </a:extLst>
+          </p:cNvPr>
+          <p:cNvSpPr>
+            <a:spLocks noGrp="1"/>
+          </p:cNvSpPr>
+          <p:nvPr>
+            <p:ph type="title"/>
+          </p:nvPr>
+        </p:nvSpPr>
+        <p:spPr>
+          <a:xfrm>
+            <a:off x="1535371" y="1044054"/>
+            <a:ext cx="10013709" cy="1030360"/>
+          </a:xfrm>
+        </p:spPr>
+        <p:txBody>
+          <a:bodyPr>
+            <a:normAutofit/>
+          </a:bodyPr>
+          <a:lstStyle/>
+          <a:p>
+            <a:pPr>
+              <a:lnSpc>
+                <a:spcPct val="140000"/>
+              </a:lnSpc>
+            </a:pPr>
+            <a:r>
+              <a:rPr lang="fr-FR" sz="2800" dirty="0">
+                <a:solidFill>
+                  <a:schemeClr val="bg1"/>
+                </a:solidFill>
+              </a:rPr>
+              <a:t>Décomposition fonctionnelle du programme</a:t>
+            </a:r>
+          </a:p>
+        </p:txBody>
+      </p:sp>
+      <p:sp>
+        <p:nvSpPr>
+          <p:cNvPr id="15" name="Rectangle 14">
+            <a:extLst>
+              <a:ext uri="{FF2B5EF4-FFF2-40B4-BE49-F238E27FC236}">
+                <a16:creationId xmlns:a16="http://schemas.microsoft.com/office/drawing/2014/main" id="{729789F4-85C1-41A0-83EB-992E22210CB9}"/>
+              </a:ext>
+              <a:ext uri="{C183D7F6-B498-43B3-948B-1728B52AA6E4}">
+                <adec:decorative xmlns:adec="http://schemas.microsoft.com/office/drawing/2017/decorative" val="1"/>
+              </a:ext>
+            </a:extLst>
+          </p:cNvPr>
+          <p:cNvSpPr>
+            <a:spLocks noGrp="1" noRot="1" noChangeAspect="1" noMove="1" noResize="1" noEditPoints="1" noAdjustHandles="1" noChangeArrowheads="1" noChangeShapeType="1" noTextEdit="1"/>
+          </p:cNvSpPr>
+          <p:nvPr>
+            <p:extLst>
+              <p:ext uri="{386F3935-93C4-4BCD-93E2-E3B085C9AB24}">
+                <p16:designElem xmlns:p16="http://schemas.microsoft.com/office/powerpoint/2015/main" val="1"/>
+              </p:ext>
+            </p:extLst>
+          </p:nvPr>
+        </p:nvSpPr>
+        <p:spPr>
+          <a:xfrm>
+            <a:off x="-1" y="962423"/>
+            <a:ext cx="1006766" cy="1216152"/>
+          </a:xfrm>
+          <a:prstGeom prst="rect">
+            <a:avLst/>
+          </a:prstGeom>
+          <a:solidFill>
+            <a:schemeClr val="accent1"/>
+          </a:solidFill>
+          <a:ln>
+            <a:noFill/>
+          </a:ln>
+        </p:spPr>
+        <p:style>
+          <a:lnRef idx="2">
+            <a:schemeClr val="accent1">
+              <a:shade val="50000"/>
+            </a:schemeClr>
+          </a:lnRef>
+          <a:fillRef idx="1">
+            <a:schemeClr val="accent1"/>
+          </a:fillRef>
+          <a:effectRef idx="0">
+            <a:schemeClr val="accent1"/>
+          </a:effectRef>
+          <a:fontRef idx="minor">
+            <a:schemeClr val="lt1"/>
+          </a:fontRef>
+        </p:style>
+        <p:txBody>
+          <a:bodyPr rtlCol="0" anchor="ctr"/>
+          <a:lstStyle/>
+          <a:p>
+            <a:pPr algn="ctr"/>
+            <a:endParaRPr lang="en-US"/>
+          </a:p>
+        </p:txBody>
+      </p:sp>
+      <p:sp>
+        <p:nvSpPr>
+          <p:cNvPr id="17" name="Rectangle 16">
+            <a:extLst>
+              <a:ext uri="{FF2B5EF4-FFF2-40B4-BE49-F238E27FC236}">
+                <a16:creationId xmlns:a16="http://schemas.microsoft.com/office/drawing/2014/main" id="{9D9D367D-6DD2-4A7C-8918-0DCAC297559A}"/>
+              </a:ext>
+              <a:ext uri="{C183D7F6-B498-43B3-948B-1728B52AA6E4}">
+                <adec:decorative xmlns:adec="http://schemas.microsoft.com/office/drawing/2017/decorative" val="1"/>
+              </a:ext>
+            </a:extLst>
+          </p:cNvPr>
+          <p:cNvSpPr>
+            <a:spLocks noGrp="1" noRot="1" noChangeAspect="1" noMove="1" noResize="1" noEditPoints="1" noAdjustHandles="1" noChangeArrowheads="1" noChangeShapeType="1" noTextEdit="1"/>
+          </p:cNvSpPr>
+          <p:nvPr>
+            <p:extLst>
+              <p:ext uri="{386F3935-93C4-4BCD-93E2-E3B085C9AB24}">
+                <p16:designElem xmlns:p16="http://schemas.microsoft.com/office/powerpoint/2015/main" val="1"/>
+              </p:ext>
+            </p:extLst>
+          </p:nvPr>
+        </p:nvSpPr>
+        <p:spPr>
+          <a:xfrm rot="5400000">
+            <a:off x="-2390232" y="3396997"/>
+            <a:ext cx="6858002" cy="64008"/>
+          </a:xfrm>
+          <a:prstGeom prst="rect">
+            <a:avLst/>
+          </a:prstGeom>
+          <a:solidFill>
+            <a:schemeClr val="tx2"/>
+          </a:solidFill>
+          <a:ln>
+            <a:noFill/>
+          </a:ln>
+        </p:spPr>
+        <p:style>
+          <a:lnRef idx="2">
+            <a:schemeClr val="accent1">
+              <a:shade val="50000"/>
+            </a:schemeClr>
+          </a:lnRef>
+          <a:fillRef idx="1">
+            <a:schemeClr val="accent1"/>
+          </a:fillRef>
+          <a:effectRef idx="0">
+            <a:schemeClr val="accent1"/>
+          </a:effectRef>
+          <a:fontRef idx="minor">
+            <a:schemeClr val="lt1"/>
+          </a:fontRef>
+        </p:style>
+        <p:txBody>
+          <a:bodyPr rtlCol="0" anchor="ctr"/>
+          <a:lstStyle/>
+          <a:p>
+            <a:pPr algn="ctr"/>
+            <a:endParaRPr lang="en-US"/>
+          </a:p>
+        </p:txBody>
+      </p:sp>
+      <p:sp>
+        <p:nvSpPr>
+          <p:cNvPr id="4" name="Espace réservé du numéro de diapositive 3">
+            <a:extLst>
+              <a:ext uri="{FF2B5EF4-FFF2-40B4-BE49-F238E27FC236}">
+                <a16:creationId xmlns:a16="http://schemas.microsoft.com/office/drawing/2014/main" id="{5AB44E8A-54A1-4248-E629-545A22270AC3}"/>
+              </a:ext>
+            </a:extLst>
+          </p:cNvPr>
+          <p:cNvSpPr>
+            <a:spLocks noGrp="1"/>
+          </p:cNvSpPr>
+          <p:nvPr>
+            <p:ph type="sldNum" sz="quarter" idx="12"/>
+          </p:nvPr>
+        </p:nvSpPr>
+        <p:spPr>
+          <a:xfrm>
+            <a:off x="10569202" y="6309360"/>
+            <a:ext cx="979879" cy="457200"/>
+          </a:xfrm>
+        </p:spPr>
+        <p:txBody>
+          <a:bodyPr>
+            <a:normAutofit/>
+          </a:bodyPr>
+          <a:lstStyle/>
+          <a:p>
+            <a:pPr>
+              <a:spcAft>
+                <a:spcPts val="600"/>
+              </a:spcAft>
+            </a:pPr>
+            <a:fld id="{FAEF9944-A4F6-4C59-AEBD-678D6480B8EA}" type="slidenum">
+              <a:rPr lang="en-US" smtClean="0"/>
+              <a:pPr>
+                <a:spcAft>
+                  <a:spcPts val="600"/>
+                </a:spcAft>
+              </a:pPr>
+              <a:t>4</a:t>
+            </a:fld>
+            <a:endParaRPr lang="en-US"/>
+          </a:p>
+        </p:txBody>
+      </p:sp>
+      <p:sp>
+        <p:nvSpPr>
+          <p:cNvPr id="6" name="Rectangle 5">
+            <a:extLst>
+              <a:ext uri="{FF2B5EF4-FFF2-40B4-BE49-F238E27FC236}">
+                <a16:creationId xmlns:a16="http://schemas.microsoft.com/office/drawing/2014/main" id="{DC239637-2CC6-6A3F-366C-A9CB9F0A9E32}"/>
+              </a:ext>
+            </a:extLst>
+          </p:cNvPr>
+          <p:cNvSpPr/>
+          <p:nvPr/>
+        </p:nvSpPr>
+        <p:spPr>
+          <a:xfrm>
+            <a:off x="678426" y="4168877"/>
+            <a:ext cx="1455174" cy="639097"/>
+          </a:xfrm>
+          <a:prstGeom prst="rect">
+            <a:avLst/>
+          </a:prstGeom>
+          <a:ln>
+            <a:solidFill>
+              <a:schemeClr val="tx1"/>
+            </a:solidFill>
+          </a:ln>
+        </p:spPr>
+        <p:style>
+          <a:lnRef idx="2">
+            <a:schemeClr val="accent6"/>
+          </a:lnRef>
+          <a:fillRef idx="1">
+            <a:schemeClr val="lt1"/>
+          </a:fillRef>
+          <a:effectRef idx="0">
+            <a:schemeClr val="accent6"/>
+          </a:effectRef>
+          <a:fontRef idx="minor">
+            <a:schemeClr val="dk1"/>
+          </a:fontRef>
+        </p:style>
+        <p:txBody>
+          <a:bodyPr rtlCol="0" anchor="ctr"/>
+          <a:lstStyle/>
+          <a:p>
+            <a:pPr algn="ctr"/>
+            <a:r>
+              <a:rPr lang="fr-FR" dirty="0" err="1"/>
+              <a:t>main.c</a:t>
+            </a:r>
+            <a:endParaRPr lang="fr-FR" dirty="0"/>
+          </a:p>
+        </p:txBody>
+      </p:sp>
+      <p:sp>
+        <p:nvSpPr>
+          <p:cNvPr id="7" name="Rectangle 6">
+            <a:extLst>
+              <a:ext uri="{FF2B5EF4-FFF2-40B4-BE49-F238E27FC236}">
+                <a16:creationId xmlns:a16="http://schemas.microsoft.com/office/drawing/2014/main" id="{E8DD84D5-1F65-A1AA-BE94-6B19437B4D30}"/>
+              </a:ext>
+            </a:extLst>
+          </p:cNvPr>
+          <p:cNvSpPr/>
+          <p:nvPr/>
+        </p:nvSpPr>
+        <p:spPr>
+          <a:xfrm>
+            <a:off x="8406063" y="2391770"/>
+            <a:ext cx="2070208" cy="639097"/>
+          </a:xfrm>
+          <a:prstGeom prst="rect">
+            <a:avLst/>
+          </a:prstGeom>
+          <a:ln>
+            <a:solidFill>
+              <a:schemeClr val="tx1"/>
+            </a:solidFill>
+          </a:ln>
+        </p:spPr>
+        <p:style>
+          <a:lnRef idx="2">
+            <a:schemeClr val="accent6"/>
+          </a:lnRef>
+          <a:fillRef idx="1">
+            <a:schemeClr val="lt1"/>
+          </a:fillRef>
+          <a:effectRef idx="0">
+            <a:schemeClr val="accent6"/>
+          </a:effectRef>
+          <a:fontRef idx="minor">
+            <a:schemeClr val="dk1"/>
+          </a:fontRef>
+        </p:style>
+        <p:txBody>
+          <a:bodyPr rtlCol="0" anchor="ctr"/>
+          <a:lstStyle/>
+          <a:p>
+            <a:pPr algn="ctr"/>
+            <a:r>
+              <a:rPr lang="fr-FR" dirty="0" err="1"/>
+              <a:t>file_reader.c</a:t>
+            </a:r>
+            <a:endParaRPr lang="fr-FR" dirty="0"/>
+          </a:p>
+        </p:txBody>
+      </p:sp>
+      <p:sp>
+        <p:nvSpPr>
+          <p:cNvPr id="8" name="Rectangle 7">
+            <a:extLst>
+              <a:ext uri="{FF2B5EF4-FFF2-40B4-BE49-F238E27FC236}">
+                <a16:creationId xmlns:a16="http://schemas.microsoft.com/office/drawing/2014/main" id="{97F7305D-9B94-6E88-4A13-210D01B82AD2}"/>
+              </a:ext>
+            </a:extLst>
+          </p:cNvPr>
+          <p:cNvSpPr/>
+          <p:nvPr/>
+        </p:nvSpPr>
+        <p:spPr>
+          <a:xfrm>
+            <a:off x="8406063" y="3429000"/>
+            <a:ext cx="2070208" cy="639097"/>
+          </a:xfrm>
+          <a:prstGeom prst="rect">
+            <a:avLst/>
+          </a:prstGeom>
+          <a:ln>
+            <a:solidFill>
+              <a:schemeClr val="tx1"/>
+            </a:solidFill>
+          </a:ln>
+        </p:spPr>
+        <p:style>
+          <a:lnRef idx="2">
+            <a:schemeClr val="accent6"/>
+          </a:lnRef>
+          <a:fillRef idx="1">
+            <a:schemeClr val="lt1"/>
+          </a:fillRef>
+          <a:effectRef idx="0">
+            <a:schemeClr val="accent6"/>
+          </a:effectRef>
+          <a:fontRef idx="minor">
+            <a:schemeClr val="dk1"/>
+          </a:fontRef>
+        </p:style>
+        <p:txBody>
+          <a:bodyPr rtlCol="0" anchor="ctr"/>
+          <a:lstStyle/>
+          <a:p>
+            <a:pPr algn="ctr"/>
+            <a:r>
+              <a:rPr lang="fr-FR" dirty="0" err="1"/>
+              <a:t>node.c</a:t>
+            </a:r>
+            <a:endParaRPr lang="fr-FR" dirty="0"/>
+          </a:p>
+        </p:txBody>
+      </p:sp>
+      <p:sp>
+        <p:nvSpPr>
+          <p:cNvPr id="10" name="Rectangle 9">
+            <a:extLst>
+              <a:ext uri="{FF2B5EF4-FFF2-40B4-BE49-F238E27FC236}">
+                <a16:creationId xmlns:a16="http://schemas.microsoft.com/office/drawing/2014/main" id="{06637515-0A6C-F5EC-A4EB-B7642B99CA99}"/>
+              </a:ext>
+            </a:extLst>
+          </p:cNvPr>
+          <p:cNvSpPr/>
+          <p:nvPr/>
+        </p:nvSpPr>
+        <p:spPr>
+          <a:xfrm>
+            <a:off x="8406063" y="5821943"/>
+            <a:ext cx="2070208" cy="639097"/>
+          </a:xfrm>
+          <a:prstGeom prst="rect">
+            <a:avLst/>
+          </a:prstGeom>
+          <a:ln>
+            <a:solidFill>
+              <a:schemeClr val="tx1"/>
+            </a:solidFill>
+          </a:ln>
+        </p:spPr>
+        <p:style>
+          <a:lnRef idx="2">
+            <a:schemeClr val="accent6"/>
+          </a:lnRef>
+          <a:fillRef idx="1">
+            <a:schemeClr val="lt1"/>
+          </a:fillRef>
+          <a:effectRef idx="0">
+            <a:schemeClr val="accent6"/>
+          </a:effectRef>
+          <a:fontRef idx="minor">
+            <a:schemeClr val="dk1"/>
+          </a:fontRef>
+        </p:style>
+        <p:txBody>
+          <a:bodyPr rtlCol="0" anchor="ctr"/>
+          <a:lstStyle/>
+          <a:p>
+            <a:pPr algn="ctr"/>
+            <a:r>
+              <a:rPr lang="fr-FR" dirty="0" err="1"/>
+              <a:t>file_logger.c</a:t>
+            </a:r>
+            <a:endParaRPr lang="fr-FR" dirty="0"/>
+          </a:p>
+        </p:txBody>
+      </p:sp>
+      <p:sp>
+        <p:nvSpPr>
+          <p:cNvPr id="12" name="Rectangle 11">
+            <a:extLst>
+              <a:ext uri="{FF2B5EF4-FFF2-40B4-BE49-F238E27FC236}">
+                <a16:creationId xmlns:a16="http://schemas.microsoft.com/office/drawing/2014/main" id="{5B2B2ABF-84D7-6B31-15FF-5A93879EA11D}"/>
+              </a:ext>
+            </a:extLst>
+          </p:cNvPr>
+          <p:cNvSpPr/>
+          <p:nvPr/>
+        </p:nvSpPr>
+        <p:spPr>
+          <a:xfrm>
+            <a:off x="8406063" y="4610795"/>
+            <a:ext cx="2070208" cy="639097"/>
+          </a:xfrm>
+          <a:prstGeom prst="rect">
+            <a:avLst/>
+          </a:prstGeom>
+          <a:ln>
+            <a:solidFill>
+              <a:schemeClr val="tx1"/>
+            </a:solidFill>
+          </a:ln>
+        </p:spPr>
+        <p:style>
+          <a:lnRef idx="2">
+            <a:schemeClr val="accent6"/>
+          </a:lnRef>
+          <a:fillRef idx="1">
+            <a:schemeClr val="lt1"/>
+          </a:fillRef>
+          <a:effectRef idx="0">
+            <a:schemeClr val="accent6"/>
+          </a:effectRef>
+          <a:fontRef idx="minor">
+            <a:schemeClr val="dk1"/>
+          </a:fontRef>
+        </p:style>
+        <p:txBody>
+          <a:bodyPr rtlCol="0" anchor="ctr"/>
+          <a:lstStyle/>
+          <a:p>
+            <a:pPr algn="ctr"/>
+            <a:r>
+              <a:rPr lang="fr-FR" dirty="0" err="1"/>
+              <a:t>encodage.c</a:t>
+            </a:r>
+            <a:endParaRPr lang="fr-FR" dirty="0"/>
+          </a:p>
+        </p:txBody>
+      </p:sp>
+      <p:sp>
+        <p:nvSpPr>
+          <p:cNvPr id="14" name="Rectangle 13">
+            <a:extLst>
+              <a:ext uri="{FF2B5EF4-FFF2-40B4-BE49-F238E27FC236}">
+                <a16:creationId xmlns:a16="http://schemas.microsoft.com/office/drawing/2014/main" id="{1D6113A9-F8CB-D43E-7A23-87E610E1E818}"/>
+              </a:ext>
+            </a:extLst>
+          </p:cNvPr>
+          <p:cNvSpPr/>
+          <p:nvPr/>
+        </p:nvSpPr>
+        <p:spPr>
+          <a:xfrm>
+            <a:off x="4472017" y="2391769"/>
+            <a:ext cx="2070208" cy="639097"/>
+          </a:xfrm>
+          <a:prstGeom prst="rect">
+            <a:avLst/>
+          </a:prstGeom>
+          <a:ln>
+            <a:solidFill>
+              <a:schemeClr val="tx1"/>
+            </a:solidFill>
+          </a:ln>
+        </p:spPr>
+        <p:style>
+          <a:lnRef idx="2">
+            <a:schemeClr val="accent6"/>
+          </a:lnRef>
+          <a:fillRef idx="1">
+            <a:schemeClr val="lt1"/>
+          </a:fillRef>
+          <a:effectRef idx="0">
+            <a:schemeClr val="accent6"/>
+          </a:effectRef>
+          <a:fontRef idx="minor">
+            <a:schemeClr val="dk1"/>
+          </a:fontRef>
+        </p:style>
+        <p:txBody>
+          <a:bodyPr rtlCol="0" anchor="ctr"/>
+          <a:lstStyle/>
+          <a:p>
+            <a:pPr algn="ctr"/>
+            <a:r>
+              <a:rPr lang="fr-FR" dirty="0" err="1"/>
+              <a:t>file_reader.h</a:t>
+            </a:r>
+            <a:endParaRPr lang="fr-FR" dirty="0"/>
+          </a:p>
+        </p:txBody>
+      </p:sp>
+      <p:sp>
+        <p:nvSpPr>
+          <p:cNvPr id="16" name="Rectangle 15">
+            <a:extLst>
+              <a:ext uri="{FF2B5EF4-FFF2-40B4-BE49-F238E27FC236}">
+                <a16:creationId xmlns:a16="http://schemas.microsoft.com/office/drawing/2014/main" id="{A59C21B0-6A6E-A521-1940-E41B1F651687}"/>
+              </a:ext>
+            </a:extLst>
+          </p:cNvPr>
+          <p:cNvSpPr/>
+          <p:nvPr/>
+        </p:nvSpPr>
+        <p:spPr>
+          <a:xfrm>
+            <a:off x="4423891" y="4292624"/>
+            <a:ext cx="2070208" cy="639097"/>
+          </a:xfrm>
+          <a:prstGeom prst="rect">
+            <a:avLst/>
+          </a:prstGeom>
+          <a:ln>
+            <a:solidFill>
+              <a:schemeClr val="tx1"/>
+            </a:solidFill>
+          </a:ln>
+        </p:spPr>
+        <p:style>
+          <a:lnRef idx="2">
+            <a:schemeClr val="accent6"/>
+          </a:lnRef>
+          <a:fillRef idx="1">
+            <a:schemeClr val="lt1"/>
+          </a:fillRef>
+          <a:effectRef idx="0">
+            <a:schemeClr val="accent6"/>
+          </a:effectRef>
+          <a:fontRef idx="minor">
+            <a:schemeClr val="dk1"/>
+          </a:fontRef>
+        </p:style>
+        <p:txBody>
+          <a:bodyPr rtlCol="0" anchor="ctr"/>
+          <a:lstStyle/>
+          <a:p>
+            <a:pPr algn="ctr"/>
+            <a:r>
+              <a:rPr lang="fr-FR" dirty="0" err="1"/>
+              <a:t>node.h</a:t>
+            </a:r>
+            <a:endParaRPr lang="fr-FR" dirty="0"/>
+          </a:p>
+        </p:txBody>
+      </p:sp>
+      <p:sp>
+        <p:nvSpPr>
+          <p:cNvPr id="18" name="Rectangle 17">
+            <a:extLst>
+              <a:ext uri="{FF2B5EF4-FFF2-40B4-BE49-F238E27FC236}">
+                <a16:creationId xmlns:a16="http://schemas.microsoft.com/office/drawing/2014/main" id="{231D5748-ED2D-98A2-A8C0-5E2B4184A707}"/>
+              </a:ext>
+            </a:extLst>
+          </p:cNvPr>
+          <p:cNvSpPr/>
+          <p:nvPr/>
+        </p:nvSpPr>
+        <p:spPr>
+          <a:xfrm>
+            <a:off x="4423891" y="3348883"/>
+            <a:ext cx="2070208" cy="639097"/>
+          </a:xfrm>
+          <a:prstGeom prst="rect">
+            <a:avLst/>
+          </a:prstGeom>
+          <a:ln>
+            <a:solidFill>
+              <a:schemeClr val="tx1"/>
+            </a:solidFill>
+          </a:ln>
+        </p:spPr>
+        <p:style>
+          <a:lnRef idx="2">
+            <a:schemeClr val="accent6"/>
+          </a:lnRef>
+          <a:fillRef idx="1">
+            <a:schemeClr val="lt1"/>
+          </a:fillRef>
+          <a:effectRef idx="0">
+            <a:schemeClr val="accent6"/>
+          </a:effectRef>
+          <a:fontRef idx="minor">
+            <a:schemeClr val="dk1"/>
+          </a:fontRef>
+        </p:style>
+        <p:txBody>
+          <a:bodyPr rtlCol="0" anchor="ctr"/>
+          <a:lstStyle/>
+          <a:p>
+            <a:pPr algn="ctr"/>
+            <a:r>
+              <a:rPr lang="fr-FR" dirty="0" err="1"/>
+              <a:t>list_node.h</a:t>
+            </a:r>
+            <a:endParaRPr lang="fr-FR" dirty="0"/>
+          </a:p>
+        </p:txBody>
+      </p:sp>
+      <p:sp>
+        <p:nvSpPr>
+          <p:cNvPr id="19" name="Rectangle 18">
+            <a:extLst>
+              <a:ext uri="{FF2B5EF4-FFF2-40B4-BE49-F238E27FC236}">
+                <a16:creationId xmlns:a16="http://schemas.microsoft.com/office/drawing/2014/main" id="{667E84D3-A3D4-1D4A-6EBB-6A1F90326AF5}"/>
+              </a:ext>
+            </a:extLst>
+          </p:cNvPr>
+          <p:cNvSpPr/>
+          <p:nvPr/>
+        </p:nvSpPr>
+        <p:spPr>
+          <a:xfrm>
+            <a:off x="4423891" y="5163127"/>
+            <a:ext cx="2070208" cy="639097"/>
+          </a:xfrm>
+          <a:prstGeom prst="rect">
+            <a:avLst/>
+          </a:prstGeom>
+          <a:ln>
+            <a:solidFill>
+              <a:schemeClr val="tx1"/>
+            </a:solidFill>
+          </a:ln>
+        </p:spPr>
+        <p:style>
+          <a:lnRef idx="2">
+            <a:schemeClr val="accent6"/>
+          </a:lnRef>
+          <a:fillRef idx="1">
+            <a:schemeClr val="lt1"/>
+          </a:fillRef>
+          <a:effectRef idx="0">
+            <a:schemeClr val="accent6"/>
+          </a:effectRef>
+          <a:fontRef idx="minor">
+            <a:schemeClr val="dk1"/>
+          </a:fontRef>
+        </p:style>
+        <p:txBody>
+          <a:bodyPr rtlCol="0" anchor="ctr"/>
+          <a:lstStyle/>
+          <a:p>
+            <a:pPr algn="ctr"/>
+            <a:r>
+              <a:rPr lang="fr-FR" dirty="0" err="1"/>
+              <a:t>encodage.h</a:t>
+            </a:r>
+            <a:endParaRPr lang="fr-FR" dirty="0"/>
+          </a:p>
+        </p:txBody>
+      </p:sp>
+      <p:sp>
+        <p:nvSpPr>
+          <p:cNvPr id="20" name="Rectangle 19">
+            <a:extLst>
+              <a:ext uri="{FF2B5EF4-FFF2-40B4-BE49-F238E27FC236}">
+                <a16:creationId xmlns:a16="http://schemas.microsoft.com/office/drawing/2014/main" id="{24BBB29E-228B-6B30-1137-B9B3E848CFE9}"/>
+              </a:ext>
+            </a:extLst>
+          </p:cNvPr>
+          <p:cNvSpPr/>
+          <p:nvPr/>
+        </p:nvSpPr>
+        <p:spPr>
+          <a:xfrm>
+            <a:off x="4423891" y="6104304"/>
+            <a:ext cx="2070208" cy="639097"/>
+          </a:xfrm>
+          <a:prstGeom prst="rect">
+            <a:avLst/>
+          </a:prstGeom>
+          <a:ln>
+            <a:solidFill>
+              <a:schemeClr val="tx1"/>
+            </a:solidFill>
+          </a:ln>
+        </p:spPr>
+        <p:style>
+          <a:lnRef idx="2">
+            <a:schemeClr val="accent6"/>
+          </a:lnRef>
+          <a:fillRef idx="1">
+            <a:schemeClr val="lt1"/>
+          </a:fillRef>
+          <a:effectRef idx="0">
+            <a:schemeClr val="accent6"/>
+          </a:effectRef>
+          <a:fontRef idx="minor">
+            <a:schemeClr val="dk1"/>
+          </a:fontRef>
+        </p:style>
+        <p:txBody>
+          <a:bodyPr rtlCol="0" anchor="ctr"/>
+          <a:lstStyle/>
+          <a:p>
+            <a:pPr algn="ctr"/>
+            <a:r>
+              <a:rPr lang="fr-FR" dirty="0" err="1"/>
+              <a:t>file_logger.h</a:t>
+            </a:r>
+            <a:endParaRPr lang="fr-FR" dirty="0"/>
+          </a:p>
+        </p:txBody>
+      </p:sp>
+      <p:cxnSp>
+        <p:nvCxnSpPr>
+          <p:cNvPr id="22" name="Connecteur droit 21">
+            <a:extLst>
+              <a:ext uri="{FF2B5EF4-FFF2-40B4-BE49-F238E27FC236}">
+                <a16:creationId xmlns:a16="http://schemas.microsoft.com/office/drawing/2014/main" id="{2D7EFFA2-469A-F5CD-441B-4A5632637EFB}"/>
+              </a:ext>
+            </a:extLst>
+          </p:cNvPr>
+          <p:cNvCxnSpPr>
+            <a:stCxn id="6" idx="3"/>
+            <a:endCxn id="14" idx="1"/>
+          </p:cNvCxnSpPr>
+          <p:nvPr/>
+        </p:nvCxnSpPr>
+        <p:spPr>
+          <a:xfrm flipV="1">
+            <a:off x="2133600" y="2711318"/>
+            <a:ext cx="2338417" cy="1777108"/>
+          </a:xfrm>
+          <a:prstGeom prst="line">
+            <a:avLst/>
+          </a:prstGeom>
+          <a:ln w="38100"/>
+        </p:spPr>
+        <p:style>
+          <a:lnRef idx="1">
+            <a:schemeClr val="dk1"/>
+          </a:lnRef>
+          <a:fillRef idx="0">
+            <a:schemeClr val="dk1"/>
+          </a:fillRef>
+          <a:effectRef idx="0">
+            <a:schemeClr val="dk1"/>
+          </a:effectRef>
+          <a:fontRef idx="minor">
+            <a:schemeClr val="tx1"/>
+          </a:fontRef>
+        </p:style>
+      </p:cxnSp>
+      <p:cxnSp>
+        <p:nvCxnSpPr>
+          <p:cNvPr id="23" name="Connecteur droit 22">
+            <a:extLst>
+              <a:ext uri="{FF2B5EF4-FFF2-40B4-BE49-F238E27FC236}">
+                <a16:creationId xmlns:a16="http://schemas.microsoft.com/office/drawing/2014/main" id="{18F68B15-46B2-8A1C-06FF-2DCD5EEEDE49}"/>
+              </a:ext>
+            </a:extLst>
+          </p:cNvPr>
+          <p:cNvCxnSpPr>
+            <a:cxnSpLocks/>
+            <a:stCxn id="6" idx="3"/>
+            <a:endCxn id="18" idx="1"/>
+          </p:cNvCxnSpPr>
+          <p:nvPr/>
+        </p:nvCxnSpPr>
+        <p:spPr>
+          <a:xfrm flipV="1">
+            <a:off x="2133600" y="3668432"/>
+            <a:ext cx="2290291" cy="819994"/>
+          </a:xfrm>
+          <a:prstGeom prst="line">
+            <a:avLst/>
+          </a:prstGeom>
+          <a:ln w="38100"/>
+        </p:spPr>
+        <p:style>
+          <a:lnRef idx="1">
+            <a:schemeClr val="dk1"/>
+          </a:lnRef>
+          <a:fillRef idx="0">
+            <a:schemeClr val="dk1"/>
+          </a:fillRef>
+          <a:effectRef idx="0">
+            <a:schemeClr val="dk1"/>
+          </a:effectRef>
+          <a:fontRef idx="minor">
+            <a:schemeClr val="tx1"/>
+          </a:fontRef>
+        </p:style>
+      </p:cxnSp>
+      <p:cxnSp>
+        <p:nvCxnSpPr>
+          <p:cNvPr id="26" name="Connecteur droit 25">
+            <a:extLst>
+              <a:ext uri="{FF2B5EF4-FFF2-40B4-BE49-F238E27FC236}">
+                <a16:creationId xmlns:a16="http://schemas.microsoft.com/office/drawing/2014/main" id="{936B1B63-FE13-B5D6-6DB6-57D89CF49C4A}"/>
+              </a:ext>
+            </a:extLst>
+          </p:cNvPr>
+          <p:cNvCxnSpPr>
+            <a:cxnSpLocks/>
+            <a:stCxn id="6" idx="3"/>
+            <a:endCxn id="16" idx="1"/>
+          </p:cNvCxnSpPr>
+          <p:nvPr/>
+        </p:nvCxnSpPr>
+        <p:spPr>
+          <a:xfrm>
+            <a:off x="2133600" y="4488426"/>
+            <a:ext cx="2290291" cy="123747"/>
+          </a:xfrm>
+          <a:prstGeom prst="line">
+            <a:avLst/>
+          </a:prstGeom>
+          <a:ln w="38100"/>
+        </p:spPr>
+        <p:style>
+          <a:lnRef idx="1">
+            <a:schemeClr val="dk1"/>
+          </a:lnRef>
+          <a:fillRef idx="0">
+            <a:schemeClr val="dk1"/>
+          </a:fillRef>
+          <a:effectRef idx="0">
+            <a:schemeClr val="dk1"/>
+          </a:effectRef>
+          <a:fontRef idx="minor">
+            <a:schemeClr val="tx1"/>
+          </a:fontRef>
+        </p:style>
+      </p:cxnSp>
+      <p:cxnSp>
+        <p:nvCxnSpPr>
+          <p:cNvPr id="29" name="Connecteur droit 28">
+            <a:extLst>
+              <a:ext uri="{FF2B5EF4-FFF2-40B4-BE49-F238E27FC236}">
+                <a16:creationId xmlns:a16="http://schemas.microsoft.com/office/drawing/2014/main" id="{A0D377DE-4341-A9DD-D01B-D1B9428DD4AD}"/>
+              </a:ext>
+            </a:extLst>
+          </p:cNvPr>
+          <p:cNvCxnSpPr>
+            <a:cxnSpLocks/>
+            <a:stCxn id="6" idx="3"/>
+            <a:endCxn id="19" idx="1"/>
+          </p:cNvCxnSpPr>
+          <p:nvPr/>
+        </p:nvCxnSpPr>
+        <p:spPr>
+          <a:xfrm>
+            <a:off x="2133600" y="4488426"/>
+            <a:ext cx="2290291" cy="994250"/>
+          </a:xfrm>
+          <a:prstGeom prst="line">
+            <a:avLst/>
+          </a:prstGeom>
+          <a:ln w="38100"/>
+        </p:spPr>
+        <p:style>
+          <a:lnRef idx="1">
+            <a:schemeClr val="dk1"/>
+          </a:lnRef>
+          <a:fillRef idx="0">
+            <a:schemeClr val="dk1"/>
+          </a:fillRef>
+          <a:effectRef idx="0">
+            <a:schemeClr val="dk1"/>
+          </a:effectRef>
+          <a:fontRef idx="minor">
+            <a:schemeClr val="tx1"/>
+          </a:fontRef>
+        </p:style>
+      </p:cxnSp>
+      <p:cxnSp>
+        <p:nvCxnSpPr>
+          <p:cNvPr id="32" name="Connecteur droit 31">
+            <a:extLst>
+              <a:ext uri="{FF2B5EF4-FFF2-40B4-BE49-F238E27FC236}">
+                <a16:creationId xmlns:a16="http://schemas.microsoft.com/office/drawing/2014/main" id="{9AA72615-5151-C884-3B14-1C529A751853}"/>
+              </a:ext>
+            </a:extLst>
+          </p:cNvPr>
+          <p:cNvCxnSpPr>
+            <a:cxnSpLocks/>
+            <a:stCxn id="6" idx="3"/>
+            <a:endCxn id="20" idx="1"/>
+          </p:cNvCxnSpPr>
+          <p:nvPr/>
+        </p:nvCxnSpPr>
+        <p:spPr>
+          <a:xfrm>
+            <a:off x="2133600" y="4488426"/>
+            <a:ext cx="2290291" cy="1935427"/>
+          </a:xfrm>
+          <a:prstGeom prst="line">
+            <a:avLst/>
+          </a:prstGeom>
+          <a:ln w="38100"/>
+        </p:spPr>
+        <p:style>
+          <a:lnRef idx="1">
+            <a:schemeClr val="dk1"/>
+          </a:lnRef>
+          <a:fillRef idx="0">
+            <a:schemeClr val="dk1"/>
+          </a:fillRef>
+          <a:effectRef idx="0">
+            <a:schemeClr val="dk1"/>
+          </a:effectRef>
+          <a:fontRef idx="minor">
+            <a:schemeClr val="tx1"/>
+          </a:fontRef>
+        </p:style>
+      </p:cxnSp>
+      <p:cxnSp>
+        <p:nvCxnSpPr>
+          <p:cNvPr id="35" name="Connecteur droit 34">
+            <a:extLst>
+              <a:ext uri="{FF2B5EF4-FFF2-40B4-BE49-F238E27FC236}">
+                <a16:creationId xmlns:a16="http://schemas.microsoft.com/office/drawing/2014/main" id="{EE6F83CB-905B-2DD8-9A00-3AB6E190694C}"/>
+              </a:ext>
+            </a:extLst>
+          </p:cNvPr>
+          <p:cNvCxnSpPr>
+            <a:cxnSpLocks/>
+            <a:stCxn id="14" idx="3"/>
+            <a:endCxn id="7" idx="1"/>
+          </p:cNvCxnSpPr>
+          <p:nvPr/>
+        </p:nvCxnSpPr>
+        <p:spPr>
+          <a:xfrm>
+            <a:off x="6542225" y="2711318"/>
+            <a:ext cx="1863838" cy="1"/>
+          </a:xfrm>
+          <a:prstGeom prst="line">
+            <a:avLst/>
+          </a:prstGeom>
+          <a:ln w="38100"/>
+        </p:spPr>
+        <p:style>
+          <a:lnRef idx="1">
+            <a:schemeClr val="dk1"/>
+          </a:lnRef>
+          <a:fillRef idx="0">
+            <a:schemeClr val="dk1"/>
+          </a:fillRef>
+          <a:effectRef idx="0">
+            <a:schemeClr val="dk1"/>
+          </a:effectRef>
+          <a:fontRef idx="minor">
+            <a:schemeClr val="tx1"/>
+          </a:fontRef>
+        </p:style>
+      </p:cxnSp>
+      <p:cxnSp>
+        <p:nvCxnSpPr>
+          <p:cNvPr id="38" name="Connecteur droit 37">
+            <a:extLst>
+              <a:ext uri="{FF2B5EF4-FFF2-40B4-BE49-F238E27FC236}">
+                <a16:creationId xmlns:a16="http://schemas.microsoft.com/office/drawing/2014/main" id="{D1EEA42E-2907-141D-ED8F-755775CEAD13}"/>
+              </a:ext>
+            </a:extLst>
+          </p:cNvPr>
+          <p:cNvCxnSpPr>
+            <a:cxnSpLocks/>
+            <a:stCxn id="18" idx="3"/>
+            <a:endCxn id="7" idx="1"/>
+          </p:cNvCxnSpPr>
+          <p:nvPr/>
+        </p:nvCxnSpPr>
+        <p:spPr>
+          <a:xfrm flipV="1">
+            <a:off x="6494099" y="2711319"/>
+            <a:ext cx="1911964" cy="957113"/>
+          </a:xfrm>
+          <a:prstGeom prst="line">
+            <a:avLst/>
+          </a:prstGeom>
+          <a:ln w="38100"/>
+        </p:spPr>
+        <p:style>
+          <a:lnRef idx="1">
+            <a:schemeClr val="dk1"/>
+          </a:lnRef>
+          <a:fillRef idx="0">
+            <a:schemeClr val="dk1"/>
+          </a:fillRef>
+          <a:effectRef idx="0">
+            <a:schemeClr val="dk1"/>
+          </a:effectRef>
+          <a:fontRef idx="minor">
+            <a:schemeClr val="tx1"/>
+          </a:fontRef>
+        </p:style>
+      </p:cxnSp>
+      <p:cxnSp>
+        <p:nvCxnSpPr>
+          <p:cNvPr id="41" name="Connecteur droit 40">
+            <a:extLst>
+              <a:ext uri="{FF2B5EF4-FFF2-40B4-BE49-F238E27FC236}">
+                <a16:creationId xmlns:a16="http://schemas.microsoft.com/office/drawing/2014/main" id="{D0B68266-8B6F-CD81-8089-4DF62EAFB6AA}"/>
+              </a:ext>
+            </a:extLst>
+          </p:cNvPr>
+          <p:cNvCxnSpPr>
+            <a:cxnSpLocks/>
+            <a:stCxn id="18" idx="3"/>
+            <a:endCxn id="8" idx="1"/>
+          </p:cNvCxnSpPr>
+          <p:nvPr/>
+        </p:nvCxnSpPr>
+        <p:spPr>
+          <a:xfrm>
+            <a:off x="6494099" y="3668432"/>
+            <a:ext cx="1911964" cy="80117"/>
+          </a:xfrm>
+          <a:prstGeom prst="line">
+            <a:avLst/>
+          </a:prstGeom>
+          <a:ln w="38100"/>
+        </p:spPr>
+        <p:style>
+          <a:lnRef idx="1">
+            <a:schemeClr val="dk1"/>
+          </a:lnRef>
+          <a:fillRef idx="0">
+            <a:schemeClr val="dk1"/>
+          </a:fillRef>
+          <a:effectRef idx="0">
+            <a:schemeClr val="dk1"/>
+          </a:effectRef>
+          <a:fontRef idx="minor">
+            <a:schemeClr val="tx1"/>
+          </a:fontRef>
+        </p:style>
+      </p:cxnSp>
+      <p:cxnSp>
+        <p:nvCxnSpPr>
+          <p:cNvPr id="44" name="Connecteur droit 43">
+            <a:extLst>
+              <a:ext uri="{FF2B5EF4-FFF2-40B4-BE49-F238E27FC236}">
+                <a16:creationId xmlns:a16="http://schemas.microsoft.com/office/drawing/2014/main" id="{BAB114BB-EB3A-6649-0187-35F110C2B489}"/>
+              </a:ext>
+            </a:extLst>
+          </p:cNvPr>
+          <p:cNvCxnSpPr>
+            <a:cxnSpLocks/>
+            <a:stCxn id="16" idx="3"/>
+            <a:endCxn id="8" idx="1"/>
+          </p:cNvCxnSpPr>
+          <p:nvPr/>
+        </p:nvCxnSpPr>
+        <p:spPr>
+          <a:xfrm flipV="1">
+            <a:off x="6494099" y="3748549"/>
+            <a:ext cx="1911964" cy="863624"/>
+          </a:xfrm>
+          <a:prstGeom prst="line">
+            <a:avLst/>
+          </a:prstGeom>
+          <a:ln w="38100"/>
+        </p:spPr>
+        <p:style>
+          <a:lnRef idx="1">
+            <a:schemeClr val="dk1"/>
+          </a:lnRef>
+          <a:fillRef idx="0">
+            <a:schemeClr val="dk1"/>
+          </a:fillRef>
+          <a:effectRef idx="0">
+            <a:schemeClr val="dk1"/>
+          </a:effectRef>
+          <a:fontRef idx="minor">
+            <a:schemeClr val="tx1"/>
+          </a:fontRef>
+        </p:style>
+      </p:cxnSp>
+      <p:cxnSp>
+        <p:nvCxnSpPr>
+          <p:cNvPr id="47" name="Connecteur droit 46">
+            <a:extLst>
+              <a:ext uri="{FF2B5EF4-FFF2-40B4-BE49-F238E27FC236}">
+                <a16:creationId xmlns:a16="http://schemas.microsoft.com/office/drawing/2014/main" id="{FFF41A45-EDFE-6F1D-91CB-0A3B112F5027}"/>
+              </a:ext>
+            </a:extLst>
+          </p:cNvPr>
+          <p:cNvCxnSpPr>
+            <a:cxnSpLocks/>
+            <a:stCxn id="19" idx="3"/>
+            <a:endCxn id="12" idx="1"/>
+          </p:cNvCxnSpPr>
+          <p:nvPr/>
+        </p:nvCxnSpPr>
+        <p:spPr>
+          <a:xfrm flipV="1">
+            <a:off x="6494099" y="4930344"/>
+            <a:ext cx="1911964" cy="552332"/>
+          </a:xfrm>
+          <a:prstGeom prst="line">
+            <a:avLst/>
+          </a:prstGeom>
+          <a:ln w="38100"/>
+        </p:spPr>
+        <p:style>
+          <a:lnRef idx="1">
+            <a:schemeClr val="dk1"/>
+          </a:lnRef>
+          <a:fillRef idx="0">
+            <a:schemeClr val="dk1"/>
+          </a:fillRef>
+          <a:effectRef idx="0">
+            <a:schemeClr val="dk1"/>
+          </a:effectRef>
+          <a:fontRef idx="minor">
+            <a:schemeClr val="tx1"/>
+          </a:fontRef>
+        </p:style>
+      </p:cxnSp>
+      <p:cxnSp>
+        <p:nvCxnSpPr>
+          <p:cNvPr id="50" name="Connecteur droit 49">
+            <a:extLst>
+              <a:ext uri="{FF2B5EF4-FFF2-40B4-BE49-F238E27FC236}">
+                <a16:creationId xmlns:a16="http://schemas.microsoft.com/office/drawing/2014/main" id="{D4BEFE2D-4365-07C3-920A-4A2ED62279C6}"/>
+              </a:ext>
+            </a:extLst>
+          </p:cNvPr>
+          <p:cNvCxnSpPr>
+            <a:cxnSpLocks/>
+            <a:stCxn id="20" idx="3"/>
+            <a:endCxn id="10" idx="1"/>
+          </p:cNvCxnSpPr>
+          <p:nvPr/>
+        </p:nvCxnSpPr>
+        <p:spPr>
+          <a:xfrm flipV="1">
+            <a:off x="6494099" y="6141492"/>
+            <a:ext cx="1911964" cy="282361"/>
+          </a:xfrm>
+          <a:prstGeom prst="line">
+            <a:avLst/>
+          </a:prstGeom>
+          <a:ln w="38100"/>
+        </p:spPr>
+        <p:style>
+          <a:lnRef idx="1">
+            <a:schemeClr val="dk1"/>
+          </a:lnRef>
+          <a:fillRef idx="0">
+            <a:schemeClr val="dk1"/>
+          </a:fillRef>
+          <a:effectRef idx="0">
+            <a:schemeClr val="dk1"/>
+          </a:effectRef>
+          <a:fontRef idx="minor">
+            <a:schemeClr val="tx1"/>
+          </a:fontRef>
+        </p:style>
+      </p:cxnSp>
+      <p:pic>
+        <p:nvPicPr>
+          <p:cNvPr id="54" name="Image 53">
+            <a:extLst>
+              <a:ext uri="{FF2B5EF4-FFF2-40B4-BE49-F238E27FC236}">
+                <a16:creationId xmlns:a16="http://schemas.microsoft.com/office/drawing/2014/main" id="{ED4BA6FE-EFDA-2B2E-A1D1-172EB50618AA}"/>
+              </a:ext>
+            </a:extLst>
+          </p:cNvPr>
+          <p:cNvPicPr>
+            <a:picLocks noChangeAspect="1"/>
+          </p:cNvPicPr>
+          <p:nvPr/>
+        </p:nvPicPr>
+        <p:blipFill>
+          <a:blip r:embed="rId3"/>
+          <a:stretch>
+            <a:fillRect/>
+          </a:stretch>
+        </p:blipFill>
+        <p:spPr>
+          <a:xfrm>
+            <a:off x="6111000" y="4312220"/>
+            <a:ext cx="3146657" cy="1997140"/>
+          </a:xfrm>
+          <a:prstGeom prst="rect">
+            <a:avLst/>
+          </a:prstGeom>
+        </p:spPr>
+      </p:pic>
+      <p:pic>
+        <p:nvPicPr>
+          <p:cNvPr id="56" name="Image 55">
+            <a:extLst>
+              <a:ext uri="{FF2B5EF4-FFF2-40B4-BE49-F238E27FC236}">
+                <a16:creationId xmlns:a16="http://schemas.microsoft.com/office/drawing/2014/main" id="{08BF9B29-DD79-474F-DEE2-221409F2E338}"/>
+              </a:ext>
+            </a:extLst>
+          </p:cNvPr>
+          <p:cNvPicPr>
+            <a:picLocks noChangeAspect="1"/>
+          </p:cNvPicPr>
+          <p:nvPr/>
+        </p:nvPicPr>
+        <p:blipFill>
+          <a:blip r:embed="rId4"/>
+          <a:stretch>
+            <a:fillRect/>
+          </a:stretch>
+        </p:blipFill>
+        <p:spPr>
+          <a:xfrm>
+            <a:off x="6300660" y="2349606"/>
+            <a:ext cx="996243" cy="680494"/>
+          </a:xfrm>
+          <a:prstGeom prst="rect">
+            <a:avLst/>
+          </a:prstGeom>
+        </p:spPr>
+      </p:pic>
+    </p:spTree>
+    <p:extLst>
+      <p:ext uri="{BB962C8B-B14F-4D97-AF65-F5344CB8AC3E}">
+        <p14:creationId xmlns:p14="http://schemas.microsoft.com/office/powerpoint/2010/main" val="3253257905"/>
+      </p:ext>
+    </p:extLst>
+  </p:cSld>
+  <p:clrMapOvr>
+    <a:masterClrMapping/>
+  </p:clrMapOvr>
+  <mc:AlternateContent xmlns:mc="http://schemas.openxmlformats.org/markup-compatibility/2006">
+    <mc:Choice xmlns:p159="http://schemas.microsoft.com/office/powerpoint/2015/09/main" Requires="p159">
+      <p:transition xmlns:p14="http://schemas.microsoft.com/office/powerpoint/2010/main" spd="slow" p14:dur="2000">
+        <p159:morph option="byObject"/>
+      </p:transition>
+    </mc:Choice>
+    <mc:Fallback>
+      <p:transition spd="slow">
+        <p:fade/>
+      </p:transition>
+    </mc:Fallback>
+  </mc:AlternateContent>
+</p:sld>
+</file>
+
+<file path=ppt/slides/slide5.xml><?xml version="1.0" encoding="utf-8"?>
+<p:sld xmlns:a="http://schemas.openxmlformats.org/drawingml/2006/main" xmlns:r="http://schemas.openxmlformats.org/officeDocument/2006/relationships" xmlns:p="http://schemas.openxmlformats.org/presentationml/2006/main">
+  <p:cSld>
+    <p:bg>
+      <p:bgPr>
+        <a:solidFill>
+          <a:schemeClr val="bg2"/>
+        </a:solidFill>
+        <a:effectLst/>
+      </p:bgPr>
+    </p:bg>
+    <p:spTree>
+      <p:nvGrpSpPr>
+        <p:cNvPr id="1" name=""/>
+        <p:cNvGrpSpPr/>
+        <p:nvPr/>
+      </p:nvGrpSpPr>
+      <p:grpSpPr>
+        <a:xfrm>
+          <a:off x="0" y="0"/>
+          <a:ext cx="0" cy="0"/>
+          <a:chOff x="0" y="0"/>
+          <a:chExt cx="0" cy="0"/>
+        </a:xfrm>
+      </p:grpSpPr>
+      <p:sp useBgFill="1">
+        <p:nvSpPr>
+          <p:cNvPr id="9" name="Rectangle 8">
+            <a:extLst>
+              <a:ext uri="{FF2B5EF4-FFF2-40B4-BE49-F238E27FC236}">
+                <a16:creationId xmlns:a16="http://schemas.microsoft.com/office/drawing/2014/main" id="{72526924-84D3-45FB-A5FE-62D8FCBF53B6}"/>
+              </a:ext>
+              <a:ext uri="{C183D7F6-B498-43B3-948B-1728B52AA6E4}">
+                <adec:decorative xmlns:adec="http://schemas.microsoft.com/office/drawing/2017/decorative" val="1"/>
+              </a:ext>
+            </a:extLst>
+          </p:cNvPr>
+          <p:cNvSpPr>
+            <a:spLocks noGrp="1" noRot="1" noChangeAspect="1" noMove="1" noResize="1" noEditPoints="1" noAdjustHandles="1" noChangeArrowheads="1" noChangeShapeType="1" noTextEdit="1"/>
+          </p:cNvSpPr>
+          <p:nvPr>
+            <p:extLst>
+              <p:ext uri="{386F3935-93C4-4BCD-93E2-E3B085C9AB24}">
+                <p16:designElem xmlns:p16="http://schemas.microsoft.com/office/powerpoint/2015/main" val="1"/>
+              </p:ext>
+            </p:extLst>
+          </p:nvPr>
+        </p:nvSpPr>
+        <p:spPr>
+          <a:xfrm>
+            <a:off x="0" y="0"/>
+            <a:ext cx="12192001" cy="6858000"/>
+          </a:xfrm>
+          <a:prstGeom prst="rect">
+            <a:avLst/>
+          </a:prstGeom>
+          <a:ln>
+            <a:noFill/>
+          </a:ln>
+        </p:spPr>
+        <p:style>
+          <a:lnRef idx="2">
+            <a:schemeClr val="accent1">
+              <a:shade val="50000"/>
+            </a:schemeClr>
+          </a:lnRef>
+          <a:fillRef idx="1">
+            <a:schemeClr val="accent1"/>
+          </a:fillRef>
+          <a:effectRef idx="0">
+            <a:schemeClr val="accent1"/>
+          </a:effectRef>
+          <a:fontRef idx="minor">
+            <a:schemeClr val="lt1"/>
+          </a:fontRef>
+        </p:style>
+        <p:txBody>
+          <a:bodyPr rtlCol="0" anchor="ctr"/>
+          <a:lstStyle/>
+          <a:p>
+            <a:pPr algn="ctr"/>
+            <a:endParaRPr lang="en-US"/>
+          </a:p>
+        </p:txBody>
+      </p:sp>
+      <p:sp>
+        <p:nvSpPr>
+          <p:cNvPr id="11" name="Rectangle 10">
+            <a:extLst>
+              <a:ext uri="{FF2B5EF4-FFF2-40B4-BE49-F238E27FC236}">
+                <a16:creationId xmlns:a16="http://schemas.microsoft.com/office/drawing/2014/main" id="{5C2A6256-1DD0-4E4B-A8B3-9A711B4DBE0C}"/>
+              </a:ext>
+              <a:ext uri="{C183D7F6-B498-43B3-948B-1728B52AA6E4}">
+                <adec:decorative xmlns:adec="http://schemas.microsoft.com/office/drawing/2017/decorative" val="1"/>
+              </a:ext>
+            </a:extLst>
+          </p:cNvPr>
+          <p:cNvSpPr>
+            <a:spLocks noGrp="1" noRot="1" noChangeAspect="1" noMove="1" noResize="1" noEditPoints="1" noAdjustHandles="1" noChangeArrowheads="1" noChangeShapeType="1" noTextEdit="1"/>
+          </p:cNvSpPr>
+          <p:nvPr>
+            <p:extLst>
+              <p:ext uri="{386F3935-93C4-4BCD-93E2-E3B085C9AB24}">
+                <p16:designElem xmlns:p16="http://schemas.microsoft.com/office/powerpoint/2015/main" val="1"/>
+              </p:ext>
+            </p:extLst>
+          </p:nvPr>
+        </p:nvSpPr>
+        <p:spPr>
+          <a:xfrm>
+            <a:off x="1038768" y="2130218"/>
+            <a:ext cx="11153231" cy="4727782"/>
+          </a:xfrm>
+          <a:prstGeom prst="rect">
+            <a:avLst/>
+          </a:prstGeom>
+          <a:solidFill>
+            <a:schemeClr val="bg1">
+              <a:alpha val="75000"/>
+            </a:schemeClr>
+          </a:solidFill>
+          <a:ln>
+            <a:noFill/>
+          </a:ln>
+        </p:spPr>
+        <p:style>
+          <a:lnRef idx="2">
+            <a:schemeClr val="accent1">
+              <a:shade val="50000"/>
+            </a:schemeClr>
+          </a:lnRef>
+          <a:fillRef idx="1">
+            <a:schemeClr val="accent1"/>
+          </a:fillRef>
+          <a:effectRef idx="0">
+            <a:schemeClr val="accent1"/>
+          </a:effectRef>
+          <a:fontRef idx="minor">
+            <a:schemeClr val="lt1"/>
+          </a:fontRef>
+        </p:style>
+        <p:txBody>
+          <a:bodyPr rtlCol="0" anchor="ctr"/>
+          <a:lstStyle/>
+          <a:p>
+            <a:pPr algn="ctr"/>
+            <a:endParaRPr lang="en-US"/>
+          </a:p>
+        </p:txBody>
+      </p:sp>
+      <p:sp>
+        <p:nvSpPr>
+          <p:cNvPr id="13" name="Rectangle 12">
+            <a:extLst>
+              <a:ext uri="{FF2B5EF4-FFF2-40B4-BE49-F238E27FC236}">
+                <a16:creationId xmlns:a16="http://schemas.microsoft.com/office/drawing/2014/main" id="{41760540-185E-4652-BFD2-9B362EF3BC99}"/>
+              </a:ext>
+              <a:ext uri="{C183D7F6-B498-43B3-948B-1728B52AA6E4}">
+                <adec:decorative xmlns:adec="http://schemas.microsoft.com/office/drawing/2017/decorative" val="1"/>
+              </a:ext>
+            </a:extLst>
+          </p:cNvPr>
+          <p:cNvSpPr>
+            <a:spLocks noGrp="1" noRot="1" noChangeAspect="1" noMove="1" noResize="1" noEditPoints="1" noAdjustHandles="1" noChangeArrowheads="1" noChangeShapeType="1" noTextEdit="1"/>
+          </p:cNvSpPr>
+          <p:nvPr>
+            <p:extLst>
+              <p:ext uri="{386F3935-93C4-4BCD-93E2-E3B085C9AB24}">
+                <p16:designElem xmlns:p16="http://schemas.microsoft.com/office/powerpoint/2015/main" val="1"/>
+              </p:ext>
+            </p:extLst>
+          </p:nvPr>
+        </p:nvSpPr>
+        <p:spPr>
+          <a:xfrm>
+            <a:off x="0" y="896641"/>
+            <a:ext cx="12192000" cy="1347716"/>
+          </a:xfrm>
+          <a:prstGeom prst="rect">
+            <a:avLst/>
+          </a:prstGeom>
+          <a:solidFill>
+            <a:schemeClr val="tx2"/>
+          </a:solidFill>
+          <a:ln>
+            <a:noFill/>
+          </a:ln>
+        </p:spPr>
+        <p:style>
+          <a:lnRef idx="2">
+            <a:schemeClr val="accent1">
+              <a:shade val="50000"/>
+            </a:schemeClr>
+          </a:lnRef>
+          <a:fillRef idx="1">
+            <a:schemeClr val="accent1"/>
+          </a:fillRef>
+          <a:effectRef idx="0">
+            <a:schemeClr val="accent1"/>
+          </a:effectRef>
+          <a:fontRef idx="minor">
+            <a:schemeClr val="lt1"/>
+          </a:fontRef>
+        </p:style>
+        <p:txBody>
+          <a:bodyPr rtlCol="0" anchor="ctr"/>
+          <a:lstStyle/>
+          <a:p>
+            <a:pPr algn="ctr"/>
+            <a:endParaRPr lang="en-US"/>
+          </a:p>
+        </p:txBody>
+      </p:sp>
+      <p:sp>
+        <p:nvSpPr>
+          <p:cNvPr id="2" name="Titre 1">
+            <a:extLst>
+              <a:ext uri="{FF2B5EF4-FFF2-40B4-BE49-F238E27FC236}">
+                <a16:creationId xmlns:a16="http://schemas.microsoft.com/office/drawing/2014/main" id="{EB4A4C69-ABE6-DE94-9892-C18E89F8261D}"/>
+              </a:ext>
+            </a:extLst>
+          </p:cNvPr>
+          <p:cNvSpPr>
+            <a:spLocks noGrp="1"/>
+          </p:cNvSpPr>
+          <p:nvPr>
+            <p:ph type="title"/>
+          </p:nvPr>
+        </p:nvSpPr>
+        <p:spPr>
+          <a:xfrm>
+            <a:off x="1535371" y="1044054"/>
+            <a:ext cx="10013709" cy="1030360"/>
+          </a:xfrm>
+        </p:spPr>
+        <p:txBody>
+          <a:bodyPr>
+            <a:normAutofit/>
+          </a:bodyPr>
+          <a:lstStyle/>
+          <a:p>
+            <a:pPr>
+              <a:lnSpc>
+                <a:spcPct val="140000"/>
+              </a:lnSpc>
+            </a:pPr>
+            <a:r>
+              <a:rPr lang="fr-FR" sz="3100" dirty="0">
+                <a:solidFill>
+                  <a:schemeClr val="bg1"/>
+                </a:solidFill>
+              </a:rPr>
+              <a:t>Aspect technique de nos développements </a:t>
+            </a:r>
+          </a:p>
+        </p:txBody>
+      </p:sp>
+      <p:sp>
+        <p:nvSpPr>
+          <p:cNvPr id="15" name="Rectangle 14">
+            <a:extLst>
+              <a:ext uri="{FF2B5EF4-FFF2-40B4-BE49-F238E27FC236}">
+                <a16:creationId xmlns:a16="http://schemas.microsoft.com/office/drawing/2014/main" id="{729789F4-85C1-41A0-83EB-992E22210CB9}"/>
+              </a:ext>
+              <a:ext uri="{C183D7F6-B498-43B3-948B-1728B52AA6E4}">
+                <adec:decorative xmlns:adec="http://schemas.microsoft.com/office/drawing/2017/decorative" val="1"/>
+              </a:ext>
+            </a:extLst>
+          </p:cNvPr>
+          <p:cNvSpPr>
+            <a:spLocks noGrp="1" noRot="1" noChangeAspect="1" noMove="1" noResize="1" noEditPoints="1" noAdjustHandles="1" noChangeArrowheads="1" noChangeShapeType="1" noTextEdit="1"/>
+          </p:cNvSpPr>
+          <p:nvPr>
+            <p:extLst>
+              <p:ext uri="{386F3935-93C4-4BCD-93E2-E3B085C9AB24}">
+                <p16:designElem xmlns:p16="http://schemas.microsoft.com/office/powerpoint/2015/main" val="1"/>
+              </p:ext>
+            </p:extLst>
+          </p:nvPr>
+        </p:nvSpPr>
+        <p:spPr>
+          <a:xfrm>
+            <a:off x="-1" y="962423"/>
+            <a:ext cx="1006766" cy="1216152"/>
+          </a:xfrm>
+          <a:prstGeom prst="rect">
+            <a:avLst/>
+          </a:prstGeom>
+          <a:solidFill>
+            <a:schemeClr val="accent1"/>
+          </a:solidFill>
+          <a:ln>
+            <a:noFill/>
+          </a:ln>
+        </p:spPr>
+        <p:style>
+          <a:lnRef idx="2">
+            <a:schemeClr val="accent1">
+              <a:shade val="50000"/>
+            </a:schemeClr>
+          </a:lnRef>
+          <a:fillRef idx="1">
+            <a:schemeClr val="accent1"/>
+          </a:fillRef>
+          <a:effectRef idx="0">
+            <a:schemeClr val="accent1"/>
+          </a:effectRef>
+          <a:fontRef idx="minor">
+            <a:schemeClr val="lt1"/>
+          </a:fontRef>
+        </p:style>
+        <p:txBody>
+          <a:bodyPr rtlCol="0" anchor="ctr"/>
+          <a:lstStyle/>
+          <a:p>
+            <a:pPr algn="ctr"/>
+            <a:endParaRPr lang="en-US"/>
+          </a:p>
+        </p:txBody>
+      </p:sp>
+      <p:sp>
+        <p:nvSpPr>
+          <p:cNvPr id="17" name="Rectangle 16">
+            <a:extLst>
+              <a:ext uri="{FF2B5EF4-FFF2-40B4-BE49-F238E27FC236}">
+                <a16:creationId xmlns:a16="http://schemas.microsoft.com/office/drawing/2014/main" id="{9D9D367D-6DD2-4A7C-8918-0DCAC297559A}"/>
+              </a:ext>
+              <a:ext uri="{C183D7F6-B498-43B3-948B-1728B52AA6E4}">
+                <adec:decorative xmlns:adec="http://schemas.microsoft.com/office/drawing/2017/decorative" val="1"/>
+              </a:ext>
+            </a:extLst>
+          </p:cNvPr>
+          <p:cNvSpPr>
+            <a:spLocks noGrp="1" noRot="1" noChangeAspect="1" noMove="1" noResize="1" noEditPoints="1" noAdjustHandles="1" noChangeArrowheads="1" noChangeShapeType="1" noTextEdit="1"/>
+          </p:cNvSpPr>
+          <p:nvPr>
+            <p:extLst>
+              <p:ext uri="{386F3935-93C4-4BCD-93E2-E3B085C9AB24}">
+                <p16:designElem xmlns:p16="http://schemas.microsoft.com/office/powerpoint/2015/main" val="1"/>
+              </p:ext>
+            </p:extLst>
+          </p:nvPr>
+        </p:nvSpPr>
+        <p:spPr>
+          <a:xfrm rot="5400000">
+            <a:off x="-2390232" y="3396997"/>
+            <a:ext cx="6858002" cy="64008"/>
+          </a:xfrm>
+          <a:prstGeom prst="rect">
+            <a:avLst/>
+          </a:prstGeom>
+          <a:solidFill>
+            <a:schemeClr val="tx2"/>
+          </a:solidFill>
+          <a:ln>
+            <a:noFill/>
+          </a:ln>
+        </p:spPr>
+        <p:style>
+          <a:lnRef idx="2">
+            <a:schemeClr val="accent1">
+              <a:shade val="50000"/>
+            </a:schemeClr>
+          </a:lnRef>
+          <a:fillRef idx="1">
+            <a:schemeClr val="accent1"/>
+          </a:fillRef>
+          <a:effectRef idx="0">
+            <a:schemeClr val="accent1"/>
+          </a:effectRef>
+          <a:fontRef idx="minor">
+            <a:schemeClr val="lt1"/>
+          </a:fontRef>
+        </p:style>
+        <p:txBody>
+          <a:bodyPr rtlCol="0" anchor="ctr"/>
+          <a:lstStyle/>
+          <a:p>
+            <a:pPr algn="ctr"/>
+            <a:endParaRPr lang="en-US"/>
+          </a:p>
+        </p:txBody>
+      </p:sp>
+      <p:sp>
+        <p:nvSpPr>
+          <p:cNvPr id="4" name="Espace réservé du numéro de diapositive 3">
+            <a:extLst>
+              <a:ext uri="{FF2B5EF4-FFF2-40B4-BE49-F238E27FC236}">
+                <a16:creationId xmlns:a16="http://schemas.microsoft.com/office/drawing/2014/main" id="{24DE132C-A70F-4F7F-E002-E5F1F1D2C6C1}"/>
+              </a:ext>
+            </a:extLst>
+          </p:cNvPr>
+          <p:cNvSpPr>
+            <a:spLocks noGrp="1"/>
+          </p:cNvSpPr>
+          <p:nvPr>
+            <p:ph type="sldNum" sz="quarter" idx="12"/>
+          </p:nvPr>
+        </p:nvSpPr>
+        <p:spPr>
+          <a:xfrm>
+            <a:off x="10569202" y="6309360"/>
+            <a:ext cx="979879" cy="457200"/>
+          </a:xfrm>
+        </p:spPr>
+        <p:txBody>
+          <a:bodyPr>
+            <a:normAutofit/>
+          </a:bodyPr>
+          <a:lstStyle/>
+          <a:p>
+            <a:pPr>
+              <a:spcAft>
+                <a:spcPts val="600"/>
+              </a:spcAft>
+            </a:pPr>
+            <a:fld id="{FAEF9944-A4F6-4C59-AEBD-678D6480B8EA}" type="slidenum">
+              <a:rPr lang="en-US" smtClean="0"/>
+              <a:pPr>
+                <a:spcAft>
+                  <a:spcPts val="600"/>
+                </a:spcAft>
+              </a:pPr>
+              <a:t>5</a:t>
+            </a:fld>
+            <a:endParaRPr lang="en-US"/>
+          </a:p>
+        </p:txBody>
+      </p:sp>
+      <p:sp>
+        <p:nvSpPr>
+          <p:cNvPr id="26" name="Rectangle 25">
+            <a:extLst>
+              <a:ext uri="{FF2B5EF4-FFF2-40B4-BE49-F238E27FC236}">
+                <a16:creationId xmlns:a16="http://schemas.microsoft.com/office/drawing/2014/main" id="{39548C1A-0706-67A6-4FA2-8879251CA990}"/>
+              </a:ext>
+            </a:extLst>
+          </p:cNvPr>
+          <p:cNvSpPr/>
+          <p:nvPr/>
+        </p:nvSpPr>
+        <p:spPr>
+          <a:xfrm>
+            <a:off x="366101" y="2449028"/>
+            <a:ext cx="2338539" cy="749228"/>
+          </a:xfrm>
+          <a:prstGeom prst="rect">
+            <a:avLst/>
+          </a:prstGeom>
+          <a:ln>
+            <a:solidFill>
+              <a:schemeClr val="tx1"/>
+            </a:solidFill>
+          </a:ln>
+        </p:spPr>
+        <p:style>
+          <a:lnRef idx="2">
+            <a:schemeClr val="accent6"/>
+          </a:lnRef>
+          <a:fillRef idx="1">
+            <a:schemeClr val="lt1"/>
+          </a:fillRef>
+          <a:effectRef idx="0">
+            <a:schemeClr val="accent6"/>
+          </a:effectRef>
+          <a:fontRef idx="minor">
+            <a:schemeClr val="dk1"/>
+          </a:fontRef>
+        </p:style>
+        <p:txBody>
+          <a:bodyPr rtlCol="0" anchor="ctr"/>
+          <a:lstStyle/>
+          <a:p>
+            <a:pPr algn="ctr"/>
+            <a:r>
+              <a:rPr lang="fr-FR" sz="1500" dirty="0"/>
+              <a:t>Lecture du fichier .txt</a:t>
+            </a:r>
+          </a:p>
+        </p:txBody>
+      </p:sp>
+      <p:sp>
+        <p:nvSpPr>
+          <p:cNvPr id="27" name="Rectangle 26">
+            <a:extLst>
+              <a:ext uri="{FF2B5EF4-FFF2-40B4-BE49-F238E27FC236}">
+                <a16:creationId xmlns:a16="http://schemas.microsoft.com/office/drawing/2014/main" id="{89D6F261-44A9-66AE-1007-3A1C34B19C35}"/>
+              </a:ext>
+            </a:extLst>
+          </p:cNvPr>
+          <p:cNvSpPr/>
+          <p:nvPr/>
+        </p:nvSpPr>
+        <p:spPr>
+          <a:xfrm>
+            <a:off x="366100" y="3933125"/>
+            <a:ext cx="2338539" cy="749228"/>
+          </a:xfrm>
+          <a:prstGeom prst="rect">
+            <a:avLst/>
+          </a:prstGeom>
+          <a:ln>
+            <a:solidFill>
+              <a:schemeClr val="tx1"/>
+            </a:solidFill>
+          </a:ln>
+        </p:spPr>
+        <p:style>
+          <a:lnRef idx="2">
+            <a:schemeClr val="accent6"/>
+          </a:lnRef>
+          <a:fillRef idx="1">
+            <a:schemeClr val="lt1"/>
+          </a:fillRef>
+          <a:effectRef idx="0">
+            <a:schemeClr val="accent6"/>
+          </a:effectRef>
+          <a:fontRef idx="minor">
+            <a:schemeClr val="dk1"/>
+          </a:fontRef>
+        </p:style>
+        <p:txBody>
+          <a:bodyPr rtlCol="0" anchor="ctr"/>
+          <a:lstStyle/>
+          <a:p>
+            <a:pPr algn="ctr"/>
+            <a:r>
+              <a:rPr lang="fr-FR" sz="1500" dirty="0"/>
+              <a:t>Enregistrement sous une liste chainée</a:t>
+            </a:r>
+          </a:p>
+        </p:txBody>
+      </p:sp>
+      <p:sp>
+        <p:nvSpPr>
+          <p:cNvPr id="28" name="Rectangle 27">
+            <a:extLst>
+              <a:ext uri="{FF2B5EF4-FFF2-40B4-BE49-F238E27FC236}">
+                <a16:creationId xmlns:a16="http://schemas.microsoft.com/office/drawing/2014/main" id="{00E5F6B9-5160-65E1-D053-16A087F37FFD}"/>
+              </a:ext>
+            </a:extLst>
+          </p:cNvPr>
+          <p:cNvSpPr/>
+          <p:nvPr/>
+        </p:nvSpPr>
+        <p:spPr>
+          <a:xfrm>
+            <a:off x="4898233" y="2321726"/>
+            <a:ext cx="2338539" cy="749228"/>
+          </a:xfrm>
+          <a:prstGeom prst="rect">
+            <a:avLst/>
+          </a:prstGeom>
+          <a:ln>
+            <a:solidFill>
+              <a:schemeClr val="tx1"/>
+            </a:solidFill>
+          </a:ln>
+        </p:spPr>
+        <p:style>
+          <a:lnRef idx="2">
+            <a:schemeClr val="accent6"/>
+          </a:lnRef>
+          <a:fillRef idx="1">
+            <a:schemeClr val="lt1"/>
+          </a:fillRef>
+          <a:effectRef idx="0">
+            <a:schemeClr val="accent6"/>
+          </a:effectRef>
+          <a:fontRef idx="minor">
+            <a:schemeClr val="dk1"/>
+          </a:fontRef>
+        </p:style>
+        <p:txBody>
+          <a:bodyPr rtlCol="0" anchor="ctr"/>
+          <a:lstStyle/>
+          <a:p>
+            <a:pPr algn="ctr"/>
+            <a:r>
+              <a:rPr lang="fr-FR" sz="1500" dirty="0"/>
+              <a:t>Construction de l’arbre binaire</a:t>
+            </a:r>
+          </a:p>
+        </p:txBody>
+      </p:sp>
+      <p:pic>
+        <p:nvPicPr>
+          <p:cNvPr id="30" name="Image 29">
+            <a:extLst>
+              <a:ext uri="{FF2B5EF4-FFF2-40B4-BE49-F238E27FC236}">
+                <a16:creationId xmlns:a16="http://schemas.microsoft.com/office/drawing/2014/main" id="{76959DD4-2532-2F89-AE75-6AA6549FAD0E}"/>
+              </a:ext>
+            </a:extLst>
+          </p:cNvPr>
+          <p:cNvPicPr>
+            <a:picLocks noChangeAspect="1"/>
+          </p:cNvPicPr>
+          <p:nvPr/>
+        </p:nvPicPr>
+        <p:blipFill>
+          <a:blip r:embed="rId3"/>
+          <a:stretch>
+            <a:fillRect/>
+          </a:stretch>
+        </p:blipFill>
+        <p:spPr>
+          <a:xfrm>
+            <a:off x="2048292" y="6349986"/>
+            <a:ext cx="656347" cy="416574"/>
+          </a:xfrm>
+          <a:prstGeom prst="rect">
+            <a:avLst/>
+          </a:prstGeom>
+        </p:spPr>
+      </p:pic>
+      <p:sp>
+        <p:nvSpPr>
+          <p:cNvPr id="31" name="Rectangle 30">
+            <a:extLst>
+              <a:ext uri="{FF2B5EF4-FFF2-40B4-BE49-F238E27FC236}">
+                <a16:creationId xmlns:a16="http://schemas.microsoft.com/office/drawing/2014/main" id="{175DF17E-1037-B245-D020-7D7BE9D007EA}"/>
+              </a:ext>
+            </a:extLst>
+          </p:cNvPr>
+          <p:cNvSpPr/>
+          <p:nvPr/>
+        </p:nvSpPr>
+        <p:spPr>
+          <a:xfrm>
+            <a:off x="4820219" y="3800343"/>
+            <a:ext cx="2338539" cy="1124184"/>
+          </a:xfrm>
+          <a:prstGeom prst="rect">
+            <a:avLst/>
+          </a:prstGeom>
+          <a:ln>
+            <a:solidFill>
+              <a:schemeClr val="tx1"/>
+            </a:solidFill>
+          </a:ln>
+        </p:spPr>
+        <p:style>
+          <a:lnRef idx="2">
+            <a:schemeClr val="accent6"/>
+          </a:lnRef>
+          <a:fillRef idx="1">
+            <a:schemeClr val="lt1"/>
+          </a:fillRef>
+          <a:effectRef idx="0">
+            <a:schemeClr val="accent6"/>
+          </a:effectRef>
+          <a:fontRef idx="minor">
+            <a:schemeClr val="dk1"/>
+          </a:fontRef>
+        </p:style>
+        <p:txBody>
+          <a:bodyPr rtlCol="0" anchor="ctr"/>
+          <a:lstStyle/>
+          <a:p>
+            <a:pPr algn="ctr"/>
+            <a:r>
+              <a:rPr lang="fr-FR" sz="1500" dirty="0"/>
+              <a:t>Lecture du fichier .bin et enregistrement sous une chaine des caractères</a:t>
+            </a:r>
+          </a:p>
+        </p:txBody>
+      </p:sp>
+      <p:sp>
+        <p:nvSpPr>
+          <p:cNvPr id="32" name="Rectangle 31">
+            <a:extLst>
+              <a:ext uri="{FF2B5EF4-FFF2-40B4-BE49-F238E27FC236}">
+                <a16:creationId xmlns:a16="http://schemas.microsoft.com/office/drawing/2014/main" id="{6DB9BCD8-95F1-7B16-4147-B59F449B8635}"/>
+              </a:ext>
+            </a:extLst>
+          </p:cNvPr>
+          <p:cNvSpPr/>
+          <p:nvPr/>
+        </p:nvSpPr>
+        <p:spPr>
+          <a:xfrm>
+            <a:off x="4898234" y="5813946"/>
+            <a:ext cx="2338539" cy="749228"/>
+          </a:xfrm>
+          <a:prstGeom prst="rect">
+            <a:avLst/>
+          </a:prstGeom>
+          <a:ln>
+            <a:solidFill>
+              <a:schemeClr val="tx1"/>
+            </a:solidFill>
+          </a:ln>
+        </p:spPr>
+        <p:style>
+          <a:lnRef idx="2">
+            <a:schemeClr val="accent6"/>
+          </a:lnRef>
+          <a:fillRef idx="1">
+            <a:schemeClr val="lt1"/>
+          </a:fillRef>
+          <a:effectRef idx="0">
+            <a:schemeClr val="accent6"/>
+          </a:effectRef>
+          <a:fontRef idx="minor">
+            <a:schemeClr val="dk1"/>
+          </a:fontRef>
+        </p:style>
+        <p:txBody>
+          <a:bodyPr rtlCol="0" anchor="ctr"/>
+          <a:lstStyle/>
+          <a:p>
+            <a:pPr algn="ctr"/>
+            <a:r>
+              <a:rPr lang="fr-FR" sz="1500" dirty="0"/>
+              <a:t>Transformation de octets vers bits</a:t>
+            </a:r>
+          </a:p>
+        </p:txBody>
+      </p:sp>
+      <p:sp>
+        <p:nvSpPr>
+          <p:cNvPr id="33" name="Rectangle 32">
+            <a:extLst>
+              <a:ext uri="{FF2B5EF4-FFF2-40B4-BE49-F238E27FC236}">
+                <a16:creationId xmlns:a16="http://schemas.microsoft.com/office/drawing/2014/main" id="{00CF1A95-7FCE-18BC-F028-16E553F82074}"/>
+              </a:ext>
+            </a:extLst>
+          </p:cNvPr>
+          <p:cNvSpPr/>
+          <p:nvPr/>
+        </p:nvSpPr>
+        <p:spPr>
+          <a:xfrm>
+            <a:off x="9399932" y="3166323"/>
+            <a:ext cx="2338539" cy="749228"/>
+          </a:xfrm>
+          <a:prstGeom prst="rect">
+            <a:avLst/>
+          </a:prstGeom>
+          <a:ln>
+            <a:solidFill>
+              <a:schemeClr val="tx1"/>
+            </a:solidFill>
+          </a:ln>
+        </p:spPr>
+        <p:style>
+          <a:lnRef idx="2">
+            <a:schemeClr val="accent6"/>
+          </a:lnRef>
+          <a:fillRef idx="1">
+            <a:schemeClr val="lt1"/>
+          </a:fillRef>
+          <a:effectRef idx="0">
+            <a:schemeClr val="accent6"/>
+          </a:effectRef>
+          <a:fontRef idx="minor">
+            <a:schemeClr val="dk1"/>
+          </a:fontRef>
+        </p:style>
+        <p:txBody>
+          <a:bodyPr rtlCol="0" anchor="ctr"/>
+          <a:lstStyle/>
+          <a:p>
+            <a:pPr algn="ctr"/>
+            <a:r>
+              <a:rPr lang="fr-FR" sz="1500" dirty="0" err="1"/>
+              <a:t>Decodage</a:t>
+            </a:r>
+            <a:endParaRPr lang="fr-FR" sz="1500" dirty="0"/>
+          </a:p>
+        </p:txBody>
+      </p:sp>
+      <p:sp>
+        <p:nvSpPr>
+          <p:cNvPr id="34" name="Rectangle 33">
+            <a:extLst>
+              <a:ext uri="{FF2B5EF4-FFF2-40B4-BE49-F238E27FC236}">
+                <a16:creationId xmlns:a16="http://schemas.microsoft.com/office/drawing/2014/main" id="{C9D6152D-1FBD-E431-4535-D3C3C274EBA4}"/>
+              </a:ext>
+            </a:extLst>
+          </p:cNvPr>
+          <p:cNvSpPr/>
+          <p:nvPr/>
+        </p:nvSpPr>
+        <p:spPr>
+          <a:xfrm>
+            <a:off x="9399931" y="4817064"/>
+            <a:ext cx="2338539" cy="749228"/>
+          </a:xfrm>
+          <a:prstGeom prst="rect">
+            <a:avLst/>
+          </a:prstGeom>
+          <a:ln>
+            <a:solidFill>
+              <a:schemeClr val="tx1"/>
+            </a:solidFill>
+          </a:ln>
+        </p:spPr>
+        <p:style>
+          <a:lnRef idx="2">
+            <a:schemeClr val="accent6"/>
+          </a:lnRef>
+          <a:fillRef idx="1">
+            <a:schemeClr val="lt1"/>
+          </a:fillRef>
+          <a:effectRef idx="0">
+            <a:schemeClr val="accent6"/>
+          </a:effectRef>
+          <a:fontRef idx="minor">
+            <a:schemeClr val="dk1"/>
+          </a:fontRef>
+        </p:style>
+        <p:txBody>
+          <a:bodyPr rtlCol="0" anchor="ctr"/>
+          <a:lstStyle/>
+          <a:p>
+            <a:pPr algn="ctr"/>
+            <a:r>
+              <a:rPr lang="fr-FR" sz="1500" dirty="0"/>
+              <a:t>Enregistrement sous fichier .txt</a:t>
+            </a:r>
+          </a:p>
+        </p:txBody>
+      </p:sp>
+      <p:pic>
+        <p:nvPicPr>
+          <p:cNvPr id="35" name="Image 34">
+            <a:extLst>
+              <a:ext uri="{FF2B5EF4-FFF2-40B4-BE49-F238E27FC236}">
+                <a16:creationId xmlns:a16="http://schemas.microsoft.com/office/drawing/2014/main" id="{8F34A27F-D0EF-CAA9-2486-76FFF559C626}"/>
+              </a:ext>
+            </a:extLst>
+          </p:cNvPr>
+          <p:cNvPicPr>
+            <a:picLocks noChangeAspect="1"/>
+          </p:cNvPicPr>
+          <p:nvPr/>
+        </p:nvPicPr>
+        <p:blipFill>
+          <a:blip r:embed="rId4"/>
+          <a:stretch>
+            <a:fillRect/>
+          </a:stretch>
+        </p:blipFill>
+        <p:spPr>
+          <a:xfrm>
+            <a:off x="7165984" y="4384414"/>
+            <a:ext cx="717658" cy="490204"/>
+          </a:xfrm>
+          <a:prstGeom prst="rect">
+            <a:avLst/>
+          </a:prstGeom>
+        </p:spPr>
+      </p:pic>
+      <p:pic>
+        <p:nvPicPr>
+          <p:cNvPr id="36" name="Image 35">
+            <a:extLst>
+              <a:ext uri="{FF2B5EF4-FFF2-40B4-BE49-F238E27FC236}">
+                <a16:creationId xmlns:a16="http://schemas.microsoft.com/office/drawing/2014/main" id="{2364AC38-3660-528F-CBD2-F7B098457299}"/>
+              </a:ext>
+            </a:extLst>
+          </p:cNvPr>
+          <p:cNvPicPr>
+            <a:picLocks noChangeAspect="1"/>
+          </p:cNvPicPr>
+          <p:nvPr/>
+        </p:nvPicPr>
+        <p:blipFill>
+          <a:blip r:embed="rId4"/>
+          <a:stretch>
+            <a:fillRect/>
+          </a:stretch>
+        </p:blipFill>
+        <p:spPr>
+          <a:xfrm>
+            <a:off x="2077539" y="4701474"/>
+            <a:ext cx="717658" cy="490204"/>
+          </a:xfrm>
+          <a:prstGeom prst="rect">
+            <a:avLst/>
+          </a:prstGeom>
+        </p:spPr>
+      </p:pic>
+      <p:pic>
+        <p:nvPicPr>
+          <p:cNvPr id="38" name="Image 37">
+            <a:extLst>
+              <a:ext uri="{FF2B5EF4-FFF2-40B4-BE49-F238E27FC236}">
+                <a16:creationId xmlns:a16="http://schemas.microsoft.com/office/drawing/2014/main" id="{266D7D47-5D15-0D51-97D8-DC8771E81727}"/>
+              </a:ext>
+            </a:extLst>
+          </p:cNvPr>
+          <p:cNvPicPr>
+            <a:picLocks noChangeAspect="1"/>
+          </p:cNvPicPr>
+          <p:nvPr/>
+        </p:nvPicPr>
+        <p:blipFill>
+          <a:blip r:embed="rId5"/>
+          <a:stretch>
+            <a:fillRect/>
+          </a:stretch>
+        </p:blipFill>
+        <p:spPr>
+          <a:xfrm>
+            <a:off x="343559" y="4682353"/>
+            <a:ext cx="761566" cy="490204"/>
+          </a:xfrm>
+          <a:prstGeom prst="rect">
+            <a:avLst/>
+          </a:prstGeom>
+        </p:spPr>
+      </p:pic>
+      <p:sp>
+        <p:nvSpPr>
+          <p:cNvPr id="39" name="Rectangle 38">
+            <a:extLst>
+              <a:ext uri="{FF2B5EF4-FFF2-40B4-BE49-F238E27FC236}">
+                <a16:creationId xmlns:a16="http://schemas.microsoft.com/office/drawing/2014/main" id="{4BDF3CD7-782C-95FD-9B7B-E2D3B8E37200}"/>
+              </a:ext>
+            </a:extLst>
+          </p:cNvPr>
+          <p:cNvSpPr/>
+          <p:nvPr/>
+        </p:nvSpPr>
+        <p:spPr>
+          <a:xfrm>
+            <a:off x="396535" y="5665852"/>
+            <a:ext cx="2338539" cy="749228"/>
+          </a:xfrm>
+          <a:prstGeom prst="rect">
+            <a:avLst/>
+          </a:prstGeom>
+          <a:ln>
+            <a:solidFill>
+              <a:schemeClr val="tx1"/>
+            </a:solidFill>
+          </a:ln>
+        </p:spPr>
+        <p:style>
+          <a:lnRef idx="2">
+            <a:schemeClr val="accent6"/>
+          </a:lnRef>
+          <a:fillRef idx="1">
+            <a:schemeClr val="lt1"/>
+          </a:fillRef>
+          <a:effectRef idx="0">
+            <a:schemeClr val="accent6"/>
+          </a:effectRef>
+          <a:fontRef idx="minor">
+            <a:schemeClr val="dk1"/>
+          </a:fontRef>
+        </p:style>
+        <p:txBody>
+          <a:bodyPr rtlCol="0" anchor="ctr"/>
+          <a:lstStyle/>
+          <a:p>
+            <a:pPr algn="ctr"/>
+            <a:r>
+              <a:rPr lang="fr-FR" sz="1500" dirty="0"/>
+              <a:t>Construction d’une liste des </a:t>
+            </a:r>
+            <a:r>
+              <a:rPr lang="fr-FR" sz="1500" dirty="0" err="1"/>
+              <a:t>noeuds</a:t>
+            </a:r>
+            <a:endParaRPr lang="fr-FR" sz="1500" dirty="0"/>
+          </a:p>
+        </p:txBody>
+      </p:sp>
+      <p:pic>
+        <p:nvPicPr>
+          <p:cNvPr id="41" name="Image 40">
+            <a:extLst>
+              <a:ext uri="{FF2B5EF4-FFF2-40B4-BE49-F238E27FC236}">
+                <a16:creationId xmlns:a16="http://schemas.microsoft.com/office/drawing/2014/main" id="{2377D57A-C609-62D2-DEAC-6B8E03C507EF}"/>
+              </a:ext>
+            </a:extLst>
+          </p:cNvPr>
+          <p:cNvPicPr>
+            <a:picLocks noChangeAspect="1"/>
+          </p:cNvPicPr>
+          <p:nvPr/>
+        </p:nvPicPr>
+        <p:blipFill>
+          <a:blip r:embed="rId6"/>
+          <a:stretch>
+            <a:fillRect/>
+          </a:stretch>
+        </p:blipFill>
+        <p:spPr>
+          <a:xfrm>
+            <a:off x="97829" y="6435252"/>
+            <a:ext cx="2338539" cy="155568"/>
+          </a:xfrm>
+          <a:prstGeom prst="rect">
+            <a:avLst/>
+          </a:prstGeom>
+        </p:spPr>
+      </p:pic>
+      <p:pic>
+        <p:nvPicPr>
+          <p:cNvPr id="43" name="Image 42">
+            <a:extLst>
+              <a:ext uri="{FF2B5EF4-FFF2-40B4-BE49-F238E27FC236}">
+                <a16:creationId xmlns:a16="http://schemas.microsoft.com/office/drawing/2014/main" id="{69E1CD00-EE35-31BC-70F7-0D541192C355}"/>
+              </a:ext>
+            </a:extLst>
+          </p:cNvPr>
+          <p:cNvPicPr>
+            <a:picLocks noChangeAspect="1"/>
+          </p:cNvPicPr>
+          <p:nvPr/>
+        </p:nvPicPr>
+        <p:blipFill>
+          <a:blip r:embed="rId7"/>
+          <a:stretch>
+            <a:fillRect/>
+          </a:stretch>
+        </p:blipFill>
+        <p:spPr>
+          <a:xfrm>
+            <a:off x="2006251" y="3226924"/>
+            <a:ext cx="698388" cy="263281"/>
+          </a:xfrm>
+          <a:prstGeom prst="rect">
+            <a:avLst/>
+          </a:prstGeom>
+        </p:spPr>
+      </p:pic>
+      <p:pic>
+        <p:nvPicPr>
+          <p:cNvPr id="44" name="Image 43">
+            <a:extLst>
+              <a:ext uri="{FF2B5EF4-FFF2-40B4-BE49-F238E27FC236}">
+                <a16:creationId xmlns:a16="http://schemas.microsoft.com/office/drawing/2014/main" id="{8565829C-AEEF-D43A-DFE3-CB71615AF2B9}"/>
+              </a:ext>
+            </a:extLst>
+          </p:cNvPr>
+          <p:cNvPicPr>
+            <a:picLocks noChangeAspect="1"/>
+          </p:cNvPicPr>
+          <p:nvPr/>
+        </p:nvPicPr>
+        <p:blipFill>
+          <a:blip r:embed="rId7"/>
+          <a:stretch>
+            <a:fillRect/>
+          </a:stretch>
+        </p:blipFill>
+        <p:spPr>
+          <a:xfrm>
+            <a:off x="7196272" y="3944883"/>
+            <a:ext cx="698388" cy="263281"/>
+          </a:xfrm>
+          <a:prstGeom prst="rect">
+            <a:avLst/>
+          </a:prstGeom>
+        </p:spPr>
+      </p:pic>
+      <p:pic>
+        <p:nvPicPr>
+          <p:cNvPr id="46" name="Image 45">
+            <a:extLst>
+              <a:ext uri="{FF2B5EF4-FFF2-40B4-BE49-F238E27FC236}">
+                <a16:creationId xmlns:a16="http://schemas.microsoft.com/office/drawing/2014/main" id="{921302EA-B87F-1757-E8A2-557606B6B44D}"/>
+              </a:ext>
+            </a:extLst>
+          </p:cNvPr>
+          <p:cNvPicPr>
+            <a:picLocks noChangeAspect="1"/>
+          </p:cNvPicPr>
+          <p:nvPr/>
+        </p:nvPicPr>
+        <p:blipFill>
+          <a:blip r:embed="rId8"/>
+          <a:stretch>
+            <a:fillRect/>
+          </a:stretch>
+        </p:blipFill>
+        <p:spPr>
+          <a:xfrm>
+            <a:off x="7236772" y="2583823"/>
+            <a:ext cx="524394" cy="504917"/>
+          </a:xfrm>
+          <a:prstGeom prst="rect">
+            <a:avLst/>
+          </a:prstGeom>
+        </p:spPr>
+      </p:pic>
+      <p:pic>
+        <p:nvPicPr>
+          <p:cNvPr id="48" name="Image 47">
+            <a:extLst>
+              <a:ext uri="{FF2B5EF4-FFF2-40B4-BE49-F238E27FC236}">
+                <a16:creationId xmlns:a16="http://schemas.microsoft.com/office/drawing/2014/main" id="{D91A3A53-E515-CF03-8190-9EEC69C1DD5E}"/>
+              </a:ext>
+            </a:extLst>
+          </p:cNvPr>
+          <p:cNvPicPr>
+            <a:picLocks noChangeAspect="1"/>
+          </p:cNvPicPr>
+          <p:nvPr/>
+        </p:nvPicPr>
+        <p:blipFill>
+          <a:blip r:embed="rId9"/>
+          <a:stretch>
+            <a:fillRect/>
+          </a:stretch>
+        </p:blipFill>
+        <p:spPr>
+          <a:xfrm>
+            <a:off x="10839429" y="2300161"/>
+            <a:ext cx="929475" cy="894952"/>
+          </a:xfrm>
+          <a:prstGeom prst="rect">
+            <a:avLst/>
+          </a:prstGeom>
+        </p:spPr>
+      </p:pic>
+      <p:pic>
+        <p:nvPicPr>
+          <p:cNvPr id="50" name="Image 49">
+            <a:extLst>
+              <a:ext uri="{FF2B5EF4-FFF2-40B4-BE49-F238E27FC236}">
+                <a16:creationId xmlns:a16="http://schemas.microsoft.com/office/drawing/2014/main" id="{2CCAC6F0-8E4A-81EE-B08E-F65A5C385732}"/>
+              </a:ext>
+            </a:extLst>
+          </p:cNvPr>
+          <p:cNvPicPr>
+            <a:picLocks noChangeAspect="1"/>
+          </p:cNvPicPr>
+          <p:nvPr/>
+        </p:nvPicPr>
+        <p:blipFill>
+          <a:blip r:embed="rId10"/>
+          <a:stretch>
+            <a:fillRect/>
+          </a:stretch>
+        </p:blipFill>
+        <p:spPr>
+          <a:xfrm>
+            <a:off x="4447275" y="6592538"/>
+            <a:ext cx="1157918" cy="130103"/>
+          </a:xfrm>
+          <a:prstGeom prst="rect">
+            <a:avLst/>
+          </a:prstGeom>
+        </p:spPr>
+      </p:pic>
+      <p:pic>
+        <p:nvPicPr>
+          <p:cNvPr id="52" name="Image 51">
+            <a:extLst>
+              <a:ext uri="{FF2B5EF4-FFF2-40B4-BE49-F238E27FC236}">
+                <a16:creationId xmlns:a16="http://schemas.microsoft.com/office/drawing/2014/main" id="{BE4D29C4-CDB4-18AB-9261-502614BEC745}"/>
+              </a:ext>
+            </a:extLst>
+          </p:cNvPr>
+          <p:cNvPicPr>
+            <a:picLocks noChangeAspect="1"/>
+          </p:cNvPicPr>
+          <p:nvPr/>
+        </p:nvPicPr>
+        <p:blipFill>
+          <a:blip r:embed="rId11"/>
+          <a:stretch>
+            <a:fillRect/>
+          </a:stretch>
+        </p:blipFill>
+        <p:spPr>
+          <a:xfrm>
+            <a:off x="5656635" y="6606225"/>
+            <a:ext cx="2107663" cy="130103"/>
+          </a:xfrm>
+          <a:prstGeom prst="rect">
+            <a:avLst/>
+          </a:prstGeom>
+        </p:spPr>
+      </p:pic>
+    </p:spTree>
+    <p:extLst>
+      <p:ext uri="{BB962C8B-B14F-4D97-AF65-F5344CB8AC3E}">
+        <p14:creationId xmlns:p14="http://schemas.microsoft.com/office/powerpoint/2010/main" val="2253596757"/>
+      </p:ext>
+    </p:extLst>
+  </p:cSld>
+  <p:clrMapOvr>
+    <a:masterClrMapping/>
+  </p:clrMapOvr>
+  <mc:AlternateContent xmlns:mc="http://schemas.openxmlformats.org/markup-compatibility/2006">
+    <mc:Choice xmlns:p159="http://schemas.microsoft.com/office/powerpoint/2015/09/main" Requires="p159">
+      <p:transition xmlns:p14="http://schemas.microsoft.com/office/powerpoint/2010/main" spd="slow" p14:dur="2000">
+        <p159:morph option="byObject"/>
+      </p:transition>
+    </mc:Choice>
+    <mc:Fallback>
+      <p:transition spd="slow">
+        <p:fade/>
+      </p:transition>
+    </mc:Fallback>
+  </mc:AlternateContent>
 </p:sld>
 </file>
 
@@ -4713,4 +11212,319 @@
     </a:ext>
   </a:extLst>
 </a:theme>
+</file>
+
+<file path=ppt/theme/theme2.xml><?xml version="1.0" encoding="utf-8"?>
+<a:theme xmlns:a="http://schemas.openxmlformats.org/drawingml/2006/main" name="Thème Office">
+  <a:themeElements>
+    <a:clrScheme name="Office">
+      <a:dk1>
+        <a:sysClr val="windowText" lastClr="000000"/>
+      </a:dk1>
+      <a:lt1>
+        <a:sysClr val="window" lastClr="FFFFFF"/>
+      </a:lt1>
+      <a:dk2>
+        <a:srgbClr val="0E2841"/>
+      </a:dk2>
+      <a:lt2>
+        <a:srgbClr val="E8E8E8"/>
+      </a:lt2>
+      <a:accent1>
+        <a:srgbClr val="156082"/>
+      </a:accent1>
+      <a:accent2>
+        <a:srgbClr val="E97132"/>
+      </a:accent2>
+      <a:accent3>
+        <a:srgbClr val="196B24"/>
+      </a:accent3>
+      <a:accent4>
+        <a:srgbClr val="0F9ED5"/>
+      </a:accent4>
+      <a:accent5>
+        <a:srgbClr val="A02B93"/>
+      </a:accent5>
+      <a:accent6>
+        <a:srgbClr val="4EA72E"/>
+      </a:accent6>
+      <a:hlink>
+        <a:srgbClr val="467886"/>
+      </a:hlink>
+      <a:folHlink>
+        <a:srgbClr val="96607D"/>
+      </a:folHlink>
+    </a:clrScheme>
+    <a:fontScheme name="Office">
+      <a:majorFont>
+        <a:latin typeface="Aptos Display" panose="02110004020202020204"/>
+        <a:ea typeface=""/>
+        <a:cs typeface=""/>
+        <a:font script="Jpan" typeface="游ゴシック Light"/>
+        <a:font script="Hang" typeface="맑은 고딕"/>
+        <a:font script="Hans" typeface="等线 Light"/>
+        <a:font script="Hant" typeface="新細明體"/>
+        <a:font script="Arab" typeface="Times New Roman"/>
+        <a:font script="Hebr" typeface="Times New Roman"/>
+        <a:font script="Thai" typeface="Angsana New"/>
+        <a:font script="Ethi" typeface="Nyala"/>
+        <a:font script="Beng" typeface="Vrinda"/>
+        <a:font script="Gujr" typeface="Shruti"/>
+        <a:font script="Khmr" typeface="MoolBoran"/>
+        <a:font script="Knda" typeface="Tunga"/>
+        <a:font script="Guru" typeface="Raavi"/>
+        <a:font script="Cans" typeface="Euphemia"/>
+        <a:font script="Cher" typeface="Plantagenet Cherokee"/>
+        <a:font script="Yiii" typeface="Microsoft Yi Baiti"/>
+        <a:font script="Tibt" typeface="Microsoft Himalaya"/>
+        <a:font script="Thaa" typeface="MV Boli"/>
+        <a:font script="Deva" typeface="Mangal"/>
+        <a:font script="Telu" typeface="Gautami"/>
+        <a:font script="Taml" typeface="Latha"/>
+        <a:font script="Syrc" typeface="Estrangelo Edessa"/>
+        <a:font script="Orya" typeface="Kalinga"/>
+        <a:font script="Mlym" typeface="Kartika"/>
+        <a:font script="Laoo" typeface="DokChampa"/>
+        <a:font script="Sinh" typeface="Iskoola Pota"/>
+        <a:font script="Mong" typeface="Mongolian Baiti"/>
+        <a:font script="Viet" typeface="Times New Roman"/>
+        <a:font script="Uigh" typeface="Microsoft Uighur"/>
+        <a:font script="Geor" typeface="Sylfaen"/>
+        <a:font script="Armn" typeface="Arial"/>
+        <a:font script="Bugi" typeface="Leelawadee UI"/>
+        <a:font script="Bopo" typeface="Microsoft JhengHei"/>
+        <a:font script="Java" typeface="Javanese Text"/>
+        <a:font script="Lisu" typeface="Segoe UI"/>
+        <a:font script="Mymr" typeface="Myanmar Text"/>
+        <a:font script="Nkoo" typeface="Ebrima"/>
+        <a:font script="Olck" typeface="Nirmala UI"/>
+        <a:font script="Osma" typeface="Ebrima"/>
+        <a:font script="Phag" typeface="Phagspa"/>
+        <a:font script="Syrn" typeface="Estrangelo Edessa"/>
+        <a:font script="Syrj" typeface="Estrangelo Edessa"/>
+        <a:font script="Syre" typeface="Estrangelo Edessa"/>
+        <a:font script="Sora" typeface="Nirmala UI"/>
+        <a:font script="Tale" typeface="Microsoft Tai Le"/>
+        <a:font script="Talu" typeface="Microsoft New Tai Lue"/>
+        <a:font script="Tfng" typeface="Ebrima"/>
+      </a:majorFont>
+      <a:minorFont>
+        <a:latin typeface="Aptos" panose="02110004020202020204"/>
+        <a:ea typeface=""/>
+        <a:cs typeface=""/>
+        <a:font script="Jpan" typeface="游ゴシック"/>
+        <a:font script="Hang" typeface="맑은 고딕"/>
+        <a:font script="Hans" typeface="等线"/>
+        <a:font script="Hant" typeface="新細明體"/>
+        <a:font script="Arab" typeface="Arial"/>
+        <a:font script="Hebr" typeface="Arial"/>
+        <a:font script="Thai" typeface="Cordia New"/>
+        <a:font script="Ethi" typeface="Nyala"/>
+        <a:font script="Beng" typeface="Vrinda"/>
+        <a:font script="Gujr" typeface="Shruti"/>
+        <a:font script="Khmr" typeface="DaunPenh"/>
+        <a:font script="Knda" typeface="Tunga"/>
+        <a:font script="Guru" typeface="Raavi"/>
+        <a:font script="Cans" typeface="Euphemia"/>
+        <a:font script="Cher" typeface="Plantagenet Cherokee"/>
+        <a:font script="Yiii" typeface="Microsoft Yi Baiti"/>
+        <a:font script="Tibt" typeface="Microsoft Himalaya"/>
+        <a:font script="Thaa" typeface="MV Boli"/>
+        <a:font script="Deva" typeface="Mangal"/>
+        <a:font script="Telu" typeface="Gautami"/>
+        <a:font script="Taml" typeface="Latha"/>
+        <a:font script="Syrc" typeface="Estrangelo Edessa"/>
+        <a:font script="Orya" typeface="Kalinga"/>
+        <a:font script="Mlym" typeface="Kartika"/>
+        <a:font script="Laoo" typeface="DokChampa"/>
+        <a:font script="Sinh" typeface="Iskoola Pota"/>
+        <a:font script="Mong" typeface="Mongolian Baiti"/>
+        <a:font script="Viet" typeface="Arial"/>
+        <a:font script="Uigh" typeface="Microsoft Uighur"/>
+        <a:font script="Geor" typeface="Sylfaen"/>
+        <a:font script="Armn" typeface="Arial"/>
+        <a:font script="Bugi" typeface="Leelawadee UI"/>
+        <a:font script="Bopo" typeface="Microsoft JhengHei"/>
+        <a:font script="Java" typeface="Javanese Text"/>
+        <a:font script="Lisu" typeface="Segoe UI"/>
+        <a:font script="Mymr" typeface="Myanmar Text"/>
+        <a:font script="Nkoo" typeface="Ebrima"/>
+        <a:font script="Olck" typeface="Nirmala UI"/>
+        <a:font script="Osma" typeface="Ebrima"/>
+        <a:font script="Phag" typeface="Phagspa"/>
+        <a:font script="Syrn" typeface="Estrangelo Edessa"/>
+        <a:font script="Syrj" typeface="Estrangelo Edessa"/>
+        <a:font script="Syre" typeface="Estrangelo Edessa"/>
+        <a:font script="Sora" typeface="Nirmala UI"/>
+        <a:font script="Tale" typeface="Microsoft Tai Le"/>
+        <a:font script="Talu" typeface="Microsoft New Tai Lue"/>
+        <a:font script="Tfng" typeface="Ebrima"/>
+      </a:minorFont>
+    </a:fontScheme>
+    <a:fmtScheme name="Office">
+      <a:fillStyleLst>
+        <a:solidFill>
+          <a:schemeClr val="phClr"/>
+        </a:solidFill>
+        <a:gradFill rotWithShape="1">
+          <a:gsLst>
+            <a:gs pos="0">
+              <a:schemeClr val="phClr">
+                <a:lumMod val="110000"/>
+                <a:satMod val="105000"/>
+                <a:tint val="67000"/>
+              </a:schemeClr>
+            </a:gs>
+            <a:gs pos="50000">
+              <a:schemeClr val="phClr">
+                <a:lumMod val="105000"/>
+                <a:satMod val="103000"/>
+                <a:tint val="73000"/>
+              </a:schemeClr>
+            </a:gs>
+            <a:gs pos="100000">
+              <a:schemeClr val="phClr">
+                <a:lumMod val="105000"/>
+                <a:satMod val="109000"/>
+                <a:tint val="81000"/>
+              </a:schemeClr>
+            </a:gs>
+          </a:gsLst>
+          <a:lin ang="5400000" scaled="0"/>
+        </a:gradFill>
+        <a:gradFill rotWithShape="1">
+          <a:gsLst>
+            <a:gs pos="0">
+              <a:schemeClr val="phClr">
+                <a:satMod val="103000"/>
+                <a:lumMod val="102000"/>
+                <a:tint val="94000"/>
+              </a:schemeClr>
+            </a:gs>
+            <a:gs pos="50000">
+              <a:schemeClr val="phClr">
+                <a:satMod val="110000"/>
+                <a:lumMod val="100000"/>
+                <a:shade val="100000"/>
+              </a:schemeClr>
+            </a:gs>
+            <a:gs pos="100000">
+              <a:schemeClr val="phClr">
+                <a:lumMod val="99000"/>
+                <a:satMod val="120000"/>
+                <a:shade val="78000"/>
+              </a:schemeClr>
+            </a:gs>
+          </a:gsLst>
+          <a:lin ang="5400000" scaled="0"/>
+        </a:gradFill>
+      </a:fillStyleLst>
+      <a:lnStyleLst>
+        <a:ln w="12700" cap="flat" cmpd="sng" algn="ctr">
+          <a:solidFill>
+            <a:schemeClr val="phClr"/>
+          </a:solidFill>
+          <a:prstDash val="solid"/>
+          <a:miter lim="800000"/>
+        </a:ln>
+        <a:ln w="19050" cap="flat" cmpd="sng" algn="ctr">
+          <a:solidFill>
+            <a:schemeClr val="phClr"/>
+          </a:solidFill>
+          <a:prstDash val="solid"/>
+          <a:miter lim="800000"/>
+        </a:ln>
+        <a:ln w="25400" cap="flat" cmpd="sng" algn="ctr">
+          <a:solidFill>
+            <a:schemeClr val="phClr"/>
+          </a:solidFill>
+          <a:prstDash val="solid"/>
+          <a:miter lim="800000"/>
+        </a:ln>
+      </a:lnStyleLst>
+      <a:effectStyleLst>
+        <a:effectStyle>
+          <a:effectLst/>
+        </a:effectStyle>
+        <a:effectStyle>
+          <a:effectLst/>
+        </a:effectStyle>
+        <a:effectStyle>
+          <a:effectLst>
+            <a:outerShdw blurRad="57150" dist="19050" dir="5400000" algn="ctr" rotWithShape="0">
+              <a:srgbClr val="000000">
+                <a:alpha val="63000"/>
+              </a:srgbClr>
+            </a:outerShdw>
+          </a:effectLst>
+        </a:effectStyle>
+      </a:effectStyleLst>
+      <a:bgFillStyleLst>
+        <a:solidFill>
+          <a:schemeClr val="phClr"/>
+        </a:solidFill>
+        <a:solidFill>
+          <a:schemeClr val="phClr">
+            <a:tint val="95000"/>
+            <a:satMod val="170000"/>
+          </a:schemeClr>
+        </a:solidFill>
+        <a:gradFill rotWithShape="1">
+          <a:gsLst>
+            <a:gs pos="0">
+              <a:schemeClr val="phClr">
+                <a:tint val="93000"/>
+                <a:satMod val="150000"/>
+                <a:shade val="98000"/>
+                <a:lumMod val="102000"/>
+              </a:schemeClr>
+            </a:gs>
+            <a:gs pos="50000">
+              <a:schemeClr val="phClr">
+                <a:tint val="98000"/>
+                <a:satMod val="130000"/>
+                <a:shade val="90000"/>
+                <a:lumMod val="103000"/>
+              </a:schemeClr>
+            </a:gs>
+            <a:gs pos="100000">
+              <a:schemeClr val="phClr">
+                <a:shade val="63000"/>
+                <a:satMod val="120000"/>
+              </a:schemeClr>
+            </a:gs>
+          </a:gsLst>
+          <a:lin ang="5400000" scaled="0"/>
+        </a:gradFill>
+      </a:bgFillStyleLst>
+    </a:fmtScheme>
+  </a:themeElements>
+  <a:objectDefaults>
+    <a:lnDef>
+      <a:spPr/>
+      <a:bodyPr/>
+      <a:lstStyle/>
+      <a:style>
+        <a:lnRef idx="2">
+          <a:schemeClr val="accent1"/>
+        </a:lnRef>
+        <a:fillRef idx="0">
+          <a:schemeClr val="accent1"/>
+        </a:fillRef>
+        <a:effectRef idx="1">
+          <a:schemeClr val="accent1"/>
+        </a:effectRef>
+        <a:fontRef idx="minor">
+          <a:schemeClr val="tx1"/>
+        </a:fontRef>
+      </a:style>
+    </a:lnDef>
+  </a:objectDefaults>
+  <a:extraClrSchemeLst/>
+  <a:extLst>
+    <a:ext uri="{05A4C25C-085E-4340-85A3-A5531E510DB2}">
+      <thm15:themeFamily xmlns:thm15="http://schemas.microsoft.com/office/thememl/2012/main" name="Office Theme" id="{2E142A2C-CD16-42D6-873A-C26D2A0506FA}" vid="{1BDDFF52-6CD6-40A5-AB3C-68EB2F1E4D0A}"/>
+    </a:ext>
+  </a:extLst>
+</a:theme>
 </file>